--- a/slides/html.pptx
+++ b/slides/html.pptx
@@ -123,6 +123,10 @@
 </p:presentation>
 </file>
 
+<file path=ppt/revisionInfo.xml><?xml version="1.0" encoding="utf-8"?>
+<p1510:revInfo xmlns:a="http://schemas.openxmlformats.org/drawingml/2006/main" xmlns:r="http://schemas.openxmlformats.org/officeDocument/2006/relationships" xmlns:p1510="http://schemas.microsoft.com/office/powerpoint/2015/10/main"/>
+</file>
+
 <file path=ppt/handoutMasters/handoutMaster1.xml><?xml version="1.0" encoding="utf-8"?>
 <p:handoutMaster xmlns:a="http://schemas.openxmlformats.org/drawingml/2006/main" xmlns:r="http://schemas.openxmlformats.org/officeDocument/2006/relationships" xmlns:p="http://schemas.openxmlformats.org/presentationml/2006/main">
   <p:cSld>
@@ -205,7 +209,7 @@
           <a:p>
             <a:fld id="{B29BB058-80CF-4FFD-A577-6063067B76E7}" type="datetimeFigureOut">
               <a:rPr lang="it-IT" smtClean="0"/>
-              <a:t>18/05/2018</a:t>
+              <a:t>22/05/2018</a:t>
             </a:fld>
             <a:endParaRPr lang="it-IT"/>
           </a:p>
@@ -271,7 +275,7 @@
           <a:p>
             <a:fld id="{D3E0C4DD-4841-4C16-8DBC-EB802A723B35}" type="slidenum">
               <a:rPr lang="it-IT" smtClean="0"/>
-              <a:t>‹#›</a:t>
+              <a:t>‹N›</a:t>
             </a:fld>
             <a:endParaRPr lang="it-IT"/>
           </a:p>
@@ -403,10 +407,9 @@
           </a:lstStyle>
           <a:p>
             <a:r>
-              <a:rPr lang="en-US" dirty="0" smtClean="0"/>
+              <a:rPr lang="en-US" dirty="0"/>
               <a:t>TITOLO PRESENTAZIONE</a:t>
             </a:r>
-            <a:endParaRPr lang="en-US" dirty="0"/>
           </a:p>
         </p:txBody>
       </p:sp>
@@ -434,7 +437,7 @@
           <a:p>
             <a:pPr algn="ctr"/>
             <a:r>
-              <a:rPr lang="it-IT" sz="1400" dirty="0" smtClean="0">
+              <a:rPr lang="it-IT" sz="1400" dirty="0">
                 <a:solidFill>
                   <a:schemeClr val="bg2"/>
                 </a:solidFill>
@@ -445,18 +448,13 @@
           <a:p>
             <a:pPr algn="ctr"/>
             <a:r>
-              <a:rPr lang="it-IT" sz="1400" dirty="0" smtClean="0">
+              <a:rPr lang="it-IT" sz="1400" dirty="0">
                 <a:solidFill>
                   <a:schemeClr val="bg2"/>
                 </a:solidFill>
               </a:rPr>
               <a:t>info@codearchitects.com</a:t>
             </a:r>
-            <a:endParaRPr lang="it-IT" sz="1400" dirty="0">
-              <a:solidFill>
-                <a:schemeClr val="bg2"/>
-              </a:solidFill>
-            </a:endParaRPr>
           </a:p>
         </p:txBody>
       </p:sp>
@@ -517,10 +515,9 @@
           <a:p>
             <a:pPr lvl="0"/>
             <a:r>
-              <a:rPr lang="it-IT" dirty="0" smtClean="0"/>
+              <a:rPr lang="it-IT" dirty="0"/>
               <a:t>Sottotitolo</a:t>
             </a:r>
-            <a:endParaRPr lang="it-IT" dirty="0"/>
           </a:p>
         </p:txBody>
       </p:sp>
@@ -553,17 +550,16 @@
           <a:p>
             <a:pPr lvl="4"/>
             <a:r>
-              <a:rPr lang="it-IT" dirty="0" smtClean="0"/>
+              <a:rPr lang="it-IT" dirty="0"/>
               <a:t>Autore 1 (mail@codearchitects.com)</a:t>
             </a:r>
           </a:p>
           <a:p>
             <a:pPr lvl="4"/>
             <a:r>
-              <a:rPr lang="it-IT" dirty="0" smtClean="0"/>
+              <a:rPr lang="it-IT" dirty="0"/>
               <a:t>Autore 2 (mail@codearchitects.com)</a:t>
             </a:r>
-            <a:endParaRPr lang="it-IT" dirty="0"/>
           </a:p>
         </p:txBody>
       </p:sp>
@@ -577,13 +573,6 @@
   <p:clrMapOvr>
     <a:masterClrMapping/>
   </p:clrMapOvr>
-  <p:timing>
-    <p:tnLst>
-      <p:par>
-        <p:cTn id="1" dur="indefinite" restart="never" nodeType="tmRoot"/>
-      </p:par>
-    </p:tnLst>
-  </p:timing>
 </p:sldLayout>
 </file>
 
@@ -620,7 +609,7 @@
           <a:lstStyle/>
           <a:p>
             <a:r>
-              <a:rPr lang="en-US" smtClean="0"/>
+              <a:rPr lang="en-US"/>
               <a:t>Click to edit Master title style</a:t>
             </a:r>
             <a:endParaRPr lang="en-US" dirty="0"/>
@@ -697,7 +686,7 @@
           </a:lstStyle>
           <a:p>
             <a:r>
-              <a:rPr lang="en-US" smtClean="0"/>
+              <a:rPr lang="en-US"/>
               <a:t>Click icon to add picture</a:t>
             </a:r>
             <a:endParaRPr lang="en-US" dirty="0"/>
@@ -768,10 +757,10 @@
           <a:p>
             <a:pPr lvl="0"/>
             <a:r>
-              <a:rPr lang="en-US" dirty="0" err="1" smtClean="0"/>
+              <a:rPr lang="en-US" dirty="0" err="1"/>
               <a:t>Didascalia</a:t>
             </a:r>
-            <a:endParaRPr lang="en-US" dirty="0" smtClean="0"/>
+            <a:endParaRPr lang="en-US" dirty="0"/>
           </a:p>
         </p:txBody>
       </p:sp>
@@ -785,13 +774,6 @@
   <p:clrMapOvr>
     <a:masterClrMapping/>
   </p:clrMapOvr>
-  <p:timing>
-    <p:tnLst>
-      <p:par>
-        <p:cTn id="1" dur="indefinite" restart="never" nodeType="tmRoot"/>
-      </p:par>
-    </p:tnLst>
-  </p:timing>
 </p:sldLayout>
 </file>
 
@@ -828,7 +810,7 @@
           <a:lstStyle/>
           <a:p>
             <a:r>
-              <a:rPr lang="en-US" smtClean="0"/>
+              <a:rPr lang="en-US"/>
               <a:t>Click to edit Master title style</a:t>
             </a:r>
             <a:endParaRPr lang="en-US" dirty="0"/>
@@ -899,10 +881,10 @@
           <a:p>
             <a:pPr lvl="0"/>
             <a:r>
-              <a:rPr lang="en-US" dirty="0" err="1" smtClean="0"/>
+              <a:rPr lang="en-US" dirty="0" err="1"/>
               <a:t>Descrizione</a:t>
             </a:r>
-            <a:endParaRPr lang="en-US" dirty="0" smtClean="0"/>
+            <a:endParaRPr lang="en-US" dirty="0"/>
           </a:p>
         </p:txBody>
       </p:sp>
@@ -931,10 +913,9 @@
           </a:lstStyle>
           <a:p>
             <a:r>
-              <a:rPr lang="it-IT" dirty="0" smtClean="0"/>
+              <a:rPr lang="it-IT" dirty="0"/>
               <a:t>Video/media</a:t>
             </a:r>
-            <a:endParaRPr lang="it-IT" dirty="0"/>
           </a:p>
         </p:txBody>
       </p:sp>
@@ -948,13 +929,6 @@
   <p:clrMapOvr>
     <a:masterClrMapping/>
   </p:clrMapOvr>
-  <p:timing>
-    <p:tnLst>
-      <p:par>
-        <p:cTn id="1" dur="indefinite" restart="never" nodeType="tmRoot"/>
-      </p:par>
-    </p:tnLst>
-  </p:timing>
 </p:sldLayout>
 </file>
 
@@ -1052,10 +1026,9 @@
           </a:lstStyle>
           <a:p>
             <a:r>
-              <a:rPr lang="en-US" dirty="0" smtClean="0"/>
+              <a:rPr lang="en-US" dirty="0"/>
               <a:t>GRAZIE PER L’ATTENZIONE!</a:t>
             </a:r>
-            <a:endParaRPr lang="en-US" dirty="0"/>
           </a:p>
         </p:txBody>
       </p:sp>
@@ -1176,44 +1149,44 @@
           <a:p>
             <a:pPr lvl="0"/>
             <a:r>
-              <a:rPr lang="en-US" dirty="0" smtClean="0"/>
+              <a:rPr lang="en-US" dirty="0"/>
               <a:t>Per </a:t>
             </a:r>
             <a:r>
-              <a:rPr lang="en-US" dirty="0" err="1" smtClean="0"/>
+              <a:rPr lang="en-US" dirty="0" err="1"/>
               <a:t>maggiori</a:t>
             </a:r>
             <a:r>
-              <a:rPr lang="en-US" dirty="0" smtClean="0"/>
+              <a:rPr lang="en-US" dirty="0"/>
               <a:t> </a:t>
             </a:r>
             <a:r>
-              <a:rPr lang="en-US" dirty="0" err="1" smtClean="0"/>
+              <a:rPr lang="en-US" dirty="0" err="1"/>
               <a:t>informazioni</a:t>
             </a:r>
             <a:r>
-              <a:rPr lang="en-US" dirty="0" smtClean="0"/>
+              <a:rPr lang="en-US" dirty="0"/>
               <a:t>:  </a:t>
             </a:r>
           </a:p>
           <a:p>
             <a:pPr lvl="0"/>
             <a:r>
-              <a:rPr lang="en-US" dirty="0" smtClean="0"/>
+              <a:rPr lang="en-US" dirty="0"/>
               <a:t>Link 1</a:t>
             </a:r>
           </a:p>
           <a:p>
             <a:pPr lvl="0"/>
             <a:r>
-              <a:rPr lang="en-US" dirty="0" smtClean="0"/>
+              <a:rPr lang="en-US" dirty="0"/>
               <a:t>Link 2</a:t>
             </a:r>
           </a:p>
           <a:p>
             <a:pPr lvl="0"/>
             <a:r>
-              <a:rPr lang="en-US" dirty="0" smtClean="0"/>
+              <a:rPr lang="en-US" dirty="0"/>
               <a:t>Link …</a:t>
             </a:r>
           </a:p>
@@ -1272,18 +1245,13 @@
           <a:lstStyle/>
           <a:p>
             <a:r>
-              <a:rPr lang="it-IT" dirty="0" smtClean="0">
+              <a:rPr lang="it-IT" dirty="0">
                 <a:solidFill>
                   <a:schemeClr val="tx2"/>
                 </a:solidFill>
               </a:rPr>
               <a:t>www.codearchitects.com</a:t>
             </a:r>
-            <a:endParaRPr lang="it-IT" dirty="0">
-              <a:solidFill>
-                <a:schemeClr val="tx2"/>
-              </a:solidFill>
-            </a:endParaRPr>
           </a:p>
         </p:txBody>
       </p:sp>
@@ -1297,13 +1265,6 @@
   <p:clrMapOvr>
     <a:overrideClrMapping bg1="lt1" tx1="dk1" bg2="lt2" tx2="dk2" accent1="accent1" accent2="accent2" accent3="accent3" accent4="accent4" accent5="accent5" accent6="accent6" hlink="hlink" folHlink="folHlink"/>
   </p:clrMapOvr>
-  <p:timing>
-    <p:tnLst>
-      <p:par>
-        <p:cTn id="1" dur="indefinite" restart="never" nodeType="tmRoot"/>
-      </p:par>
-    </p:tnLst>
-  </p:timing>
 </p:sldLayout>
 </file>
 
@@ -1401,23 +1362,23 @@
           </a:lstStyle>
           <a:p>
             <a:r>
-              <a:rPr lang="en-US" dirty="0" err="1" smtClean="0"/>
+              <a:rPr lang="en-US" dirty="0" err="1"/>
               <a:t>Titolo</a:t>
             </a:r>
             <a:r>
-              <a:rPr lang="en-US" dirty="0" smtClean="0"/>
+              <a:rPr lang="en-US" dirty="0"/>
               <a:t> di </a:t>
             </a:r>
             <a:r>
-              <a:rPr lang="en-US" dirty="0" err="1" smtClean="0"/>
+              <a:rPr lang="en-US" dirty="0" err="1"/>
               <a:t>una</a:t>
             </a:r>
             <a:r>
-              <a:rPr lang="en-US" dirty="0" smtClean="0"/>
+              <a:rPr lang="en-US" dirty="0"/>
               <a:t> </a:t>
             </a:r>
             <a:r>
-              <a:rPr lang="en-US" dirty="0" err="1" smtClean="0"/>
+              <a:rPr lang="en-US" dirty="0" err="1"/>
               <a:t>sezione</a:t>
             </a:r>
             <a:endParaRPr lang="en-US" dirty="0"/>
@@ -1541,44 +1502,44 @@
           <a:p>
             <a:pPr lvl="0"/>
             <a:r>
-              <a:rPr lang="en-US" dirty="0" err="1" smtClean="0"/>
+              <a:rPr lang="en-US" dirty="0" err="1"/>
               <a:t>Argomento</a:t>
             </a:r>
             <a:r>
-              <a:rPr lang="en-US" dirty="0" smtClean="0"/>
+              <a:rPr lang="en-US" dirty="0"/>
               <a:t> 1</a:t>
             </a:r>
           </a:p>
           <a:p>
             <a:pPr lvl="0"/>
             <a:r>
-              <a:rPr lang="en-US" dirty="0" err="1" smtClean="0"/>
+              <a:rPr lang="en-US" dirty="0" err="1"/>
               <a:t>Argomento</a:t>
             </a:r>
             <a:r>
-              <a:rPr lang="en-US" dirty="0" smtClean="0"/>
+              <a:rPr lang="en-US" dirty="0"/>
               <a:t> 2</a:t>
             </a:r>
           </a:p>
           <a:p>
             <a:pPr lvl="0"/>
             <a:r>
-              <a:rPr lang="en-US" dirty="0" err="1" smtClean="0"/>
+              <a:rPr lang="en-US" dirty="0" err="1"/>
               <a:t>Argomento</a:t>
             </a:r>
             <a:r>
-              <a:rPr lang="en-US" dirty="0" smtClean="0"/>
+              <a:rPr lang="en-US" dirty="0"/>
               <a:t> 3</a:t>
             </a:r>
           </a:p>
           <a:p>
             <a:pPr lvl="0"/>
             <a:r>
-              <a:rPr lang="en-US" dirty="0" err="1" smtClean="0"/>
+              <a:rPr lang="en-US" dirty="0" err="1"/>
               <a:t>Argomento</a:t>
             </a:r>
             <a:r>
-              <a:rPr lang="en-US" dirty="0" smtClean="0"/>
+              <a:rPr lang="en-US" dirty="0"/>
               <a:t> …</a:t>
             </a:r>
           </a:p>
@@ -1637,18 +1598,13 @@
           <a:lstStyle/>
           <a:p>
             <a:r>
-              <a:rPr lang="it-IT" dirty="0" smtClean="0">
+              <a:rPr lang="it-IT" dirty="0">
                 <a:solidFill>
                   <a:schemeClr val="tx2"/>
                 </a:solidFill>
               </a:rPr>
               <a:t>www.codearchitects.com</a:t>
             </a:r>
-            <a:endParaRPr lang="it-IT" dirty="0">
-              <a:solidFill>
-                <a:schemeClr val="tx2"/>
-              </a:solidFill>
-            </a:endParaRPr>
           </a:p>
         </p:txBody>
       </p:sp>
@@ -1713,10 +1669,9 @@
           <a:p>
             <a:pPr lvl="0"/>
             <a:r>
-              <a:rPr lang="it-IT" dirty="0" smtClean="0"/>
+              <a:rPr lang="it-IT" dirty="0"/>
               <a:t>TITOLO PRESENTAZIONE</a:t>
             </a:r>
-            <a:endParaRPr lang="it-IT" dirty="0"/>
           </a:p>
         </p:txBody>
       </p:sp>
@@ -1730,13 +1685,6 @@
   <p:clrMapOvr>
     <a:overrideClrMapping bg1="lt1" tx1="dk1" bg2="lt2" tx2="dk2" accent1="accent1" accent2="accent2" accent3="accent3" accent4="accent4" accent5="accent5" accent6="accent6" hlink="hlink" folHlink="folHlink"/>
   </p:clrMapOvr>
-  <p:timing>
-    <p:tnLst>
-      <p:par>
-        <p:cTn id="1" dur="indefinite" restart="never" nodeType="tmRoot"/>
-      </p:par>
-    </p:tnLst>
-  </p:timing>
 </p:sldLayout>
 </file>
 
@@ -1779,7 +1727,7 @@
           </a:lstStyle>
           <a:p>
             <a:r>
-              <a:rPr lang="en-US" smtClean="0"/>
+              <a:rPr lang="en-US"/>
               <a:t>Click to edit Master title style</a:t>
             </a:r>
             <a:endParaRPr lang="en-US" dirty="0"/>
@@ -1829,35 +1777,35 @@
           <a:p>
             <a:pPr lvl="0"/>
             <a:r>
-              <a:rPr lang="en-US" smtClean="0"/>
+              <a:rPr lang="en-US"/>
               <a:t>Edit Master text styles</a:t>
             </a:r>
           </a:p>
           <a:p>
             <a:pPr lvl="1"/>
             <a:r>
-              <a:rPr lang="en-US" smtClean="0"/>
+              <a:rPr lang="en-US"/>
               <a:t>Second level</a:t>
             </a:r>
           </a:p>
           <a:p>
             <a:pPr lvl="2"/>
             <a:r>
-              <a:rPr lang="en-US" smtClean="0"/>
+              <a:rPr lang="en-US"/>
               <a:t>Third level</a:t>
             </a:r>
           </a:p>
           <a:p>
             <a:pPr lvl="3"/>
             <a:r>
-              <a:rPr lang="en-US" smtClean="0"/>
+              <a:rPr lang="en-US"/>
               <a:t>Fourth level</a:t>
             </a:r>
           </a:p>
           <a:p>
             <a:pPr lvl="4"/>
             <a:r>
-              <a:rPr lang="en-US" smtClean="0"/>
+              <a:rPr lang="en-US"/>
               <a:t>Fifth level</a:t>
             </a:r>
             <a:endParaRPr lang="en-US" dirty="0"/>
@@ -1874,13 +1822,6 @@
   <p:clrMapOvr>
     <a:masterClrMapping/>
   </p:clrMapOvr>
-  <p:timing>
-    <p:tnLst>
-      <p:par>
-        <p:cTn id="1" dur="indefinite" restart="never" nodeType="tmRoot"/>
-      </p:par>
-    </p:tnLst>
-  </p:timing>
 </p:sldLayout>
 </file>
 
@@ -1923,7 +1864,7 @@
           </a:lstStyle>
           <a:p>
             <a:r>
-              <a:rPr lang="en-US" smtClean="0"/>
+              <a:rPr lang="en-US"/>
               <a:t>Click to edit Master title style</a:t>
             </a:r>
             <a:endParaRPr lang="en-US" dirty="0"/>
@@ -1980,35 +1921,35 @@
           <a:p>
             <a:pPr lvl="0"/>
             <a:r>
-              <a:rPr lang="en-US" smtClean="0"/>
+              <a:rPr lang="en-US"/>
               <a:t>Edit Master text styles</a:t>
             </a:r>
           </a:p>
           <a:p>
             <a:pPr lvl="1"/>
             <a:r>
-              <a:rPr lang="en-US" smtClean="0"/>
+              <a:rPr lang="en-US"/>
               <a:t>Second level</a:t>
             </a:r>
           </a:p>
           <a:p>
             <a:pPr lvl="2"/>
             <a:r>
-              <a:rPr lang="en-US" smtClean="0"/>
+              <a:rPr lang="en-US"/>
               <a:t>Third level</a:t>
             </a:r>
           </a:p>
           <a:p>
             <a:pPr lvl="3"/>
             <a:r>
-              <a:rPr lang="en-US" smtClean="0"/>
+              <a:rPr lang="en-US"/>
               <a:t>Fourth level</a:t>
             </a:r>
           </a:p>
           <a:p>
             <a:pPr lvl="4"/>
             <a:r>
-              <a:rPr lang="en-US" smtClean="0"/>
+              <a:rPr lang="en-US"/>
               <a:t>Fifth level</a:t>
             </a:r>
             <a:endParaRPr lang="en-US" dirty="0"/>
@@ -2065,35 +2006,35 @@
           <a:p>
             <a:pPr lvl="0"/>
             <a:r>
-              <a:rPr lang="en-US" smtClean="0"/>
+              <a:rPr lang="en-US"/>
               <a:t>Edit Master text styles</a:t>
             </a:r>
           </a:p>
           <a:p>
             <a:pPr lvl="1"/>
             <a:r>
-              <a:rPr lang="en-US" smtClean="0"/>
+              <a:rPr lang="en-US"/>
               <a:t>Second level</a:t>
             </a:r>
           </a:p>
           <a:p>
             <a:pPr lvl="2"/>
             <a:r>
-              <a:rPr lang="en-US" smtClean="0"/>
+              <a:rPr lang="en-US"/>
               <a:t>Third level</a:t>
             </a:r>
           </a:p>
           <a:p>
             <a:pPr lvl="3"/>
             <a:r>
-              <a:rPr lang="en-US" smtClean="0"/>
+              <a:rPr lang="en-US"/>
               <a:t>Fourth level</a:t>
             </a:r>
           </a:p>
           <a:p>
             <a:pPr lvl="4"/>
             <a:r>
-              <a:rPr lang="en-US" smtClean="0"/>
+              <a:rPr lang="en-US"/>
               <a:t>Fifth level</a:t>
             </a:r>
             <a:endParaRPr lang="en-US" dirty="0"/>
@@ -2110,13 +2051,6 @@
   <p:clrMapOvr>
     <a:masterClrMapping/>
   </p:clrMapOvr>
-  <p:timing>
-    <p:tnLst>
-      <p:par>
-        <p:cTn id="1" dur="indefinite" restart="never" nodeType="tmRoot"/>
-      </p:par>
-    </p:tnLst>
-  </p:timing>
 </p:sldLayout>
 </file>
 
@@ -2153,7 +2087,7 @@
           <a:lstStyle/>
           <a:p>
             <a:r>
-              <a:rPr lang="en-US" smtClean="0"/>
+              <a:rPr lang="en-US"/>
               <a:t>Click to edit Master title style</a:t>
             </a:r>
             <a:endParaRPr lang="en-US" dirty="0"/>
@@ -2221,14 +2155,14 @@
           <a:p>
             <a:pPr lvl="0"/>
             <a:r>
-              <a:rPr lang="en-US" dirty="0" smtClean="0"/>
+              <a:rPr lang="en-US" dirty="0"/>
               <a:t>Primo </a:t>
             </a:r>
             <a:r>
-              <a:rPr lang="en-US" dirty="0" err="1" smtClean="0"/>
+              <a:rPr lang="en-US" dirty="0" err="1"/>
               <a:t>contenuto</a:t>
             </a:r>
-            <a:endParaRPr lang="en-US" dirty="0" smtClean="0"/>
+            <a:endParaRPr lang="en-US" dirty="0"/>
           </a:p>
         </p:txBody>
       </p:sp>
@@ -2282,35 +2216,35 @@
           <a:p>
             <a:pPr lvl="0"/>
             <a:r>
-              <a:rPr lang="en-US" smtClean="0"/>
+              <a:rPr lang="en-US"/>
               <a:t>Edit Master text styles</a:t>
             </a:r>
           </a:p>
           <a:p>
             <a:pPr lvl="1"/>
             <a:r>
-              <a:rPr lang="en-US" smtClean="0"/>
+              <a:rPr lang="en-US"/>
               <a:t>Second level</a:t>
             </a:r>
           </a:p>
           <a:p>
             <a:pPr lvl="2"/>
             <a:r>
-              <a:rPr lang="en-US" smtClean="0"/>
+              <a:rPr lang="en-US"/>
               <a:t>Third level</a:t>
             </a:r>
           </a:p>
           <a:p>
             <a:pPr lvl="3"/>
             <a:r>
-              <a:rPr lang="en-US" smtClean="0"/>
+              <a:rPr lang="en-US"/>
               <a:t>Fourth level</a:t>
             </a:r>
           </a:p>
           <a:p>
             <a:pPr lvl="4"/>
             <a:r>
-              <a:rPr lang="en-US" smtClean="0"/>
+              <a:rPr lang="en-US"/>
               <a:t>Fifth level</a:t>
             </a:r>
             <a:endParaRPr lang="en-US" dirty="0"/>
@@ -2384,14 +2318,14 @@
           <a:p>
             <a:pPr lvl="0"/>
             <a:r>
-              <a:rPr lang="en-US" dirty="0" smtClean="0"/>
+              <a:rPr lang="en-US" dirty="0"/>
               <a:t>Secondo </a:t>
             </a:r>
             <a:r>
-              <a:rPr lang="en-US" dirty="0" err="1" smtClean="0"/>
+              <a:rPr lang="en-US" dirty="0" err="1"/>
               <a:t>contenuto</a:t>
             </a:r>
-            <a:endParaRPr lang="en-US" dirty="0" smtClean="0"/>
+            <a:endParaRPr lang="en-US" dirty="0"/>
           </a:p>
         </p:txBody>
       </p:sp>
@@ -2475,35 +2409,35 @@
           <a:p>
             <a:pPr lvl="0"/>
             <a:r>
-              <a:rPr lang="en-US" smtClean="0"/>
+              <a:rPr lang="en-US"/>
               <a:t>Edit Master text styles</a:t>
             </a:r>
           </a:p>
           <a:p>
             <a:pPr lvl="1"/>
             <a:r>
-              <a:rPr lang="en-US" smtClean="0"/>
+              <a:rPr lang="en-US"/>
               <a:t>Second level</a:t>
             </a:r>
           </a:p>
           <a:p>
             <a:pPr lvl="2"/>
             <a:r>
-              <a:rPr lang="en-US" smtClean="0"/>
+              <a:rPr lang="en-US"/>
               <a:t>Third level</a:t>
             </a:r>
           </a:p>
           <a:p>
             <a:pPr lvl="3"/>
             <a:r>
-              <a:rPr lang="en-US" smtClean="0"/>
+              <a:rPr lang="en-US"/>
               <a:t>Fourth level</a:t>
             </a:r>
           </a:p>
           <a:p>
             <a:pPr lvl="4"/>
             <a:r>
-              <a:rPr lang="en-US" smtClean="0"/>
+              <a:rPr lang="en-US"/>
               <a:t>Fifth level</a:t>
             </a:r>
             <a:endParaRPr lang="en-US" dirty="0"/>
@@ -2520,13 +2454,6 @@
   <p:clrMapOvr>
     <a:masterClrMapping/>
   </p:clrMapOvr>
-  <p:timing>
-    <p:tnLst>
-      <p:par>
-        <p:cTn id="1" dur="indefinite" restart="never" nodeType="tmRoot"/>
-      </p:par>
-    </p:tnLst>
-  </p:timing>
 </p:sldLayout>
 </file>
 
@@ -2563,7 +2490,7 @@
           <a:lstStyle/>
           <a:p>
             <a:r>
-              <a:rPr lang="en-US" smtClean="0"/>
+              <a:rPr lang="en-US"/>
               <a:t>Click to edit Master title style</a:t>
             </a:r>
             <a:endParaRPr lang="en-US" dirty="0"/>
@@ -2631,14 +2558,14 @@
           <a:p>
             <a:pPr lvl="0"/>
             <a:r>
-              <a:rPr lang="en-US" dirty="0" smtClean="0"/>
+              <a:rPr lang="en-US" dirty="0"/>
               <a:t>Primo </a:t>
             </a:r>
             <a:r>
-              <a:rPr lang="en-US" dirty="0" err="1" smtClean="0"/>
+              <a:rPr lang="en-US" dirty="0" err="1"/>
               <a:t>contenuto</a:t>
             </a:r>
-            <a:endParaRPr lang="en-US" dirty="0" smtClean="0"/>
+            <a:endParaRPr lang="en-US" dirty="0"/>
           </a:p>
         </p:txBody>
       </p:sp>
@@ -2692,35 +2619,35 @@
           <a:p>
             <a:pPr lvl="0"/>
             <a:r>
-              <a:rPr lang="en-US" smtClean="0"/>
+              <a:rPr lang="en-US"/>
               <a:t>Edit Master text styles</a:t>
             </a:r>
           </a:p>
           <a:p>
             <a:pPr lvl="1"/>
             <a:r>
-              <a:rPr lang="en-US" smtClean="0"/>
+              <a:rPr lang="en-US"/>
               <a:t>Second level</a:t>
             </a:r>
           </a:p>
           <a:p>
             <a:pPr lvl="2"/>
             <a:r>
-              <a:rPr lang="en-US" smtClean="0"/>
+              <a:rPr lang="en-US"/>
               <a:t>Third level</a:t>
             </a:r>
           </a:p>
           <a:p>
             <a:pPr lvl="3"/>
             <a:r>
-              <a:rPr lang="en-US" smtClean="0"/>
+              <a:rPr lang="en-US"/>
               <a:t>Fourth level</a:t>
             </a:r>
           </a:p>
           <a:p>
             <a:pPr lvl="4"/>
             <a:r>
-              <a:rPr lang="en-US" smtClean="0"/>
+              <a:rPr lang="en-US"/>
               <a:t>Fifth level</a:t>
             </a:r>
             <a:endParaRPr lang="en-US" dirty="0"/>
@@ -2794,14 +2721,14 @@
           <a:p>
             <a:pPr lvl="0"/>
             <a:r>
-              <a:rPr lang="en-US" dirty="0" smtClean="0"/>
+              <a:rPr lang="en-US" dirty="0"/>
               <a:t>Secondo </a:t>
             </a:r>
             <a:r>
-              <a:rPr lang="en-US" dirty="0" err="1" smtClean="0"/>
+              <a:rPr lang="en-US" dirty="0" err="1"/>
               <a:t>contenuto</a:t>
             </a:r>
-            <a:endParaRPr lang="en-US" dirty="0" smtClean="0"/>
+            <a:endParaRPr lang="en-US" dirty="0"/>
           </a:p>
         </p:txBody>
       </p:sp>
@@ -2885,35 +2812,35 @@
           <a:p>
             <a:pPr lvl="0"/>
             <a:r>
-              <a:rPr lang="en-US" smtClean="0"/>
+              <a:rPr lang="en-US"/>
               <a:t>Edit Master text styles</a:t>
             </a:r>
           </a:p>
           <a:p>
             <a:pPr lvl="1"/>
             <a:r>
-              <a:rPr lang="en-US" smtClean="0"/>
+              <a:rPr lang="en-US"/>
               <a:t>Second level</a:t>
             </a:r>
           </a:p>
           <a:p>
             <a:pPr lvl="2"/>
             <a:r>
-              <a:rPr lang="en-US" smtClean="0"/>
+              <a:rPr lang="en-US"/>
               <a:t>Third level</a:t>
             </a:r>
           </a:p>
           <a:p>
             <a:pPr lvl="3"/>
             <a:r>
-              <a:rPr lang="en-US" smtClean="0"/>
+              <a:rPr lang="en-US"/>
               <a:t>Fourth level</a:t>
             </a:r>
           </a:p>
           <a:p>
             <a:pPr lvl="4"/>
             <a:r>
-              <a:rPr lang="en-US" smtClean="0"/>
+              <a:rPr lang="en-US"/>
               <a:t>Fifth level</a:t>
             </a:r>
             <a:endParaRPr lang="en-US" dirty="0"/>
@@ -2987,18 +2914,18 @@
           <a:p>
             <a:pPr lvl="0"/>
             <a:r>
-              <a:rPr lang="en-US" dirty="0" err="1" smtClean="0"/>
+              <a:rPr lang="en-US" dirty="0" err="1"/>
               <a:t>Terzo</a:t>
             </a:r>
             <a:r>
-              <a:rPr lang="en-US" dirty="0" smtClean="0"/>
+              <a:rPr lang="en-US" dirty="0"/>
               <a:t> </a:t>
             </a:r>
             <a:r>
-              <a:rPr lang="en-US" dirty="0" err="1" smtClean="0"/>
+              <a:rPr lang="en-US" dirty="0" err="1"/>
               <a:t>contenuto</a:t>
             </a:r>
-            <a:endParaRPr lang="en-US" dirty="0" smtClean="0"/>
+            <a:endParaRPr lang="en-US" dirty="0"/>
           </a:p>
         </p:txBody>
       </p:sp>
@@ -3082,35 +3009,35 @@
           <a:p>
             <a:pPr lvl="0"/>
             <a:r>
-              <a:rPr lang="en-US" smtClean="0"/>
+              <a:rPr lang="en-US"/>
               <a:t>Edit Master text styles</a:t>
             </a:r>
           </a:p>
           <a:p>
             <a:pPr lvl="1"/>
             <a:r>
-              <a:rPr lang="en-US" smtClean="0"/>
+              <a:rPr lang="en-US"/>
               <a:t>Second level</a:t>
             </a:r>
           </a:p>
           <a:p>
             <a:pPr lvl="2"/>
             <a:r>
-              <a:rPr lang="en-US" smtClean="0"/>
+              <a:rPr lang="en-US"/>
               <a:t>Third level</a:t>
             </a:r>
           </a:p>
           <a:p>
             <a:pPr lvl="3"/>
             <a:r>
-              <a:rPr lang="en-US" smtClean="0"/>
+              <a:rPr lang="en-US"/>
               <a:t>Fourth level</a:t>
             </a:r>
           </a:p>
           <a:p>
             <a:pPr lvl="4"/>
             <a:r>
-              <a:rPr lang="en-US" smtClean="0"/>
+              <a:rPr lang="en-US"/>
               <a:t>Fifth level</a:t>
             </a:r>
             <a:endParaRPr lang="en-US" dirty="0"/>
@@ -3127,13 +3054,6 @@
   <p:clrMapOvr>
     <a:masterClrMapping/>
   </p:clrMapOvr>
-  <p:timing>
-    <p:tnLst>
-      <p:par>
-        <p:cTn id="1" dur="indefinite" restart="never" nodeType="tmRoot"/>
-      </p:par>
-    </p:tnLst>
-  </p:timing>
 </p:sldLayout>
 </file>
 
@@ -3170,7 +3090,7 @@
           <a:lstStyle/>
           <a:p>
             <a:r>
-              <a:rPr lang="en-US" smtClean="0"/>
+              <a:rPr lang="en-US"/>
               <a:t>Click to edit Master title style</a:t>
             </a:r>
             <a:endParaRPr lang="en-US" dirty="0"/>
@@ -3187,13 +3107,6 @@
   <p:clrMapOvr>
     <a:masterClrMapping/>
   </p:clrMapOvr>
-  <p:timing>
-    <p:tnLst>
-      <p:par>
-        <p:cTn id="1" dur="indefinite" restart="never" nodeType="tmRoot"/>
-      </p:par>
-    </p:tnLst>
-  </p:timing>
 </p:sldLayout>
 </file>
 
@@ -3224,13 +3137,6 @@
   <p:clrMapOvr>
     <a:masterClrMapping/>
   </p:clrMapOvr>
-  <p:timing>
-    <p:tnLst>
-      <p:par>
-        <p:cTn id="1" dur="indefinite" restart="never" nodeType="tmRoot"/>
-      </p:par>
-    </p:tnLst>
-  </p:timing>
 </p:sldLayout>
 </file>
 
@@ -3267,7 +3173,7 @@
           <a:lstStyle/>
           <a:p>
             <a:r>
-              <a:rPr lang="en-US" smtClean="0"/>
+              <a:rPr lang="en-US"/>
               <a:t>Click to edit Master title style</a:t>
             </a:r>
             <a:endParaRPr lang="en-US" dirty="0"/>
@@ -3324,35 +3230,35 @@
           <a:p>
             <a:pPr lvl="0"/>
             <a:r>
-              <a:rPr lang="en-US" smtClean="0"/>
+              <a:rPr lang="en-US"/>
               <a:t>Edit Master text styles</a:t>
             </a:r>
           </a:p>
           <a:p>
             <a:pPr lvl="1"/>
             <a:r>
-              <a:rPr lang="en-US" smtClean="0"/>
+              <a:rPr lang="en-US"/>
               <a:t>Second level</a:t>
             </a:r>
           </a:p>
           <a:p>
             <a:pPr lvl="2"/>
             <a:r>
-              <a:rPr lang="en-US" smtClean="0"/>
+              <a:rPr lang="en-US"/>
               <a:t>Third level</a:t>
             </a:r>
           </a:p>
           <a:p>
             <a:pPr lvl="3"/>
             <a:r>
-              <a:rPr lang="en-US" smtClean="0"/>
+              <a:rPr lang="en-US"/>
               <a:t>Fourth level</a:t>
             </a:r>
           </a:p>
           <a:p>
             <a:pPr lvl="4"/>
             <a:r>
-              <a:rPr lang="en-US" smtClean="0"/>
+              <a:rPr lang="en-US"/>
               <a:t>Fifth level</a:t>
             </a:r>
             <a:endParaRPr lang="en-US" dirty="0"/>
@@ -3423,10 +3329,10 @@
           <a:p>
             <a:pPr lvl="0"/>
             <a:r>
-              <a:rPr lang="en-US" dirty="0" err="1" smtClean="0"/>
+              <a:rPr lang="en-US" dirty="0" err="1"/>
               <a:t>Didascalia</a:t>
             </a:r>
-            <a:endParaRPr lang="en-US" dirty="0" smtClean="0"/>
+            <a:endParaRPr lang="en-US" dirty="0"/>
           </a:p>
         </p:txBody>
       </p:sp>
@@ -3440,13 +3346,6 @@
   <p:clrMapOvr>
     <a:masterClrMapping/>
   </p:clrMapOvr>
-  <p:timing>
-    <p:tnLst>
-      <p:par>
-        <p:cTn id="1" dur="indefinite" restart="never" nodeType="tmRoot"/>
-      </p:par>
-    </p:tnLst>
-  </p:timing>
 </p:sldLayout>
 </file>
 
@@ -3580,7 +3479,7 @@
           <a:lstStyle/>
           <a:p>
             <a:r>
-              <a:rPr lang="en-US" smtClean="0"/>
+              <a:rPr lang="en-US"/>
               <a:t>Click to edit Master title style</a:t>
             </a:r>
             <a:endParaRPr lang="en-US" dirty="0"/>
@@ -3614,35 +3513,35 @@
           <a:p>
             <a:pPr lvl="0"/>
             <a:r>
-              <a:rPr lang="en-US" smtClean="0"/>
+              <a:rPr lang="en-US"/>
               <a:t>Edit Master text styles</a:t>
             </a:r>
           </a:p>
           <a:p>
             <a:pPr lvl="1"/>
             <a:r>
-              <a:rPr lang="en-US" smtClean="0"/>
+              <a:rPr lang="en-US"/>
               <a:t>Second level</a:t>
             </a:r>
           </a:p>
           <a:p>
             <a:pPr lvl="2"/>
             <a:r>
-              <a:rPr lang="en-US" smtClean="0"/>
+              <a:rPr lang="en-US"/>
               <a:t>Third level</a:t>
             </a:r>
           </a:p>
           <a:p>
             <a:pPr lvl="3"/>
             <a:r>
-              <a:rPr lang="en-US" smtClean="0"/>
+              <a:rPr lang="en-US"/>
               <a:t>Fourth level</a:t>
             </a:r>
           </a:p>
           <a:p>
             <a:pPr lvl="4"/>
             <a:r>
-              <a:rPr lang="en-US" smtClean="0"/>
+              <a:rPr lang="en-US"/>
               <a:t>Fifth level</a:t>
             </a:r>
             <a:endParaRPr lang="en-US" dirty="0"/>
@@ -3702,18 +3601,13 @@
           <a:lstStyle/>
           <a:p>
             <a:r>
-              <a:rPr lang="it-IT" sz="1200" dirty="0" smtClean="0">
+              <a:rPr lang="it-IT" sz="1200" dirty="0">
                 <a:solidFill>
                   <a:schemeClr val="bg2"/>
                 </a:solidFill>
               </a:rPr>
               <a:t>www.codearchitects.com</a:t>
             </a:r>
-            <a:endParaRPr lang="it-IT" sz="1200" dirty="0">
-              <a:solidFill>
-                <a:schemeClr val="bg2"/>
-              </a:solidFill>
-            </a:endParaRPr>
           </a:p>
         </p:txBody>
       </p:sp>
@@ -3739,13 +3633,6 @@
     <p:sldLayoutId id="2147483673" r:id="rId11"/>
     <p:sldLayoutId id="2147483674" r:id="rId12"/>
   </p:sldLayoutIdLst>
-  <p:timing>
-    <p:tnLst>
-      <p:par>
-        <p:cTn id="1" dur="indefinite" restart="never" nodeType="tmRoot"/>
-      </p:par>
-    </p:tnLst>
-  </p:timing>
   <p:txStyles>
     <p:titleStyle>
       <a:lvl1pPr algn="l" defTabSz="914400" rtl="0" eaLnBrk="1" latinLnBrk="0" hangingPunct="1">
@@ -4131,10 +4018,9 @@
           <a:lstStyle/>
           <a:p>
             <a:r>
-              <a:rPr lang="it-IT" dirty="0" smtClean="0"/>
+              <a:rPr lang="it-IT" dirty="0"/>
               <a:t>Fondamenti di sviluppo web</a:t>
             </a:r>
-            <a:endParaRPr lang="it-IT" dirty="0"/>
           </a:p>
         </p:txBody>
       </p:sp>
@@ -4155,15 +4041,16 @@
           </a:xfrm>
         </p:spPr>
         <p:txBody>
-          <a:bodyPr/>
+          <a:bodyPr>
+            <a:normAutofit fontScale="92500"/>
+          </a:bodyPr>
           <a:lstStyle/>
           <a:p>
             <a:pPr algn="ctr"/>
             <a:r>
-              <a:rPr lang="it-IT" dirty="0" smtClean="0"/>
-              <a:t>29/05/2018 - /09/2018</a:t>
-            </a:r>
-            <a:endParaRPr lang="it-IT" dirty="0"/>
+              <a:rPr lang="it-IT" dirty="0"/>
+              <a:t>29/05/2018 - 13/10/2018</a:t>
+            </a:r>
           </a:p>
         </p:txBody>
       </p:sp>
@@ -4188,22 +4075,21 @@
           <a:lstStyle/>
           <a:p>
             <a:r>
-              <a:rPr lang="it-IT" dirty="0" smtClean="0"/>
-              <a:t>Giorgio Masci</a:t>
-            </a:r>
-          </a:p>
-          <a:p>
-            <a:r>
-              <a:rPr lang="it-IT" dirty="0" smtClean="0"/>
-              <a:t>Andrea Gargaro</a:t>
-            </a:r>
-          </a:p>
-          <a:p>
-            <a:r>
-              <a:rPr lang="it-IT" dirty="0" smtClean="0"/>
-              <a:t>Marco Labarile</a:t>
-            </a:r>
-            <a:endParaRPr lang="it-IT" dirty="0"/>
+              <a:rPr lang="it-IT" dirty="0"/>
+              <a:t>Gargaro Andrea</a:t>
+            </a:r>
+          </a:p>
+          <a:p>
+            <a:r>
+              <a:rPr lang="it-IT" dirty="0"/>
+              <a:t>Labarile Marco</a:t>
+            </a:r>
+          </a:p>
+          <a:p>
+            <a:r>
+              <a:rPr lang="it-IT" dirty="0"/>
+              <a:t>Masci Giorgio</a:t>
+            </a:r>
           </a:p>
         </p:txBody>
       </p:sp>
@@ -4217,13 +4103,6 @@
   <p:clrMapOvr>
     <a:masterClrMapping/>
   </p:clrMapOvr>
-  <p:timing>
-    <p:tnLst>
-      <p:par>
-        <p:cTn id="1" dur="indefinite" restart="never" nodeType="tmRoot"/>
-      </p:par>
-    </p:tnLst>
-  </p:timing>
 </p:sld>
 </file>
 
@@ -4260,10 +4139,9 @@
           <a:lstStyle/>
           <a:p>
             <a:r>
-              <a:rPr lang="it-IT" dirty="0" smtClean="0"/>
+              <a:rPr lang="it-IT" dirty="0"/>
               <a:t>Le applicazioni web</a:t>
             </a:r>
-            <a:endParaRPr lang="it-IT" dirty="0"/>
           </a:p>
         </p:txBody>
       </p:sp>
@@ -4287,61 +4165,90 @@
           <a:bodyPr/>
           <a:lstStyle/>
           <a:p>
-            <a:pPr marL="0" indent="0">
-              <a:buNone/>
-            </a:pPr>
-            <a:r>
-              <a:rPr lang="it-IT" dirty="0" smtClean="0"/>
+            <a:r>
+              <a:rPr lang="it-IT" dirty="0"/>
               <a:t>Sono le applicazioni che usano il web per comunicare con i loro utenti.</a:t>
             </a:r>
-            <a:endParaRPr lang="it-IT" dirty="0"/>
-          </a:p>
-          <a:p>
-            <a:pPr marL="0" indent="0">
-              <a:buNone/>
-            </a:pPr>
-            <a:r>
-              <a:rPr lang="it-IT" sz="2000" b="0" i="1" dirty="0" smtClean="0"/>
+            <a:br>
+              <a:rPr lang="it-IT" dirty="0"/>
+            </a:br>
+            <a:r>
+              <a:rPr lang="it-IT" sz="2000" b="0" i="1" dirty="0"/>
               <a:t>Esempio: Facebook</a:t>
             </a:r>
           </a:p>
           <a:p>
-            <a:r>
-              <a:rPr lang="it-IT" dirty="0" smtClean="0"/>
+            <a:endParaRPr lang="it-IT" sz="2000" b="0" i="1" dirty="0"/>
+          </a:p>
+          <a:p>
+            <a:r>
+              <a:rPr lang="it-IT" dirty="0"/>
               <a:t>Come comunicano le applicazioni web?</a:t>
             </a:r>
           </a:p>
           <a:p>
             <a:pPr lvl="1"/>
             <a:r>
-              <a:rPr lang="it-IT" dirty="0" smtClean="0">
+              <a:rPr lang="it-IT" dirty="0">
                 <a:solidFill>
                   <a:schemeClr val="tx2"/>
                 </a:solidFill>
               </a:rPr>
-              <a:t>Ci sono 2 partecipanti alla comuncazione:</a:t>
+              <a:t>Solitamente con il modello </a:t>
+            </a:r>
+            <a:r>
+              <a:rPr lang="it-IT" i="1" dirty="0">
+                <a:solidFill>
+                  <a:schemeClr val="tx2"/>
+                </a:solidFill>
+              </a:rPr>
+              <a:t>Client-Server</a:t>
+            </a:r>
+            <a:r>
+              <a:rPr lang="it-IT" dirty="0">
+                <a:solidFill>
+                  <a:schemeClr val="tx2"/>
+                </a:solidFill>
+              </a:rPr>
+              <a:t>, ovvero ci sono 2 partecipanti alla comuncazione:</a:t>
             </a:r>
           </a:p>
           <a:p>
             <a:pPr lvl="1"/>
             <a:r>
-              <a:rPr lang="it-IT" dirty="0" smtClean="0">
+              <a:rPr lang="it-IT" b="1" dirty="0">
                 <a:solidFill>
                   <a:schemeClr val="tx2"/>
                 </a:solidFill>
               </a:rPr>
-              <a:t>Client: effettua richieste al server, è controllato dall’utente</a:t>
+              <a:t>Client</a:t>
+            </a:r>
+            <a:r>
+              <a:rPr lang="it-IT" dirty="0">
+                <a:solidFill>
+                  <a:schemeClr val="tx2"/>
+                </a:solidFill>
+              </a:rPr>
+              <a:t>: effettua richieste al server, è controllato dall’utente.</a:t>
             </a:r>
           </a:p>
           <a:p>
             <a:pPr lvl="1"/>
             <a:r>
-              <a:rPr lang="it-IT" dirty="0" smtClean="0">
+              <a:rPr lang="it-IT" b="1" dirty="0">
                 <a:solidFill>
                   <a:schemeClr val="tx2"/>
                 </a:solidFill>
               </a:rPr>
-              <a:t>Server: elabora le richieste del client fornendo una risposta</a:t>
+              <a:t>Server</a:t>
+            </a:r>
+            <a:r>
+              <a:rPr lang="it-IT" dirty="0">
+                <a:solidFill>
+                  <a:schemeClr val="tx2"/>
+                </a:solidFill>
+              </a:rPr>
+              <a:t>: elabora le richieste del client fornendo una risposta.</a:t>
             </a:r>
           </a:p>
           <a:p>
@@ -4365,7 +4272,13 @@
           <a:bodyPr/>
           <a:lstStyle/>
           <a:p>
-            <a:endParaRPr lang="it-IT"/>
+            <a:r>
+              <a:rPr lang="it-IT" dirty="0"/>
+              <a:t>Fondamenti di sviluppo web</a:t>
+            </a:r>
+          </a:p>
+          <a:p>
+            <a:endParaRPr lang="it-IT" dirty="0"/>
           </a:p>
         </p:txBody>
       </p:sp>
@@ -4379,13 +4292,6 @@
   <p:clrMapOvr>
     <a:masterClrMapping/>
   </p:clrMapOvr>
-  <p:timing>
-    <p:tnLst>
-      <p:par>
-        <p:cTn id="1" dur="indefinite" restart="never" nodeType="tmRoot"/>
-      </p:par>
-    </p:tnLst>
-  </p:timing>
 </p:sld>
 </file>
 
@@ -4421,6 +4327,14 @@
           <a:bodyPr/>
           <a:lstStyle/>
           <a:p>
+            <a:r>
+              <a:rPr lang="it-IT" dirty="0"/>
+              <a:t>MODELLO </a:t>
+            </a:r>
+            <a:r>
+              <a:rPr lang="it-IT" dirty="0" err="1"/>
+              <a:t>Client-server</a:t>
+            </a:r>
             <a:endParaRPr lang="it-IT" dirty="0"/>
           </a:p>
         </p:txBody>
@@ -4435,7 +4349,12 @@
             <p:ph type="body" idx="1"/>
           </p:nvPr>
         </p:nvSpPr>
-        <p:spPr/>
+        <p:spPr>
+          <a:xfrm>
+            <a:off x="6729984" y="2255520"/>
+            <a:ext cx="4832914" cy="3324686"/>
+          </a:xfrm>
+        </p:spPr>
         <p:txBody>
           <a:bodyPr/>
           <a:lstStyle/>
@@ -4447,7 +4366,7 @@
                   <a:schemeClr val="tx2"/>
                 </a:solidFill>
               </a:rPr>
-              <a:t>EsempiInviare un messaggio con Facebook</a:t>
+              <a:t>Esempio: Inviare un messaggio con Facebook</a:t>
             </a:r>
           </a:p>
           <a:p>
@@ -4458,7 +4377,18 @@
                   <a:schemeClr val="tx2"/>
                 </a:solidFill>
               </a:rPr>
-              <a:t>Utilizzando l’applicazione web di Facebook, che </a:t>
+              <a:t>Utilizzando l’applicazione web di Facebook dal nostro PC inviamo un messaggio ad un nostro contatto.</a:t>
+            </a:r>
+          </a:p>
+          <a:p>
+            <a:pPr lvl="1"/>
+            <a:r>
+              <a:rPr lang="it-IT" i="1" dirty="0">
+                <a:solidFill>
+                  <a:schemeClr val="tx2"/>
+                </a:solidFill>
+              </a:rPr>
+              <a:t>In realtà il messaggio viene prima inviato ai server di Facebook, che si occuperanno poi di recapitarlo al nostro contatto (un altro client).</a:t>
             </a:r>
           </a:p>
           <a:p>
@@ -4488,6 +4418,53 @@
           </a:p>
         </p:txBody>
       </p:sp>
+      <p:pic>
+        <p:nvPicPr>
+          <p:cNvPr id="1026" name="Picture 2" descr="Risultati immagini per client server">
+            <a:extLst>
+              <a:ext uri="{FF2B5EF4-FFF2-40B4-BE49-F238E27FC236}">
+                <a16:creationId xmlns:a16="http://schemas.microsoft.com/office/drawing/2014/main" id="{0F46837F-BE65-4B6B-9322-B41C7006569F}"/>
+              </a:ext>
+            </a:extLst>
+          </p:cNvPr>
+          <p:cNvPicPr>
+            <a:picLocks noChangeAspect="1" noChangeArrowheads="1"/>
+          </p:cNvPicPr>
+          <p:nvPr/>
+        </p:nvPicPr>
+        <p:blipFill>
+          <a:blip r:embed="rId2">
+            <a:extLst>
+              <a:ext uri="{28A0092B-C50C-407E-A947-70E740481C1C}">
+                <a14:useLocalDpi xmlns:a14="http://schemas.microsoft.com/office/drawing/2010/main" val="0"/>
+              </a:ext>
+            </a:extLst>
+          </a:blip>
+          <a:srcRect/>
+          <a:stretch>
+            <a:fillRect/>
+          </a:stretch>
+        </p:blipFill>
+        <p:spPr bwMode="auto">
+          <a:xfrm>
+            <a:off x="621792" y="2432304"/>
+            <a:ext cx="5686354" cy="3411812"/>
+          </a:xfrm>
+          <a:prstGeom prst="rect">
+            <a:avLst/>
+          </a:prstGeom>
+          <a:noFill/>
+          <a:extLst>
+            <a:ext uri="{909E8E84-426E-40DD-AFC4-6F175D3DCCD1}">
+              <a14:hiddenFill xmlns:a14="http://schemas.microsoft.com/office/drawing/2010/main">
+                <a:solidFill>
+                  <a:srgbClr val="FFFFFF"/>
+                </a:solidFill>
+              </a14:hiddenFill>
+            </a:ext>
+          </a:extLst>
+        </p:spPr>
+      </p:pic>
     </p:spTree>
     <p:extLst>
       <p:ext uri="{BB962C8B-B14F-4D97-AF65-F5344CB8AC3E}">
@@ -4534,10 +4511,9 @@
           <a:lstStyle/>
           <a:p>
             <a:r>
-              <a:rPr lang="it-IT" dirty="0" smtClean="0"/>
+              <a:rPr lang="it-IT" dirty="0"/>
               <a:t>Client Web</a:t>
             </a:r>
-            <a:endParaRPr lang="it-IT" dirty="0"/>
           </a:p>
         </p:txBody>
       </p:sp>
@@ -4557,31 +4533,30 @@
           <a:lstStyle/>
           <a:p>
             <a:r>
-              <a:rPr lang="it-IT" dirty="0" smtClean="0"/>
+              <a:rPr lang="it-IT" dirty="0"/>
               <a:t>- Come sviluppare un client?</a:t>
             </a:r>
           </a:p>
           <a:p>
             <a:pPr lvl="1"/>
             <a:r>
-              <a:rPr lang="it-IT" dirty="0" smtClean="0"/>
+              <a:rPr lang="it-IT" dirty="0"/>
               <a:t>HTML: ...</a:t>
             </a:r>
           </a:p>
           <a:p>
             <a:pPr lvl="1"/>
             <a:r>
-              <a:rPr lang="it-IT" dirty="0" smtClean="0"/>
+              <a:rPr lang="it-IT" dirty="0"/>
               <a:t>CSS: ...</a:t>
             </a:r>
           </a:p>
           <a:p>
             <a:pPr lvl="1"/>
             <a:r>
-              <a:rPr lang="it-IT" dirty="0" smtClean="0"/>
+              <a:rPr lang="it-IT" dirty="0"/>
               <a:t>Javascript: ....</a:t>
             </a:r>
-            <a:endParaRPr lang="it-IT" dirty="0"/>
           </a:p>
         </p:txBody>
       </p:sp>
@@ -4650,10 +4625,9 @@
           <a:lstStyle/>
           <a:p>
             <a:r>
-              <a:rPr lang="it-IT" dirty="0" smtClean="0"/>
+              <a:rPr lang="it-IT" dirty="0"/>
               <a:t>HTML</a:t>
             </a:r>
-            <a:endParaRPr lang="it-IT" dirty="0"/>
           </a:p>
         </p:txBody>
       </p:sp>
@@ -4673,7 +4647,7 @@
           <a:lstStyle/>
           <a:p>
             <a:r>
-              <a:rPr lang="it-IT" dirty="0" smtClean="0"/>
+              <a:rPr lang="it-IT" dirty="0"/>
               <a:t>Che cos’è HTML?</a:t>
             </a:r>
           </a:p>
@@ -4685,78 +4659,25 @@
                   <a:schemeClr val="tx2"/>
                 </a:solidFill>
               </a:rPr>
-              <a:t>L</a:t>
-            </a:r>
-            <a:r>
-              <a:rPr lang="it-IT" dirty="0" smtClean="0">
-                <a:solidFill>
-                  <a:schemeClr val="tx2"/>
-                </a:solidFill>
-              </a:rPr>
-              <a:t>inguaggio </a:t>
-            </a:r>
+              <a:t>Linguaggio di markup per la strutturazione delle pagine web</a:t>
+            </a:r>
+          </a:p>
+          <a:p>
+            <a:r>
+              <a:rPr lang="it-IT" dirty="0"/>
+              <a:t>Standard W3C</a:t>
+            </a:r>
+          </a:p>
+          <a:p>
+            <a:pPr lvl="1"/>
             <a:r>
               <a:rPr lang="it-IT" dirty="0">
-                <a:solidFill>
-                  <a:schemeClr val="tx2"/>
-                </a:solidFill>
-              </a:rPr>
-              <a:t>di </a:t>
-            </a:r>
-            <a:r>
-              <a:rPr lang="it-IT" dirty="0" smtClean="0">
-                <a:solidFill>
-                  <a:schemeClr val="tx2"/>
-                </a:solidFill>
-              </a:rPr>
-              <a:t>markup</a:t>
-            </a:r>
-            <a:r>
-              <a:rPr lang="it-IT" dirty="0">
-                <a:solidFill>
-                  <a:schemeClr val="tx2"/>
-                </a:solidFill>
-              </a:rPr>
-              <a:t> per la strutturazione delle </a:t>
-            </a:r>
-            <a:r>
-              <a:rPr lang="it-IT" dirty="0" smtClean="0">
-                <a:solidFill>
-                  <a:schemeClr val="tx2"/>
-                </a:solidFill>
-              </a:rPr>
-              <a:t>pagine web</a:t>
-            </a:r>
-            <a:endParaRPr lang="it-IT" dirty="0" smtClean="0">
-              <a:solidFill>
-                <a:schemeClr val="tx2"/>
-              </a:solidFill>
-            </a:endParaRPr>
-          </a:p>
-          <a:p>
-            <a:r>
-              <a:rPr lang="it-IT" dirty="0" smtClean="0"/>
-              <a:t>Standard W3C</a:t>
-            </a:r>
-          </a:p>
-          <a:p>
-            <a:pPr lvl="1"/>
-            <a:r>
-              <a:rPr lang="it-IT" dirty="0" smtClean="0">
                 <a:solidFill>
                   <a:schemeClr val="tx2"/>
                 </a:solidFill>
               </a:rPr>
               <a:t>World Wide Web Consortium: organizzazione non governativa internazionale con lo scopo di sviluppare gli standard del web</a:t>
             </a:r>
-          </a:p>
-          <a:p>
-            <a:pPr lvl="1"/>
-            <a:endParaRPr lang="it-IT" dirty="0" smtClean="0">
-              <a:solidFill>
-                <a:schemeClr val="tx2"/>
-              </a:solidFill>
-            </a:endParaRPr>
           </a:p>
           <a:p>
             <a:pPr lvl="1"/>
@@ -4768,8 +4689,16 @@
           </a:p>
           <a:p>
             <a:pPr lvl="1"/>
-            <a:r>
-              <a:rPr lang="it-IT" dirty="0" smtClean="0">
+            <a:endParaRPr lang="it-IT" dirty="0">
+              <a:solidFill>
+                <a:schemeClr val="tx2"/>
+              </a:solidFill>
+            </a:endParaRPr>
+          </a:p>
+          <a:p>
+            <a:pPr lvl="1"/>
+            <a:r>
+              <a:rPr lang="it-IT" dirty="0">
                 <a:solidFill>
                   <a:schemeClr val="tx2"/>
                 </a:solidFill>
@@ -4808,13 +4737,6 @@
   <p:clrMapOvr>
     <a:masterClrMapping/>
   </p:clrMapOvr>
-  <p:timing>
-    <p:tnLst>
-      <p:par>
-        <p:cTn id="1" dur="indefinite" restart="never" nodeType="tmRoot"/>
-      </p:par>
-    </p:tnLst>
-  </p:timing>
 </p:sld>
 </file>
 
@@ -4851,10 +4773,9 @@
           <a:lstStyle/>
           <a:p>
             <a:r>
-              <a:rPr lang="it-IT" dirty="0" smtClean="0"/>
+              <a:rPr lang="it-IT" dirty="0"/>
               <a:t>HTML5: Sintassi</a:t>
             </a:r>
-            <a:endParaRPr lang="it-IT" dirty="0"/>
           </a:p>
         </p:txBody>
       </p:sp>

--- a/slides/html.pptx
+++ b/slides/html.pptx
@@ -5,7 +5,7 @@
     <p:sldMasterId id="2147483660" r:id="rId1"/>
   </p:sldMasterIdLst>
   <p:handoutMasterIdLst>
-    <p:handoutMasterId r:id="rId34"/>
+    <p:handoutMasterId r:id="rId40"/>
   </p:handoutMasterIdLst>
   <p:sldIdLst>
     <p:sldId id="256" r:id="rId2"/>
@@ -39,7 +39,13 @@
     <p:sldId id="285" r:id="rId30"/>
     <p:sldId id="286" r:id="rId31"/>
     <p:sldId id="287" r:id="rId32"/>
-    <p:sldId id="282" r:id="rId33"/>
+    <p:sldId id="290" r:id="rId33"/>
+    <p:sldId id="288" r:id="rId34"/>
+    <p:sldId id="289" r:id="rId35"/>
+    <p:sldId id="291" r:id="rId36"/>
+    <p:sldId id="292" r:id="rId37"/>
+    <p:sldId id="293" r:id="rId38"/>
+    <p:sldId id="282" r:id="rId39"/>
   </p:sldIdLst>
   <p:sldSz cx="12192000" cy="6858000"/>
   <p:notesSz cx="6858000" cy="9144000"/>
@@ -235,7 +241,7 @@
           <a:p>
             <a:fld id="{B29BB058-80CF-4FFD-A577-6063067B76E7}" type="datetimeFigureOut">
               <a:rPr lang="it-IT" smtClean="0"/>
-              <a:t>22/05/2018</a:t>
+              <a:t>23/05/2018</a:t>
             </a:fld>
             <a:endParaRPr lang="it-IT"/>
           </a:p>
@@ -16024,15 +16030,7 @@
           <a:p>
             <a:r>
               <a:rPr lang="it-IT" dirty="0"/>
-              <a:t>HTML5 – </a:t>
-            </a:r>
-            <a:r>
-              <a:rPr lang="it-IT" dirty="0" err="1"/>
-              <a:t>tag</a:t>
-            </a:r>
-            <a:r>
-              <a:rPr lang="it-IT" dirty="0"/>
-              <a:t> di formattazione</a:t>
+              <a:t>HTML5 – TAG per liste</a:t>
             </a:r>
           </a:p>
         </p:txBody>
@@ -16072,7 +16070,7 @@
             </a:r>
             <a:r>
               <a:rPr lang="it-IT" b="0" dirty="0"/>
-              <a:t> che servono a formattare del contenuto.</a:t>
+              <a:t> che servono ad aggiungere liste nel documento.</a:t>
             </a:r>
           </a:p>
           <a:p>
@@ -16089,7 +16087,7 @@
             </a:r>
             <a:r>
               <a:rPr lang="it-IT" b="0" dirty="0"/>
-              <a:t> di formattazione più utilizzati ed alcune novità di HTML5:</a:t>
+              <a:t> per liste più utilizzati:</a:t>
             </a:r>
           </a:p>
           <a:p>
@@ -16109,7 +16107,7 @@
                 </a:solidFill>
                 <a:latin typeface="Consolas" panose="020B0609020204030204" pitchFamily="49" charset="0"/>
               </a:rPr>
-              <a:t>b</a:t>
+              <a:t>li</a:t>
             </a:r>
             <a:r>
               <a:rPr lang="it-IT" sz="2300" b="0" dirty="0">
@@ -16138,7 +16136,7 @@
                 </a:solidFill>
                 <a:latin typeface="Consolas" panose="020B0609020204030204" pitchFamily="49" charset="0"/>
               </a:rPr>
-              <a:t>mark</a:t>
+              <a:t>ul</a:t>
             </a:r>
             <a:r>
               <a:rPr lang="it-IT" sz="2300" b="0" dirty="0">
@@ -16167,7 +16165,7 @@
                 </a:solidFill>
                 <a:latin typeface="Consolas" panose="020B0609020204030204" pitchFamily="49" charset="0"/>
               </a:rPr>
-              <a:t>pre</a:t>
+              <a:t>ol</a:t>
             </a:r>
             <a:r>
               <a:rPr lang="it-IT" sz="2300" b="0" dirty="0">
@@ -16226,6 +16224,5732 @@
 </file>
 
 <file path=ppt/slides/slide32.xml><?xml version="1.0" encoding="utf-8"?>
+<p:sld xmlns:a="http://schemas.openxmlformats.org/drawingml/2006/main" xmlns:r="http://schemas.openxmlformats.org/officeDocument/2006/relationships" xmlns:p="http://schemas.openxmlformats.org/presentationml/2006/main">
+  <p:cSld>
+    <p:spTree>
+      <p:nvGrpSpPr>
+        <p:cNvPr id="1" name=""/>
+        <p:cNvGrpSpPr/>
+        <p:nvPr/>
+      </p:nvGrpSpPr>
+      <p:grpSpPr>
+        <a:xfrm>
+          <a:off x="0" y="0"/>
+          <a:ext cx="0" cy="0"/>
+          <a:chOff x="0" y="0"/>
+          <a:chExt cx="0" cy="0"/>
+        </a:xfrm>
+      </p:grpSpPr>
+      <p:sp>
+        <p:nvSpPr>
+          <p:cNvPr id="2" name="Title 1"/>
+          <p:cNvSpPr>
+            <a:spLocks noGrp="1"/>
+          </p:cNvSpPr>
+          <p:nvPr>
+            <p:ph type="title"/>
+          </p:nvPr>
+        </p:nvSpPr>
+        <p:spPr/>
+        <p:txBody>
+          <a:bodyPr/>
+          <a:lstStyle/>
+          <a:p>
+            <a:r>
+              <a:rPr lang="it-IT" dirty="0"/>
+              <a:t>HTML5 – li</a:t>
+            </a:r>
+          </a:p>
+        </p:txBody>
+      </p:sp>
+      <p:sp>
+        <p:nvSpPr>
+          <p:cNvPr id="3" name="Text Placeholder 2"/>
+          <p:cNvSpPr>
+            <a:spLocks noGrp="1"/>
+          </p:cNvSpPr>
+          <p:nvPr>
+            <p:ph type="body" idx="1"/>
+          </p:nvPr>
+        </p:nvSpPr>
+        <p:spPr>
+          <a:xfrm>
+            <a:off x="268224" y="2199584"/>
+            <a:ext cx="11814048" cy="3903136"/>
+          </a:xfrm>
+        </p:spPr>
+        <p:txBody>
+          <a:bodyPr>
+            <a:normAutofit/>
+          </a:bodyPr>
+          <a:lstStyle/>
+          <a:p>
+            <a:endParaRPr lang="it-IT" sz="1700" b="0" dirty="0">
+              <a:solidFill>
+                <a:srgbClr val="0000CD"/>
+              </a:solidFill>
+              <a:latin typeface="Consolas" panose="020B0609020204030204" pitchFamily="49" charset="0"/>
+            </a:endParaRPr>
+          </a:p>
+          <a:p>
+            <a:pPr marL="0" indent="0">
+              <a:buNone/>
+            </a:pPr>
+            <a:endParaRPr lang="en-US" b="0" dirty="0">
+              <a:solidFill>
+                <a:srgbClr val="0000CD"/>
+              </a:solidFill>
+              <a:latin typeface="Consolas" panose="020B0609020204030204" pitchFamily="49" charset="0"/>
+            </a:endParaRPr>
+          </a:p>
+          <a:p>
+            <a:pPr marL="0" indent="0">
+              <a:buNone/>
+            </a:pPr>
+            <a:endParaRPr lang="en-US" b="0" dirty="0">
+              <a:solidFill>
+                <a:srgbClr val="0000CD"/>
+              </a:solidFill>
+              <a:latin typeface="Consolas" panose="020B0609020204030204" pitchFamily="49" charset="0"/>
+            </a:endParaRPr>
+          </a:p>
+          <a:p>
+            <a:pPr marL="0" indent="0">
+              <a:buNone/>
+            </a:pPr>
+            <a:r>
+              <a:rPr lang="en-US" b="0" dirty="0">
+                <a:solidFill>
+                  <a:srgbClr val="0000CD"/>
+                </a:solidFill>
+                <a:latin typeface="Consolas" panose="020B0609020204030204" pitchFamily="49" charset="0"/>
+              </a:rPr>
+              <a:t>  </a:t>
+            </a:r>
+            <a:r>
+              <a:rPr lang="it-IT" b="0" dirty="0"/>
+              <a:t>Va quindi sempre annidato in un elemento di tipo lista.</a:t>
+            </a:r>
+            <a:endParaRPr lang="en-US" b="0" dirty="0">
+              <a:solidFill>
+                <a:srgbClr val="0000CD"/>
+              </a:solidFill>
+              <a:latin typeface="Consolas" panose="020B0609020204030204" pitchFamily="49" charset="0"/>
+            </a:endParaRPr>
+          </a:p>
+        </p:txBody>
+      </p:sp>
+      <p:sp>
+        <p:nvSpPr>
+          <p:cNvPr id="4" name="Text Placeholder 3"/>
+          <p:cNvSpPr>
+            <a:spLocks noGrp="1"/>
+          </p:cNvSpPr>
+          <p:nvPr>
+            <p:ph type="body" sz="quarter" idx="10"/>
+          </p:nvPr>
+        </p:nvSpPr>
+        <p:spPr/>
+        <p:txBody>
+          <a:bodyPr/>
+          <a:lstStyle/>
+          <a:p>
+            <a:r>
+              <a:rPr lang="it-IT" dirty="0"/>
+              <a:t>Fondamenti di sviluppo web</a:t>
+            </a:r>
+          </a:p>
+          <a:p>
+            <a:endParaRPr lang="it-IT" dirty="0"/>
+          </a:p>
+        </p:txBody>
+      </p:sp>
+      <p:sp>
+        <p:nvSpPr>
+          <p:cNvPr id="5" name="Text Placeholder 2">
+            <a:extLst>
+              <a:ext uri="{FF2B5EF4-FFF2-40B4-BE49-F238E27FC236}">
+                <a16:creationId xmlns:a16="http://schemas.microsoft.com/office/drawing/2014/main" id="{C3912B27-202F-4857-A8C4-C7E5056703BF}"/>
+              </a:ext>
+            </a:extLst>
+          </p:cNvPr>
+          <p:cNvSpPr txBox="1">
+            <a:spLocks/>
+          </p:cNvSpPr>
+          <p:nvPr/>
+        </p:nvSpPr>
+        <p:spPr>
+          <a:xfrm>
+            <a:off x="565714" y="2272736"/>
+            <a:ext cx="11345870" cy="3903136"/>
+          </a:xfrm>
+          <a:prstGeom prst="rect">
+            <a:avLst/>
+          </a:prstGeom>
+        </p:spPr>
+        <p:txBody>
+          <a:bodyPr vert="horz" lIns="91440" tIns="45720" rIns="91440" bIns="45720" rtlCol="0" anchor="t">
+            <a:normAutofit/>
+          </a:bodyPr>
+          <a:lstStyle>
+            <a:lvl1pPr marL="342900" indent="-342900" algn="l" defTabSz="914400" rtl="0" eaLnBrk="1" latinLnBrk="0" hangingPunct="1">
+              <a:lnSpc>
+                <a:spcPct val="90000"/>
+              </a:lnSpc>
+              <a:spcBef>
+                <a:spcPts val="1200"/>
+              </a:spcBef>
+              <a:spcAft>
+                <a:spcPts val="200"/>
+              </a:spcAft>
+              <a:buClr>
+                <a:schemeClr val="tx2"/>
+              </a:buClr>
+              <a:buFont typeface="Arial" panose="020B0604020202020204" pitchFamily="34" charset="0"/>
+              <a:buChar char="•"/>
+              <a:defRPr sz="2400" b="1" kern="1200" baseline="0">
+                <a:solidFill>
+                  <a:schemeClr val="tx2"/>
+                </a:solidFill>
+                <a:latin typeface="+mn-lt"/>
+                <a:ea typeface="+mn-ea"/>
+                <a:cs typeface="+mn-cs"/>
+              </a:defRPr>
+            </a:lvl1pPr>
+            <a:lvl2pPr marL="457200" indent="0" algn="l" defTabSz="914400" rtl="0" eaLnBrk="1" latinLnBrk="0" hangingPunct="1">
+              <a:lnSpc>
+                <a:spcPct val="90000"/>
+              </a:lnSpc>
+              <a:spcBef>
+                <a:spcPts val="200"/>
+              </a:spcBef>
+              <a:spcAft>
+                <a:spcPts val="400"/>
+              </a:spcAft>
+              <a:buClr>
+                <a:schemeClr val="bg1">
+                  <a:lumMod val="95000"/>
+                  <a:lumOff val="5000"/>
+                </a:schemeClr>
+              </a:buClr>
+              <a:buFont typeface="Wingdings" pitchFamily="2" charset="2"/>
+              <a:buNone/>
+              <a:defRPr sz="1800" kern="1200">
+                <a:solidFill>
+                  <a:schemeClr val="tx1">
+                    <a:tint val="75000"/>
+                  </a:schemeClr>
+                </a:solidFill>
+                <a:latin typeface="+mn-lt"/>
+                <a:ea typeface="+mn-ea"/>
+                <a:cs typeface="+mn-cs"/>
+              </a:defRPr>
+            </a:lvl2pPr>
+            <a:lvl3pPr marL="914400" indent="0" algn="l" defTabSz="914400" rtl="0" eaLnBrk="1" latinLnBrk="0" hangingPunct="1">
+              <a:lnSpc>
+                <a:spcPct val="90000"/>
+              </a:lnSpc>
+              <a:spcBef>
+                <a:spcPts val="200"/>
+              </a:spcBef>
+              <a:spcAft>
+                <a:spcPts val="400"/>
+              </a:spcAft>
+              <a:buClr>
+                <a:schemeClr val="bg1">
+                  <a:lumMod val="95000"/>
+                  <a:lumOff val="5000"/>
+                </a:schemeClr>
+              </a:buClr>
+              <a:buFont typeface="Wingdings" pitchFamily="2" charset="2"/>
+              <a:buNone/>
+              <a:defRPr sz="1600" kern="1200">
+                <a:solidFill>
+                  <a:schemeClr val="tx1">
+                    <a:tint val="75000"/>
+                  </a:schemeClr>
+                </a:solidFill>
+                <a:latin typeface="+mn-lt"/>
+                <a:ea typeface="+mn-ea"/>
+                <a:cs typeface="+mn-cs"/>
+              </a:defRPr>
+            </a:lvl3pPr>
+            <a:lvl4pPr marL="1371600" indent="0" algn="l" defTabSz="914400" rtl="0" eaLnBrk="1" latinLnBrk="0" hangingPunct="1">
+              <a:lnSpc>
+                <a:spcPct val="90000"/>
+              </a:lnSpc>
+              <a:spcBef>
+                <a:spcPts val="200"/>
+              </a:spcBef>
+              <a:spcAft>
+                <a:spcPts val="400"/>
+              </a:spcAft>
+              <a:buClr>
+                <a:schemeClr val="bg1">
+                  <a:lumMod val="95000"/>
+                  <a:lumOff val="5000"/>
+                </a:schemeClr>
+              </a:buClr>
+              <a:buFont typeface="Wingdings" pitchFamily="2" charset="2"/>
+              <a:buNone/>
+              <a:defRPr sz="1400" kern="1200">
+                <a:solidFill>
+                  <a:schemeClr val="tx1">
+                    <a:tint val="75000"/>
+                  </a:schemeClr>
+                </a:solidFill>
+                <a:latin typeface="+mn-lt"/>
+                <a:ea typeface="+mn-ea"/>
+                <a:cs typeface="+mn-cs"/>
+              </a:defRPr>
+            </a:lvl4pPr>
+            <a:lvl5pPr marL="1828800" indent="0" algn="l" defTabSz="914400" rtl="0" eaLnBrk="1" latinLnBrk="0" hangingPunct="1">
+              <a:lnSpc>
+                <a:spcPct val="90000"/>
+              </a:lnSpc>
+              <a:spcBef>
+                <a:spcPts val="200"/>
+              </a:spcBef>
+              <a:spcAft>
+                <a:spcPts val="400"/>
+              </a:spcAft>
+              <a:buClr>
+                <a:schemeClr val="bg1">
+                  <a:lumMod val="95000"/>
+                  <a:lumOff val="5000"/>
+                </a:schemeClr>
+              </a:buClr>
+              <a:buFont typeface="Wingdings" pitchFamily="2" charset="2"/>
+              <a:buNone/>
+              <a:defRPr sz="1400" kern="1200">
+                <a:solidFill>
+                  <a:schemeClr val="tx1">
+                    <a:tint val="75000"/>
+                  </a:schemeClr>
+                </a:solidFill>
+                <a:latin typeface="+mn-lt"/>
+                <a:ea typeface="+mn-ea"/>
+                <a:cs typeface="+mn-cs"/>
+              </a:defRPr>
+            </a:lvl5pPr>
+            <a:lvl6pPr marL="2286000" indent="0" algn="l" defTabSz="914400" rtl="0" eaLnBrk="1" latinLnBrk="0" hangingPunct="1">
+              <a:lnSpc>
+                <a:spcPct val="90000"/>
+              </a:lnSpc>
+              <a:spcBef>
+                <a:spcPts val="200"/>
+              </a:spcBef>
+              <a:spcAft>
+                <a:spcPts val="400"/>
+              </a:spcAft>
+              <a:buClr>
+                <a:schemeClr val="tx1"/>
+              </a:buClr>
+              <a:buFont typeface="Wingdings" pitchFamily="2" charset="2"/>
+              <a:buNone/>
+              <a:defRPr sz="1400" kern="1200">
+                <a:solidFill>
+                  <a:schemeClr val="tx1">
+                    <a:tint val="75000"/>
+                  </a:schemeClr>
+                </a:solidFill>
+                <a:latin typeface="+mn-lt"/>
+                <a:ea typeface="+mn-ea"/>
+                <a:cs typeface="+mn-cs"/>
+              </a:defRPr>
+            </a:lvl6pPr>
+            <a:lvl7pPr marL="2743200" indent="0" algn="l" defTabSz="914400" rtl="0" eaLnBrk="1" latinLnBrk="0" hangingPunct="1">
+              <a:lnSpc>
+                <a:spcPct val="90000"/>
+              </a:lnSpc>
+              <a:spcBef>
+                <a:spcPts val="200"/>
+              </a:spcBef>
+              <a:spcAft>
+                <a:spcPts val="400"/>
+              </a:spcAft>
+              <a:buClr>
+                <a:schemeClr val="tx1"/>
+              </a:buClr>
+              <a:buFont typeface="Wingdings" pitchFamily="2" charset="2"/>
+              <a:buNone/>
+              <a:defRPr sz="1400" kern="1200">
+                <a:solidFill>
+                  <a:schemeClr val="tx1">
+                    <a:tint val="75000"/>
+                  </a:schemeClr>
+                </a:solidFill>
+                <a:latin typeface="+mn-lt"/>
+                <a:ea typeface="+mn-ea"/>
+                <a:cs typeface="+mn-cs"/>
+              </a:defRPr>
+            </a:lvl7pPr>
+            <a:lvl8pPr marL="3200400" indent="0" algn="l" defTabSz="914400" rtl="0" eaLnBrk="1" latinLnBrk="0" hangingPunct="1">
+              <a:lnSpc>
+                <a:spcPct val="90000"/>
+              </a:lnSpc>
+              <a:spcBef>
+                <a:spcPts val="200"/>
+              </a:spcBef>
+              <a:spcAft>
+                <a:spcPts val="400"/>
+              </a:spcAft>
+              <a:buClr>
+                <a:schemeClr val="tx1"/>
+              </a:buClr>
+              <a:buFont typeface="Wingdings" pitchFamily="2" charset="2"/>
+              <a:buNone/>
+              <a:defRPr sz="1400" kern="1200">
+                <a:solidFill>
+                  <a:schemeClr val="tx1">
+                    <a:tint val="75000"/>
+                  </a:schemeClr>
+                </a:solidFill>
+                <a:latin typeface="+mn-lt"/>
+                <a:ea typeface="+mn-ea"/>
+                <a:cs typeface="+mn-cs"/>
+              </a:defRPr>
+            </a:lvl8pPr>
+            <a:lvl9pPr marL="3657600" indent="0" algn="l" defTabSz="914400" rtl="0" eaLnBrk="1" latinLnBrk="0" hangingPunct="1">
+              <a:lnSpc>
+                <a:spcPct val="90000"/>
+              </a:lnSpc>
+              <a:spcBef>
+                <a:spcPts val="200"/>
+              </a:spcBef>
+              <a:spcAft>
+                <a:spcPts val="400"/>
+              </a:spcAft>
+              <a:buClr>
+                <a:schemeClr val="tx1"/>
+              </a:buClr>
+              <a:buFont typeface="Wingdings" pitchFamily="2" charset="2"/>
+              <a:buNone/>
+              <a:defRPr sz="1400" kern="1200">
+                <a:solidFill>
+                  <a:schemeClr val="tx1">
+                    <a:tint val="75000"/>
+                  </a:schemeClr>
+                </a:solidFill>
+                <a:latin typeface="+mn-lt"/>
+                <a:ea typeface="+mn-ea"/>
+                <a:cs typeface="+mn-cs"/>
+              </a:defRPr>
+            </a:lvl9pPr>
+          </a:lstStyle>
+          <a:p>
+            <a:pPr marL="0" indent="0">
+              <a:buNone/>
+            </a:pPr>
+            <a:r>
+              <a:rPr lang="it-IT" b="0" dirty="0"/>
+              <a:t>Il </a:t>
+            </a:r>
+            <a:r>
+              <a:rPr lang="it-IT" b="0" dirty="0" err="1"/>
+              <a:t>tag</a:t>
+            </a:r>
+            <a:r>
+              <a:rPr lang="it-IT" b="0" dirty="0"/>
+              <a:t> </a:t>
+            </a:r>
+            <a:r>
+              <a:rPr lang="it-IT" dirty="0"/>
+              <a:t>li</a:t>
+            </a:r>
+            <a:r>
+              <a:rPr lang="it-IT" b="0" dirty="0"/>
+              <a:t> serve a definire un elemento di una qualsiasi lista (ordinata o non ordinata).</a:t>
+            </a:r>
+            <a:br>
+              <a:rPr lang="it-IT" dirty="0"/>
+            </a:br>
+            <a:br>
+              <a:rPr lang="it-IT" dirty="0"/>
+            </a:br>
+            <a:r>
+              <a:rPr lang="it-IT" b="0" dirty="0">
+                <a:solidFill>
+                  <a:srgbClr val="000000"/>
+                </a:solidFill>
+                <a:latin typeface="Consolas" panose="020B0609020204030204" pitchFamily="49" charset="0"/>
+              </a:rPr>
+              <a:t>  </a:t>
+            </a:r>
+            <a:r>
+              <a:rPr lang="it-IT" b="0" dirty="0">
+                <a:solidFill>
+                  <a:srgbClr val="0000CD"/>
+                </a:solidFill>
+                <a:latin typeface="Consolas" panose="020B0609020204030204" pitchFamily="49" charset="0"/>
+              </a:rPr>
+              <a:t>&lt;</a:t>
+            </a:r>
+            <a:r>
+              <a:rPr lang="it-IT" b="0" dirty="0">
+                <a:solidFill>
+                  <a:srgbClr val="A52A2A"/>
+                </a:solidFill>
+                <a:latin typeface="Consolas" panose="020B0609020204030204" pitchFamily="49" charset="0"/>
+              </a:rPr>
+              <a:t>li</a:t>
+            </a:r>
+            <a:r>
+              <a:rPr lang="it-IT" b="0" dirty="0">
+                <a:solidFill>
+                  <a:srgbClr val="0000CD"/>
+                </a:solidFill>
+                <a:latin typeface="Consolas" panose="020B0609020204030204" pitchFamily="49" charset="0"/>
+              </a:rPr>
+              <a:t>&gt;</a:t>
+            </a:r>
+            <a:r>
+              <a:rPr lang="it-IT" b="0" dirty="0">
+                <a:solidFill>
+                  <a:srgbClr val="000000"/>
+                </a:solidFill>
+                <a:latin typeface="Consolas" panose="020B0609020204030204" pitchFamily="49" charset="0"/>
+              </a:rPr>
+              <a:t>Coffee</a:t>
+            </a:r>
+            <a:r>
+              <a:rPr lang="it-IT" b="0" dirty="0">
+                <a:solidFill>
+                  <a:srgbClr val="0000CD"/>
+                </a:solidFill>
+                <a:latin typeface="Consolas" panose="020B0609020204030204" pitchFamily="49" charset="0"/>
+              </a:rPr>
+              <a:t>&lt;</a:t>
+            </a:r>
+            <a:r>
+              <a:rPr lang="it-IT" b="0" dirty="0">
+                <a:solidFill>
+                  <a:srgbClr val="A52A2A"/>
+                </a:solidFill>
+                <a:latin typeface="Consolas" panose="020B0609020204030204" pitchFamily="49" charset="0"/>
+              </a:rPr>
+              <a:t>/li</a:t>
+            </a:r>
+            <a:r>
+              <a:rPr lang="it-IT" b="0" dirty="0">
+                <a:solidFill>
+                  <a:srgbClr val="0000CD"/>
+                </a:solidFill>
+                <a:latin typeface="Consolas" panose="020B0609020204030204" pitchFamily="49" charset="0"/>
+              </a:rPr>
+              <a:t>&gt;</a:t>
+            </a:r>
+            <a:br>
+              <a:rPr lang="en-US" b="0" dirty="0">
+                <a:solidFill>
+                  <a:srgbClr val="000000"/>
+                </a:solidFill>
+                <a:latin typeface="Consolas" panose="020B0609020204030204" pitchFamily="49" charset="0"/>
+              </a:rPr>
+            </a:br>
+            <a:endParaRPr lang="en-US" b="0" dirty="0">
+              <a:solidFill>
+                <a:srgbClr val="0000CD"/>
+              </a:solidFill>
+              <a:latin typeface="Consolas" panose="020B0609020204030204" pitchFamily="49" charset="0"/>
+            </a:endParaRPr>
+          </a:p>
+        </p:txBody>
+      </p:sp>
+    </p:spTree>
+    <p:extLst>
+      <p:ext uri="{BB962C8B-B14F-4D97-AF65-F5344CB8AC3E}">
+        <p14:creationId xmlns:p14="http://schemas.microsoft.com/office/powerpoint/2010/main" val="3964266899"/>
+      </p:ext>
+    </p:extLst>
+  </p:cSld>
+  <p:clrMapOvr>
+    <a:masterClrMapping/>
+  </p:clrMapOvr>
+</p:sld>
+</file>
+
+<file path=ppt/slides/slide33.xml><?xml version="1.0" encoding="utf-8"?>
+<p:sld xmlns:a="http://schemas.openxmlformats.org/drawingml/2006/main" xmlns:r="http://schemas.openxmlformats.org/officeDocument/2006/relationships" xmlns:p="http://schemas.openxmlformats.org/presentationml/2006/main">
+  <p:cSld>
+    <p:spTree>
+      <p:nvGrpSpPr>
+        <p:cNvPr id="1" name=""/>
+        <p:cNvGrpSpPr/>
+        <p:nvPr/>
+      </p:nvGrpSpPr>
+      <p:grpSpPr>
+        <a:xfrm>
+          <a:off x="0" y="0"/>
+          <a:ext cx="0" cy="0"/>
+          <a:chOff x="0" y="0"/>
+          <a:chExt cx="0" cy="0"/>
+        </a:xfrm>
+      </p:grpSpPr>
+      <p:sp>
+        <p:nvSpPr>
+          <p:cNvPr id="2" name="Title 1"/>
+          <p:cNvSpPr>
+            <a:spLocks noGrp="1"/>
+          </p:cNvSpPr>
+          <p:nvPr>
+            <p:ph type="title"/>
+          </p:nvPr>
+        </p:nvSpPr>
+        <p:spPr/>
+        <p:txBody>
+          <a:bodyPr/>
+          <a:lstStyle/>
+          <a:p>
+            <a:r>
+              <a:rPr lang="it-IT" dirty="0"/>
+              <a:t>HTML5 – </a:t>
+            </a:r>
+            <a:r>
+              <a:rPr lang="it-IT" dirty="0" err="1"/>
+              <a:t>ol</a:t>
+            </a:r>
+            <a:endParaRPr lang="it-IT" dirty="0"/>
+          </a:p>
+        </p:txBody>
+      </p:sp>
+      <p:sp>
+        <p:nvSpPr>
+          <p:cNvPr id="3" name="Text Placeholder 2"/>
+          <p:cNvSpPr>
+            <a:spLocks noGrp="1"/>
+          </p:cNvSpPr>
+          <p:nvPr>
+            <p:ph type="body" idx="1"/>
+          </p:nvPr>
+        </p:nvSpPr>
+        <p:spPr>
+          <a:xfrm>
+            <a:off x="268224" y="2199584"/>
+            <a:ext cx="11814048" cy="3903136"/>
+          </a:xfrm>
+        </p:spPr>
+        <p:txBody>
+          <a:bodyPr>
+            <a:normAutofit/>
+          </a:bodyPr>
+          <a:lstStyle/>
+          <a:p>
+            <a:endParaRPr lang="it-IT" sz="1700" b="0" dirty="0">
+              <a:solidFill>
+                <a:srgbClr val="0000CD"/>
+              </a:solidFill>
+              <a:latin typeface="Consolas" panose="020B0609020204030204" pitchFamily="49" charset="0"/>
+            </a:endParaRPr>
+          </a:p>
+          <a:p>
+            <a:pPr marL="0" indent="0">
+              <a:buNone/>
+            </a:pPr>
+            <a:endParaRPr lang="en-US" b="0" dirty="0">
+              <a:solidFill>
+                <a:srgbClr val="0000CD"/>
+              </a:solidFill>
+              <a:latin typeface="Consolas" panose="020B0609020204030204" pitchFamily="49" charset="0"/>
+            </a:endParaRPr>
+          </a:p>
+          <a:p>
+            <a:pPr marL="0" indent="0">
+              <a:buNone/>
+            </a:pPr>
+            <a:endParaRPr lang="en-US" b="0" dirty="0">
+              <a:solidFill>
+                <a:srgbClr val="0000CD"/>
+              </a:solidFill>
+              <a:latin typeface="Consolas" panose="020B0609020204030204" pitchFamily="49" charset="0"/>
+            </a:endParaRPr>
+          </a:p>
+        </p:txBody>
+      </p:sp>
+      <p:sp>
+        <p:nvSpPr>
+          <p:cNvPr id="4" name="Text Placeholder 3"/>
+          <p:cNvSpPr>
+            <a:spLocks noGrp="1"/>
+          </p:cNvSpPr>
+          <p:nvPr>
+            <p:ph type="body" sz="quarter" idx="10"/>
+          </p:nvPr>
+        </p:nvSpPr>
+        <p:spPr/>
+        <p:txBody>
+          <a:bodyPr/>
+          <a:lstStyle/>
+          <a:p>
+            <a:r>
+              <a:rPr lang="it-IT" dirty="0"/>
+              <a:t>Fondamenti di sviluppo web</a:t>
+            </a:r>
+          </a:p>
+          <a:p>
+            <a:endParaRPr lang="it-IT" dirty="0"/>
+          </a:p>
+        </p:txBody>
+      </p:sp>
+      <p:sp>
+        <p:nvSpPr>
+          <p:cNvPr id="5" name="Text Placeholder 2">
+            <a:extLst>
+              <a:ext uri="{FF2B5EF4-FFF2-40B4-BE49-F238E27FC236}">
+                <a16:creationId xmlns:a16="http://schemas.microsoft.com/office/drawing/2014/main" id="{C3912B27-202F-4857-A8C4-C7E5056703BF}"/>
+              </a:ext>
+            </a:extLst>
+          </p:cNvPr>
+          <p:cNvSpPr txBox="1">
+            <a:spLocks/>
+          </p:cNvSpPr>
+          <p:nvPr/>
+        </p:nvSpPr>
+        <p:spPr>
+          <a:xfrm>
+            <a:off x="565714" y="2272736"/>
+            <a:ext cx="6152078" cy="3903136"/>
+          </a:xfrm>
+          <a:prstGeom prst="rect">
+            <a:avLst/>
+          </a:prstGeom>
+        </p:spPr>
+        <p:txBody>
+          <a:bodyPr vert="horz" lIns="91440" tIns="45720" rIns="91440" bIns="45720" rtlCol="0" anchor="t">
+            <a:normAutofit/>
+          </a:bodyPr>
+          <a:lstStyle>
+            <a:lvl1pPr marL="342900" indent="-342900" algn="l" defTabSz="914400" rtl="0" eaLnBrk="1" latinLnBrk="0" hangingPunct="1">
+              <a:lnSpc>
+                <a:spcPct val="90000"/>
+              </a:lnSpc>
+              <a:spcBef>
+                <a:spcPts val="1200"/>
+              </a:spcBef>
+              <a:spcAft>
+                <a:spcPts val="200"/>
+              </a:spcAft>
+              <a:buClr>
+                <a:schemeClr val="tx2"/>
+              </a:buClr>
+              <a:buFont typeface="Arial" panose="020B0604020202020204" pitchFamily="34" charset="0"/>
+              <a:buChar char="•"/>
+              <a:defRPr sz="2400" b="1" kern="1200" baseline="0">
+                <a:solidFill>
+                  <a:schemeClr val="tx2"/>
+                </a:solidFill>
+                <a:latin typeface="+mn-lt"/>
+                <a:ea typeface="+mn-ea"/>
+                <a:cs typeface="+mn-cs"/>
+              </a:defRPr>
+            </a:lvl1pPr>
+            <a:lvl2pPr marL="457200" indent="0" algn="l" defTabSz="914400" rtl="0" eaLnBrk="1" latinLnBrk="0" hangingPunct="1">
+              <a:lnSpc>
+                <a:spcPct val="90000"/>
+              </a:lnSpc>
+              <a:spcBef>
+                <a:spcPts val="200"/>
+              </a:spcBef>
+              <a:spcAft>
+                <a:spcPts val="400"/>
+              </a:spcAft>
+              <a:buClr>
+                <a:schemeClr val="bg1">
+                  <a:lumMod val="95000"/>
+                  <a:lumOff val="5000"/>
+                </a:schemeClr>
+              </a:buClr>
+              <a:buFont typeface="Wingdings" pitchFamily="2" charset="2"/>
+              <a:buNone/>
+              <a:defRPr sz="1800" kern="1200">
+                <a:solidFill>
+                  <a:schemeClr val="tx1">
+                    <a:tint val="75000"/>
+                  </a:schemeClr>
+                </a:solidFill>
+                <a:latin typeface="+mn-lt"/>
+                <a:ea typeface="+mn-ea"/>
+                <a:cs typeface="+mn-cs"/>
+              </a:defRPr>
+            </a:lvl2pPr>
+            <a:lvl3pPr marL="914400" indent="0" algn="l" defTabSz="914400" rtl="0" eaLnBrk="1" latinLnBrk="0" hangingPunct="1">
+              <a:lnSpc>
+                <a:spcPct val="90000"/>
+              </a:lnSpc>
+              <a:spcBef>
+                <a:spcPts val="200"/>
+              </a:spcBef>
+              <a:spcAft>
+                <a:spcPts val="400"/>
+              </a:spcAft>
+              <a:buClr>
+                <a:schemeClr val="bg1">
+                  <a:lumMod val="95000"/>
+                  <a:lumOff val="5000"/>
+                </a:schemeClr>
+              </a:buClr>
+              <a:buFont typeface="Wingdings" pitchFamily="2" charset="2"/>
+              <a:buNone/>
+              <a:defRPr sz="1600" kern="1200">
+                <a:solidFill>
+                  <a:schemeClr val="tx1">
+                    <a:tint val="75000"/>
+                  </a:schemeClr>
+                </a:solidFill>
+                <a:latin typeface="+mn-lt"/>
+                <a:ea typeface="+mn-ea"/>
+                <a:cs typeface="+mn-cs"/>
+              </a:defRPr>
+            </a:lvl3pPr>
+            <a:lvl4pPr marL="1371600" indent="0" algn="l" defTabSz="914400" rtl="0" eaLnBrk="1" latinLnBrk="0" hangingPunct="1">
+              <a:lnSpc>
+                <a:spcPct val="90000"/>
+              </a:lnSpc>
+              <a:spcBef>
+                <a:spcPts val="200"/>
+              </a:spcBef>
+              <a:spcAft>
+                <a:spcPts val="400"/>
+              </a:spcAft>
+              <a:buClr>
+                <a:schemeClr val="bg1">
+                  <a:lumMod val="95000"/>
+                  <a:lumOff val="5000"/>
+                </a:schemeClr>
+              </a:buClr>
+              <a:buFont typeface="Wingdings" pitchFamily="2" charset="2"/>
+              <a:buNone/>
+              <a:defRPr sz="1400" kern="1200">
+                <a:solidFill>
+                  <a:schemeClr val="tx1">
+                    <a:tint val="75000"/>
+                  </a:schemeClr>
+                </a:solidFill>
+                <a:latin typeface="+mn-lt"/>
+                <a:ea typeface="+mn-ea"/>
+                <a:cs typeface="+mn-cs"/>
+              </a:defRPr>
+            </a:lvl4pPr>
+            <a:lvl5pPr marL="1828800" indent="0" algn="l" defTabSz="914400" rtl="0" eaLnBrk="1" latinLnBrk="0" hangingPunct="1">
+              <a:lnSpc>
+                <a:spcPct val="90000"/>
+              </a:lnSpc>
+              <a:spcBef>
+                <a:spcPts val="200"/>
+              </a:spcBef>
+              <a:spcAft>
+                <a:spcPts val="400"/>
+              </a:spcAft>
+              <a:buClr>
+                <a:schemeClr val="bg1">
+                  <a:lumMod val="95000"/>
+                  <a:lumOff val="5000"/>
+                </a:schemeClr>
+              </a:buClr>
+              <a:buFont typeface="Wingdings" pitchFamily="2" charset="2"/>
+              <a:buNone/>
+              <a:defRPr sz="1400" kern="1200">
+                <a:solidFill>
+                  <a:schemeClr val="tx1">
+                    <a:tint val="75000"/>
+                  </a:schemeClr>
+                </a:solidFill>
+                <a:latin typeface="+mn-lt"/>
+                <a:ea typeface="+mn-ea"/>
+                <a:cs typeface="+mn-cs"/>
+              </a:defRPr>
+            </a:lvl5pPr>
+            <a:lvl6pPr marL="2286000" indent="0" algn="l" defTabSz="914400" rtl="0" eaLnBrk="1" latinLnBrk="0" hangingPunct="1">
+              <a:lnSpc>
+                <a:spcPct val="90000"/>
+              </a:lnSpc>
+              <a:spcBef>
+                <a:spcPts val="200"/>
+              </a:spcBef>
+              <a:spcAft>
+                <a:spcPts val="400"/>
+              </a:spcAft>
+              <a:buClr>
+                <a:schemeClr val="tx1"/>
+              </a:buClr>
+              <a:buFont typeface="Wingdings" pitchFamily="2" charset="2"/>
+              <a:buNone/>
+              <a:defRPr sz="1400" kern="1200">
+                <a:solidFill>
+                  <a:schemeClr val="tx1">
+                    <a:tint val="75000"/>
+                  </a:schemeClr>
+                </a:solidFill>
+                <a:latin typeface="+mn-lt"/>
+                <a:ea typeface="+mn-ea"/>
+                <a:cs typeface="+mn-cs"/>
+              </a:defRPr>
+            </a:lvl6pPr>
+            <a:lvl7pPr marL="2743200" indent="0" algn="l" defTabSz="914400" rtl="0" eaLnBrk="1" latinLnBrk="0" hangingPunct="1">
+              <a:lnSpc>
+                <a:spcPct val="90000"/>
+              </a:lnSpc>
+              <a:spcBef>
+                <a:spcPts val="200"/>
+              </a:spcBef>
+              <a:spcAft>
+                <a:spcPts val="400"/>
+              </a:spcAft>
+              <a:buClr>
+                <a:schemeClr val="tx1"/>
+              </a:buClr>
+              <a:buFont typeface="Wingdings" pitchFamily="2" charset="2"/>
+              <a:buNone/>
+              <a:defRPr sz="1400" kern="1200">
+                <a:solidFill>
+                  <a:schemeClr val="tx1">
+                    <a:tint val="75000"/>
+                  </a:schemeClr>
+                </a:solidFill>
+                <a:latin typeface="+mn-lt"/>
+                <a:ea typeface="+mn-ea"/>
+                <a:cs typeface="+mn-cs"/>
+              </a:defRPr>
+            </a:lvl7pPr>
+            <a:lvl8pPr marL="3200400" indent="0" algn="l" defTabSz="914400" rtl="0" eaLnBrk="1" latinLnBrk="0" hangingPunct="1">
+              <a:lnSpc>
+                <a:spcPct val="90000"/>
+              </a:lnSpc>
+              <a:spcBef>
+                <a:spcPts val="200"/>
+              </a:spcBef>
+              <a:spcAft>
+                <a:spcPts val="400"/>
+              </a:spcAft>
+              <a:buClr>
+                <a:schemeClr val="tx1"/>
+              </a:buClr>
+              <a:buFont typeface="Wingdings" pitchFamily="2" charset="2"/>
+              <a:buNone/>
+              <a:defRPr sz="1400" kern="1200">
+                <a:solidFill>
+                  <a:schemeClr val="tx1">
+                    <a:tint val="75000"/>
+                  </a:schemeClr>
+                </a:solidFill>
+                <a:latin typeface="+mn-lt"/>
+                <a:ea typeface="+mn-ea"/>
+                <a:cs typeface="+mn-cs"/>
+              </a:defRPr>
+            </a:lvl8pPr>
+            <a:lvl9pPr marL="3657600" indent="0" algn="l" defTabSz="914400" rtl="0" eaLnBrk="1" latinLnBrk="0" hangingPunct="1">
+              <a:lnSpc>
+                <a:spcPct val="90000"/>
+              </a:lnSpc>
+              <a:spcBef>
+                <a:spcPts val="200"/>
+              </a:spcBef>
+              <a:spcAft>
+                <a:spcPts val="400"/>
+              </a:spcAft>
+              <a:buClr>
+                <a:schemeClr val="tx1"/>
+              </a:buClr>
+              <a:buFont typeface="Wingdings" pitchFamily="2" charset="2"/>
+              <a:buNone/>
+              <a:defRPr sz="1400" kern="1200">
+                <a:solidFill>
+                  <a:schemeClr val="tx1">
+                    <a:tint val="75000"/>
+                  </a:schemeClr>
+                </a:solidFill>
+                <a:latin typeface="+mn-lt"/>
+                <a:ea typeface="+mn-ea"/>
+                <a:cs typeface="+mn-cs"/>
+              </a:defRPr>
+            </a:lvl9pPr>
+          </a:lstStyle>
+          <a:p>
+            <a:pPr marL="0" indent="0">
+              <a:buNone/>
+            </a:pPr>
+            <a:r>
+              <a:rPr lang="it-IT" b="0" dirty="0"/>
+              <a:t>Il </a:t>
+            </a:r>
+            <a:r>
+              <a:rPr lang="it-IT" b="0" dirty="0" err="1"/>
+              <a:t>tag</a:t>
+            </a:r>
+            <a:r>
+              <a:rPr lang="it-IT" b="0" dirty="0"/>
+              <a:t> </a:t>
+            </a:r>
+            <a:r>
+              <a:rPr lang="it-IT" dirty="0" err="1"/>
+              <a:t>ol</a:t>
+            </a:r>
+            <a:r>
+              <a:rPr lang="it-IT" b="0" dirty="0"/>
+              <a:t> serve a definire una lista ordinata.</a:t>
+            </a:r>
+            <a:br>
+              <a:rPr lang="it-IT" dirty="0"/>
+            </a:br>
+            <a:br>
+              <a:rPr lang="it-IT" dirty="0"/>
+            </a:br>
+            <a:r>
+              <a:rPr lang="it-IT" b="0" dirty="0">
+                <a:solidFill>
+                  <a:srgbClr val="0000CD"/>
+                </a:solidFill>
+                <a:latin typeface="Consolas" panose="020B0609020204030204" pitchFamily="49" charset="0"/>
+              </a:rPr>
+              <a:t>&lt;</a:t>
+            </a:r>
+            <a:r>
+              <a:rPr lang="it-IT" b="0" dirty="0" err="1">
+                <a:solidFill>
+                  <a:srgbClr val="A52A2A"/>
+                </a:solidFill>
+                <a:latin typeface="Consolas" panose="020B0609020204030204" pitchFamily="49" charset="0"/>
+              </a:rPr>
+              <a:t>ol</a:t>
+            </a:r>
+            <a:r>
+              <a:rPr lang="it-IT" b="0" dirty="0">
+                <a:solidFill>
+                  <a:srgbClr val="0000CD"/>
+                </a:solidFill>
+                <a:latin typeface="Consolas" panose="020B0609020204030204" pitchFamily="49" charset="0"/>
+              </a:rPr>
+              <a:t>&gt;</a:t>
+            </a:r>
+            <a:br>
+              <a:rPr lang="it-IT" dirty="0"/>
+            </a:br>
+            <a:r>
+              <a:rPr lang="it-IT" b="0" dirty="0">
+                <a:solidFill>
+                  <a:srgbClr val="000000"/>
+                </a:solidFill>
+                <a:latin typeface="Consolas" panose="020B0609020204030204" pitchFamily="49" charset="0"/>
+              </a:rPr>
+              <a:t>  </a:t>
+            </a:r>
+            <a:r>
+              <a:rPr lang="it-IT" b="0" dirty="0">
+                <a:solidFill>
+                  <a:srgbClr val="0000CD"/>
+                </a:solidFill>
+                <a:latin typeface="Consolas" panose="020B0609020204030204" pitchFamily="49" charset="0"/>
+              </a:rPr>
+              <a:t>&lt;</a:t>
+            </a:r>
+            <a:r>
+              <a:rPr lang="it-IT" b="0" dirty="0">
+                <a:solidFill>
+                  <a:srgbClr val="A52A2A"/>
+                </a:solidFill>
+                <a:latin typeface="Consolas" panose="020B0609020204030204" pitchFamily="49" charset="0"/>
+              </a:rPr>
+              <a:t>li</a:t>
+            </a:r>
+            <a:r>
+              <a:rPr lang="it-IT" b="0" dirty="0">
+                <a:solidFill>
+                  <a:srgbClr val="0000CD"/>
+                </a:solidFill>
+                <a:latin typeface="Consolas" panose="020B0609020204030204" pitchFamily="49" charset="0"/>
+              </a:rPr>
+              <a:t>&gt;</a:t>
+            </a:r>
+            <a:r>
+              <a:rPr lang="it-IT" b="0" dirty="0">
+                <a:solidFill>
+                  <a:srgbClr val="000000"/>
+                </a:solidFill>
+                <a:latin typeface="Consolas" panose="020B0609020204030204" pitchFamily="49" charset="0"/>
+              </a:rPr>
+              <a:t>Coffee</a:t>
+            </a:r>
+            <a:r>
+              <a:rPr lang="it-IT" b="0" dirty="0">
+                <a:solidFill>
+                  <a:srgbClr val="0000CD"/>
+                </a:solidFill>
+                <a:latin typeface="Consolas" panose="020B0609020204030204" pitchFamily="49" charset="0"/>
+              </a:rPr>
+              <a:t>&lt;</a:t>
+            </a:r>
+            <a:r>
+              <a:rPr lang="it-IT" b="0" dirty="0">
+                <a:solidFill>
+                  <a:srgbClr val="A52A2A"/>
+                </a:solidFill>
+                <a:latin typeface="Consolas" panose="020B0609020204030204" pitchFamily="49" charset="0"/>
+              </a:rPr>
+              <a:t>/li</a:t>
+            </a:r>
+            <a:r>
+              <a:rPr lang="it-IT" b="0" dirty="0">
+                <a:solidFill>
+                  <a:srgbClr val="0000CD"/>
+                </a:solidFill>
+                <a:latin typeface="Consolas" panose="020B0609020204030204" pitchFamily="49" charset="0"/>
+              </a:rPr>
+              <a:t>&gt;</a:t>
+            </a:r>
+            <a:br>
+              <a:rPr lang="it-IT" dirty="0"/>
+            </a:br>
+            <a:r>
+              <a:rPr lang="it-IT" b="0" dirty="0">
+                <a:solidFill>
+                  <a:srgbClr val="000000"/>
+                </a:solidFill>
+                <a:latin typeface="Consolas" panose="020B0609020204030204" pitchFamily="49" charset="0"/>
+              </a:rPr>
+              <a:t>  </a:t>
+            </a:r>
+            <a:r>
+              <a:rPr lang="it-IT" b="0" dirty="0">
+                <a:solidFill>
+                  <a:srgbClr val="0000CD"/>
+                </a:solidFill>
+                <a:latin typeface="Consolas" panose="020B0609020204030204" pitchFamily="49" charset="0"/>
+              </a:rPr>
+              <a:t>&lt;</a:t>
+            </a:r>
+            <a:r>
+              <a:rPr lang="it-IT" b="0" dirty="0">
+                <a:solidFill>
+                  <a:srgbClr val="A52A2A"/>
+                </a:solidFill>
+                <a:latin typeface="Consolas" panose="020B0609020204030204" pitchFamily="49" charset="0"/>
+              </a:rPr>
+              <a:t>li</a:t>
+            </a:r>
+            <a:r>
+              <a:rPr lang="it-IT" b="0" dirty="0">
+                <a:solidFill>
+                  <a:srgbClr val="0000CD"/>
+                </a:solidFill>
+                <a:latin typeface="Consolas" panose="020B0609020204030204" pitchFamily="49" charset="0"/>
+              </a:rPr>
+              <a:t>&gt;</a:t>
+            </a:r>
+            <a:r>
+              <a:rPr lang="it-IT" b="0" dirty="0">
+                <a:solidFill>
+                  <a:srgbClr val="000000"/>
+                </a:solidFill>
+                <a:latin typeface="Consolas" panose="020B0609020204030204" pitchFamily="49" charset="0"/>
+              </a:rPr>
+              <a:t>Tea</a:t>
+            </a:r>
+            <a:r>
+              <a:rPr lang="it-IT" b="0" dirty="0">
+                <a:solidFill>
+                  <a:srgbClr val="0000CD"/>
+                </a:solidFill>
+                <a:latin typeface="Consolas" panose="020B0609020204030204" pitchFamily="49" charset="0"/>
+              </a:rPr>
+              <a:t>&lt;</a:t>
+            </a:r>
+            <a:r>
+              <a:rPr lang="it-IT" b="0" dirty="0">
+                <a:solidFill>
+                  <a:srgbClr val="A52A2A"/>
+                </a:solidFill>
+                <a:latin typeface="Consolas" panose="020B0609020204030204" pitchFamily="49" charset="0"/>
+              </a:rPr>
+              <a:t>/li</a:t>
+            </a:r>
+            <a:r>
+              <a:rPr lang="it-IT" b="0" dirty="0">
+                <a:solidFill>
+                  <a:srgbClr val="0000CD"/>
+                </a:solidFill>
+                <a:latin typeface="Consolas" panose="020B0609020204030204" pitchFamily="49" charset="0"/>
+              </a:rPr>
+              <a:t>&gt;</a:t>
+            </a:r>
+            <a:br>
+              <a:rPr lang="it-IT" dirty="0"/>
+            </a:br>
+            <a:r>
+              <a:rPr lang="it-IT" b="0" dirty="0">
+                <a:solidFill>
+                  <a:srgbClr val="000000"/>
+                </a:solidFill>
+                <a:latin typeface="Consolas" panose="020B0609020204030204" pitchFamily="49" charset="0"/>
+              </a:rPr>
+              <a:t>  </a:t>
+            </a:r>
+            <a:r>
+              <a:rPr lang="it-IT" b="0" dirty="0">
+                <a:solidFill>
+                  <a:srgbClr val="0000CD"/>
+                </a:solidFill>
+                <a:latin typeface="Consolas" panose="020B0609020204030204" pitchFamily="49" charset="0"/>
+              </a:rPr>
+              <a:t>&lt;</a:t>
+            </a:r>
+            <a:r>
+              <a:rPr lang="it-IT" b="0" dirty="0">
+                <a:solidFill>
+                  <a:srgbClr val="A52A2A"/>
+                </a:solidFill>
+                <a:latin typeface="Consolas" panose="020B0609020204030204" pitchFamily="49" charset="0"/>
+              </a:rPr>
+              <a:t>li</a:t>
+            </a:r>
+            <a:r>
+              <a:rPr lang="it-IT" b="0" dirty="0">
+                <a:solidFill>
+                  <a:srgbClr val="0000CD"/>
+                </a:solidFill>
+                <a:latin typeface="Consolas" panose="020B0609020204030204" pitchFamily="49" charset="0"/>
+              </a:rPr>
+              <a:t>&gt;</a:t>
+            </a:r>
+            <a:r>
+              <a:rPr lang="it-IT" b="0" dirty="0">
+                <a:solidFill>
+                  <a:srgbClr val="000000"/>
+                </a:solidFill>
+                <a:latin typeface="Consolas" panose="020B0609020204030204" pitchFamily="49" charset="0"/>
+              </a:rPr>
+              <a:t>Milk</a:t>
+            </a:r>
+            <a:r>
+              <a:rPr lang="it-IT" b="0" dirty="0">
+                <a:solidFill>
+                  <a:srgbClr val="0000CD"/>
+                </a:solidFill>
+                <a:latin typeface="Consolas" panose="020B0609020204030204" pitchFamily="49" charset="0"/>
+              </a:rPr>
+              <a:t>&lt;</a:t>
+            </a:r>
+            <a:r>
+              <a:rPr lang="it-IT" b="0" dirty="0">
+                <a:solidFill>
+                  <a:srgbClr val="A52A2A"/>
+                </a:solidFill>
+                <a:latin typeface="Consolas" panose="020B0609020204030204" pitchFamily="49" charset="0"/>
+              </a:rPr>
+              <a:t>/li</a:t>
+            </a:r>
+            <a:r>
+              <a:rPr lang="it-IT" b="0" dirty="0">
+                <a:solidFill>
+                  <a:srgbClr val="0000CD"/>
+                </a:solidFill>
+                <a:latin typeface="Consolas" panose="020B0609020204030204" pitchFamily="49" charset="0"/>
+              </a:rPr>
+              <a:t>&gt;</a:t>
+            </a:r>
+            <a:br>
+              <a:rPr lang="it-IT" dirty="0"/>
+            </a:br>
+            <a:r>
+              <a:rPr lang="it-IT" b="0" dirty="0">
+                <a:solidFill>
+                  <a:srgbClr val="0000CD"/>
+                </a:solidFill>
+                <a:latin typeface="Consolas" panose="020B0609020204030204" pitchFamily="49" charset="0"/>
+              </a:rPr>
+              <a:t>&lt;</a:t>
+            </a:r>
+            <a:r>
+              <a:rPr lang="it-IT" b="0" dirty="0">
+                <a:solidFill>
+                  <a:srgbClr val="A52A2A"/>
+                </a:solidFill>
+                <a:latin typeface="Consolas" panose="020B0609020204030204" pitchFamily="49" charset="0"/>
+              </a:rPr>
+              <a:t>/</a:t>
+            </a:r>
+            <a:r>
+              <a:rPr lang="it-IT" b="0" dirty="0" err="1">
+                <a:solidFill>
+                  <a:srgbClr val="A52A2A"/>
+                </a:solidFill>
+                <a:latin typeface="Consolas" panose="020B0609020204030204" pitchFamily="49" charset="0"/>
+              </a:rPr>
+              <a:t>ol</a:t>
+            </a:r>
+            <a:r>
+              <a:rPr lang="it-IT" b="0" dirty="0">
+                <a:solidFill>
+                  <a:srgbClr val="0000CD"/>
+                </a:solidFill>
+                <a:latin typeface="Consolas" panose="020B0609020204030204" pitchFamily="49" charset="0"/>
+              </a:rPr>
+              <a:t>&gt;</a:t>
+            </a:r>
+            <a:br>
+              <a:rPr lang="en-US" b="0" dirty="0">
+                <a:solidFill>
+                  <a:srgbClr val="000000"/>
+                </a:solidFill>
+                <a:latin typeface="Consolas" panose="020B0609020204030204" pitchFamily="49" charset="0"/>
+              </a:rPr>
+            </a:br>
+            <a:br>
+              <a:rPr lang="en-US" b="0" dirty="0">
+                <a:solidFill>
+                  <a:srgbClr val="0000CD"/>
+                </a:solidFill>
+                <a:latin typeface="Consolas" panose="020B0609020204030204" pitchFamily="49" charset="0"/>
+              </a:rPr>
+            </a:br>
+            <a:r>
+              <a:rPr lang="it-IT" b="0" dirty="0">
+                <a:hlinkClick r:id="rId2"/>
+              </a:rPr>
+              <a:t>Live demo</a:t>
+            </a:r>
+            <a:endParaRPr lang="en-US" b="0" dirty="0">
+              <a:solidFill>
+                <a:srgbClr val="0000CD"/>
+              </a:solidFill>
+              <a:latin typeface="Consolas" panose="020B0609020204030204" pitchFamily="49" charset="0"/>
+            </a:endParaRPr>
+          </a:p>
+        </p:txBody>
+      </p:sp>
+      <p:sp>
+        <p:nvSpPr>
+          <p:cNvPr id="7" name="Text Placeholder 2">
+            <a:extLst>
+              <a:ext uri="{FF2B5EF4-FFF2-40B4-BE49-F238E27FC236}">
+                <a16:creationId xmlns:a16="http://schemas.microsoft.com/office/drawing/2014/main" id="{6F9BDDC7-56BD-4063-8FD8-2B3A5D3C7118}"/>
+              </a:ext>
+            </a:extLst>
+          </p:cNvPr>
+          <p:cNvSpPr txBox="1">
+            <a:spLocks/>
+          </p:cNvSpPr>
+          <p:nvPr/>
+        </p:nvSpPr>
+        <p:spPr>
+          <a:xfrm>
+            <a:off x="4802434" y="3016068"/>
+            <a:ext cx="5243774" cy="3903136"/>
+          </a:xfrm>
+          <a:prstGeom prst="rect">
+            <a:avLst/>
+          </a:prstGeom>
+        </p:spPr>
+        <p:txBody>
+          <a:bodyPr vert="horz" lIns="91440" tIns="45720" rIns="91440" bIns="45720" rtlCol="0" anchor="t">
+            <a:normAutofit/>
+          </a:bodyPr>
+          <a:lstStyle>
+            <a:lvl1pPr marL="342900" indent="-342900" algn="l" defTabSz="914400" rtl="0" eaLnBrk="1" latinLnBrk="0" hangingPunct="1">
+              <a:lnSpc>
+                <a:spcPct val="90000"/>
+              </a:lnSpc>
+              <a:spcBef>
+                <a:spcPts val="1200"/>
+              </a:spcBef>
+              <a:spcAft>
+                <a:spcPts val="200"/>
+              </a:spcAft>
+              <a:buClr>
+                <a:schemeClr val="tx2"/>
+              </a:buClr>
+              <a:buFont typeface="Arial" panose="020B0604020202020204" pitchFamily="34" charset="0"/>
+              <a:buChar char="•"/>
+              <a:defRPr sz="2400" b="1" kern="1200" baseline="0">
+                <a:solidFill>
+                  <a:schemeClr val="tx2"/>
+                </a:solidFill>
+                <a:latin typeface="+mn-lt"/>
+                <a:ea typeface="+mn-ea"/>
+                <a:cs typeface="+mn-cs"/>
+              </a:defRPr>
+            </a:lvl1pPr>
+            <a:lvl2pPr marL="457200" indent="0" algn="l" defTabSz="914400" rtl="0" eaLnBrk="1" latinLnBrk="0" hangingPunct="1">
+              <a:lnSpc>
+                <a:spcPct val="90000"/>
+              </a:lnSpc>
+              <a:spcBef>
+                <a:spcPts val="200"/>
+              </a:spcBef>
+              <a:spcAft>
+                <a:spcPts val="400"/>
+              </a:spcAft>
+              <a:buClr>
+                <a:schemeClr val="bg1">
+                  <a:lumMod val="95000"/>
+                  <a:lumOff val="5000"/>
+                </a:schemeClr>
+              </a:buClr>
+              <a:buFont typeface="Wingdings" pitchFamily="2" charset="2"/>
+              <a:buNone/>
+              <a:defRPr sz="1800" kern="1200">
+                <a:solidFill>
+                  <a:schemeClr val="tx1">
+                    <a:tint val="75000"/>
+                  </a:schemeClr>
+                </a:solidFill>
+                <a:latin typeface="+mn-lt"/>
+                <a:ea typeface="+mn-ea"/>
+                <a:cs typeface="+mn-cs"/>
+              </a:defRPr>
+            </a:lvl2pPr>
+            <a:lvl3pPr marL="914400" indent="0" algn="l" defTabSz="914400" rtl="0" eaLnBrk="1" latinLnBrk="0" hangingPunct="1">
+              <a:lnSpc>
+                <a:spcPct val="90000"/>
+              </a:lnSpc>
+              <a:spcBef>
+                <a:spcPts val="200"/>
+              </a:spcBef>
+              <a:spcAft>
+                <a:spcPts val="400"/>
+              </a:spcAft>
+              <a:buClr>
+                <a:schemeClr val="bg1">
+                  <a:lumMod val="95000"/>
+                  <a:lumOff val="5000"/>
+                </a:schemeClr>
+              </a:buClr>
+              <a:buFont typeface="Wingdings" pitchFamily="2" charset="2"/>
+              <a:buNone/>
+              <a:defRPr sz="1600" kern="1200">
+                <a:solidFill>
+                  <a:schemeClr val="tx1">
+                    <a:tint val="75000"/>
+                  </a:schemeClr>
+                </a:solidFill>
+                <a:latin typeface="+mn-lt"/>
+                <a:ea typeface="+mn-ea"/>
+                <a:cs typeface="+mn-cs"/>
+              </a:defRPr>
+            </a:lvl3pPr>
+            <a:lvl4pPr marL="1371600" indent="0" algn="l" defTabSz="914400" rtl="0" eaLnBrk="1" latinLnBrk="0" hangingPunct="1">
+              <a:lnSpc>
+                <a:spcPct val="90000"/>
+              </a:lnSpc>
+              <a:spcBef>
+                <a:spcPts val="200"/>
+              </a:spcBef>
+              <a:spcAft>
+                <a:spcPts val="400"/>
+              </a:spcAft>
+              <a:buClr>
+                <a:schemeClr val="bg1">
+                  <a:lumMod val="95000"/>
+                  <a:lumOff val="5000"/>
+                </a:schemeClr>
+              </a:buClr>
+              <a:buFont typeface="Wingdings" pitchFamily="2" charset="2"/>
+              <a:buNone/>
+              <a:defRPr sz="1400" kern="1200">
+                <a:solidFill>
+                  <a:schemeClr val="tx1">
+                    <a:tint val="75000"/>
+                  </a:schemeClr>
+                </a:solidFill>
+                <a:latin typeface="+mn-lt"/>
+                <a:ea typeface="+mn-ea"/>
+                <a:cs typeface="+mn-cs"/>
+              </a:defRPr>
+            </a:lvl4pPr>
+            <a:lvl5pPr marL="1828800" indent="0" algn="l" defTabSz="914400" rtl="0" eaLnBrk="1" latinLnBrk="0" hangingPunct="1">
+              <a:lnSpc>
+                <a:spcPct val="90000"/>
+              </a:lnSpc>
+              <a:spcBef>
+                <a:spcPts val="200"/>
+              </a:spcBef>
+              <a:spcAft>
+                <a:spcPts val="400"/>
+              </a:spcAft>
+              <a:buClr>
+                <a:schemeClr val="bg1">
+                  <a:lumMod val="95000"/>
+                  <a:lumOff val="5000"/>
+                </a:schemeClr>
+              </a:buClr>
+              <a:buFont typeface="Wingdings" pitchFamily="2" charset="2"/>
+              <a:buNone/>
+              <a:defRPr sz="1400" kern="1200">
+                <a:solidFill>
+                  <a:schemeClr val="tx1">
+                    <a:tint val="75000"/>
+                  </a:schemeClr>
+                </a:solidFill>
+                <a:latin typeface="+mn-lt"/>
+                <a:ea typeface="+mn-ea"/>
+                <a:cs typeface="+mn-cs"/>
+              </a:defRPr>
+            </a:lvl5pPr>
+            <a:lvl6pPr marL="2286000" indent="0" algn="l" defTabSz="914400" rtl="0" eaLnBrk="1" latinLnBrk="0" hangingPunct="1">
+              <a:lnSpc>
+                <a:spcPct val="90000"/>
+              </a:lnSpc>
+              <a:spcBef>
+                <a:spcPts val="200"/>
+              </a:spcBef>
+              <a:spcAft>
+                <a:spcPts val="400"/>
+              </a:spcAft>
+              <a:buClr>
+                <a:schemeClr val="tx1"/>
+              </a:buClr>
+              <a:buFont typeface="Wingdings" pitchFamily="2" charset="2"/>
+              <a:buNone/>
+              <a:defRPr sz="1400" kern="1200">
+                <a:solidFill>
+                  <a:schemeClr val="tx1">
+                    <a:tint val="75000"/>
+                  </a:schemeClr>
+                </a:solidFill>
+                <a:latin typeface="+mn-lt"/>
+                <a:ea typeface="+mn-ea"/>
+                <a:cs typeface="+mn-cs"/>
+              </a:defRPr>
+            </a:lvl6pPr>
+            <a:lvl7pPr marL="2743200" indent="0" algn="l" defTabSz="914400" rtl="0" eaLnBrk="1" latinLnBrk="0" hangingPunct="1">
+              <a:lnSpc>
+                <a:spcPct val="90000"/>
+              </a:lnSpc>
+              <a:spcBef>
+                <a:spcPts val="200"/>
+              </a:spcBef>
+              <a:spcAft>
+                <a:spcPts val="400"/>
+              </a:spcAft>
+              <a:buClr>
+                <a:schemeClr val="tx1"/>
+              </a:buClr>
+              <a:buFont typeface="Wingdings" pitchFamily="2" charset="2"/>
+              <a:buNone/>
+              <a:defRPr sz="1400" kern="1200">
+                <a:solidFill>
+                  <a:schemeClr val="tx1">
+                    <a:tint val="75000"/>
+                  </a:schemeClr>
+                </a:solidFill>
+                <a:latin typeface="+mn-lt"/>
+                <a:ea typeface="+mn-ea"/>
+                <a:cs typeface="+mn-cs"/>
+              </a:defRPr>
+            </a:lvl7pPr>
+            <a:lvl8pPr marL="3200400" indent="0" algn="l" defTabSz="914400" rtl="0" eaLnBrk="1" latinLnBrk="0" hangingPunct="1">
+              <a:lnSpc>
+                <a:spcPct val="90000"/>
+              </a:lnSpc>
+              <a:spcBef>
+                <a:spcPts val="200"/>
+              </a:spcBef>
+              <a:spcAft>
+                <a:spcPts val="400"/>
+              </a:spcAft>
+              <a:buClr>
+                <a:schemeClr val="tx1"/>
+              </a:buClr>
+              <a:buFont typeface="Wingdings" pitchFamily="2" charset="2"/>
+              <a:buNone/>
+              <a:defRPr sz="1400" kern="1200">
+                <a:solidFill>
+                  <a:schemeClr val="tx1">
+                    <a:tint val="75000"/>
+                  </a:schemeClr>
+                </a:solidFill>
+                <a:latin typeface="+mn-lt"/>
+                <a:ea typeface="+mn-ea"/>
+                <a:cs typeface="+mn-cs"/>
+              </a:defRPr>
+            </a:lvl8pPr>
+            <a:lvl9pPr marL="3657600" indent="0" algn="l" defTabSz="914400" rtl="0" eaLnBrk="1" latinLnBrk="0" hangingPunct="1">
+              <a:lnSpc>
+                <a:spcPct val="90000"/>
+              </a:lnSpc>
+              <a:spcBef>
+                <a:spcPts val="200"/>
+              </a:spcBef>
+              <a:spcAft>
+                <a:spcPts val="400"/>
+              </a:spcAft>
+              <a:buClr>
+                <a:schemeClr val="tx1"/>
+              </a:buClr>
+              <a:buFont typeface="Wingdings" pitchFamily="2" charset="2"/>
+              <a:buNone/>
+              <a:defRPr sz="1400" kern="1200">
+                <a:solidFill>
+                  <a:schemeClr val="tx1">
+                    <a:tint val="75000"/>
+                  </a:schemeClr>
+                </a:solidFill>
+                <a:latin typeface="+mn-lt"/>
+                <a:ea typeface="+mn-ea"/>
+                <a:cs typeface="+mn-cs"/>
+              </a:defRPr>
+            </a:lvl9pPr>
+          </a:lstStyle>
+          <a:p>
+            <a:r>
+              <a:rPr lang="it-IT" b="0" dirty="0">
+                <a:solidFill>
+                  <a:srgbClr val="0000CD"/>
+                </a:solidFill>
+                <a:latin typeface="Consolas" panose="020B0609020204030204" pitchFamily="49" charset="0"/>
+              </a:rPr>
+              <a:t>&lt;</a:t>
+            </a:r>
+            <a:r>
+              <a:rPr lang="it-IT" b="0" dirty="0" err="1">
+                <a:solidFill>
+                  <a:srgbClr val="A52A2A"/>
+                </a:solidFill>
+                <a:latin typeface="Consolas" panose="020B0609020204030204" pitchFamily="49" charset="0"/>
+              </a:rPr>
+              <a:t>ol</a:t>
+            </a:r>
+            <a:r>
+              <a:rPr lang="it-IT" b="0" dirty="0">
+                <a:solidFill>
+                  <a:srgbClr val="FF0000"/>
+                </a:solidFill>
+                <a:latin typeface="Consolas" panose="020B0609020204030204" pitchFamily="49" charset="0"/>
+              </a:rPr>
+              <a:t> start</a:t>
+            </a:r>
+            <a:r>
+              <a:rPr lang="it-IT" b="0" dirty="0">
+                <a:solidFill>
+                  <a:srgbClr val="0000CD"/>
+                </a:solidFill>
+                <a:latin typeface="Consolas" panose="020B0609020204030204" pitchFamily="49" charset="0"/>
+              </a:rPr>
+              <a:t>="50"&gt;</a:t>
+            </a:r>
+            <a:br>
+              <a:rPr lang="it-IT" b="0" dirty="0"/>
+            </a:br>
+            <a:r>
+              <a:rPr lang="it-IT" b="0" dirty="0">
+                <a:solidFill>
+                  <a:srgbClr val="000000"/>
+                </a:solidFill>
+                <a:latin typeface="Consolas" panose="020B0609020204030204" pitchFamily="49" charset="0"/>
+              </a:rPr>
+              <a:t>  </a:t>
+            </a:r>
+            <a:r>
+              <a:rPr lang="it-IT" b="0" dirty="0">
+                <a:solidFill>
+                  <a:srgbClr val="0000CD"/>
+                </a:solidFill>
+                <a:latin typeface="Consolas" panose="020B0609020204030204" pitchFamily="49" charset="0"/>
+              </a:rPr>
+              <a:t>&lt;</a:t>
+            </a:r>
+            <a:r>
+              <a:rPr lang="it-IT" b="0" dirty="0">
+                <a:solidFill>
+                  <a:srgbClr val="A52A2A"/>
+                </a:solidFill>
+                <a:latin typeface="Consolas" panose="020B0609020204030204" pitchFamily="49" charset="0"/>
+              </a:rPr>
+              <a:t>li</a:t>
+            </a:r>
+            <a:r>
+              <a:rPr lang="it-IT" b="0" dirty="0">
+                <a:solidFill>
+                  <a:srgbClr val="0000CD"/>
+                </a:solidFill>
+                <a:latin typeface="Consolas" panose="020B0609020204030204" pitchFamily="49" charset="0"/>
+              </a:rPr>
+              <a:t>&gt;</a:t>
+            </a:r>
+            <a:r>
+              <a:rPr lang="it-IT" b="0" dirty="0">
+                <a:solidFill>
+                  <a:srgbClr val="000000"/>
+                </a:solidFill>
+                <a:latin typeface="Consolas" panose="020B0609020204030204" pitchFamily="49" charset="0"/>
+              </a:rPr>
+              <a:t>Coffee</a:t>
+            </a:r>
+            <a:r>
+              <a:rPr lang="it-IT" b="0" dirty="0">
+                <a:solidFill>
+                  <a:srgbClr val="0000CD"/>
+                </a:solidFill>
+                <a:latin typeface="Consolas" panose="020B0609020204030204" pitchFamily="49" charset="0"/>
+              </a:rPr>
+              <a:t>&lt;</a:t>
+            </a:r>
+            <a:r>
+              <a:rPr lang="it-IT" b="0" dirty="0">
+                <a:solidFill>
+                  <a:srgbClr val="A52A2A"/>
+                </a:solidFill>
+                <a:latin typeface="Consolas" panose="020B0609020204030204" pitchFamily="49" charset="0"/>
+              </a:rPr>
+              <a:t>/li</a:t>
+            </a:r>
+            <a:r>
+              <a:rPr lang="it-IT" b="0" dirty="0">
+                <a:solidFill>
+                  <a:srgbClr val="0000CD"/>
+                </a:solidFill>
+                <a:latin typeface="Consolas" panose="020B0609020204030204" pitchFamily="49" charset="0"/>
+              </a:rPr>
+              <a:t>&gt;</a:t>
+            </a:r>
+            <a:br>
+              <a:rPr lang="it-IT" b="0" dirty="0"/>
+            </a:br>
+            <a:r>
+              <a:rPr lang="it-IT" b="0" dirty="0">
+                <a:solidFill>
+                  <a:srgbClr val="000000"/>
+                </a:solidFill>
+                <a:latin typeface="Consolas" panose="020B0609020204030204" pitchFamily="49" charset="0"/>
+              </a:rPr>
+              <a:t>  </a:t>
+            </a:r>
+            <a:r>
+              <a:rPr lang="it-IT" b="0" dirty="0">
+                <a:solidFill>
+                  <a:srgbClr val="0000CD"/>
+                </a:solidFill>
+                <a:latin typeface="Consolas" panose="020B0609020204030204" pitchFamily="49" charset="0"/>
+              </a:rPr>
+              <a:t>&lt;</a:t>
+            </a:r>
+            <a:r>
+              <a:rPr lang="it-IT" b="0" dirty="0">
+                <a:solidFill>
+                  <a:srgbClr val="A52A2A"/>
+                </a:solidFill>
+                <a:latin typeface="Consolas" panose="020B0609020204030204" pitchFamily="49" charset="0"/>
+              </a:rPr>
+              <a:t>li</a:t>
+            </a:r>
+            <a:r>
+              <a:rPr lang="it-IT" b="0" dirty="0">
+                <a:solidFill>
+                  <a:srgbClr val="0000CD"/>
+                </a:solidFill>
+                <a:latin typeface="Consolas" panose="020B0609020204030204" pitchFamily="49" charset="0"/>
+              </a:rPr>
+              <a:t>&gt;</a:t>
+            </a:r>
+            <a:r>
+              <a:rPr lang="it-IT" b="0" dirty="0">
+                <a:solidFill>
+                  <a:srgbClr val="000000"/>
+                </a:solidFill>
+                <a:latin typeface="Consolas" panose="020B0609020204030204" pitchFamily="49" charset="0"/>
+              </a:rPr>
+              <a:t>Tea</a:t>
+            </a:r>
+            <a:r>
+              <a:rPr lang="it-IT" b="0" dirty="0">
+                <a:solidFill>
+                  <a:srgbClr val="0000CD"/>
+                </a:solidFill>
+                <a:latin typeface="Consolas" panose="020B0609020204030204" pitchFamily="49" charset="0"/>
+              </a:rPr>
+              <a:t>&lt;</a:t>
+            </a:r>
+            <a:r>
+              <a:rPr lang="it-IT" b="0" dirty="0">
+                <a:solidFill>
+                  <a:srgbClr val="A52A2A"/>
+                </a:solidFill>
+                <a:latin typeface="Consolas" panose="020B0609020204030204" pitchFamily="49" charset="0"/>
+              </a:rPr>
+              <a:t>/li</a:t>
+            </a:r>
+            <a:r>
+              <a:rPr lang="it-IT" b="0" dirty="0">
+                <a:solidFill>
+                  <a:srgbClr val="0000CD"/>
+                </a:solidFill>
+                <a:latin typeface="Consolas" panose="020B0609020204030204" pitchFamily="49" charset="0"/>
+              </a:rPr>
+              <a:t>&gt;</a:t>
+            </a:r>
+            <a:br>
+              <a:rPr lang="it-IT" b="0" dirty="0"/>
+            </a:br>
+            <a:r>
+              <a:rPr lang="it-IT" b="0" dirty="0">
+                <a:solidFill>
+                  <a:srgbClr val="000000"/>
+                </a:solidFill>
+                <a:latin typeface="Consolas" panose="020B0609020204030204" pitchFamily="49" charset="0"/>
+              </a:rPr>
+              <a:t>  </a:t>
+            </a:r>
+            <a:r>
+              <a:rPr lang="it-IT" b="0" dirty="0">
+                <a:solidFill>
+                  <a:srgbClr val="0000CD"/>
+                </a:solidFill>
+                <a:latin typeface="Consolas" panose="020B0609020204030204" pitchFamily="49" charset="0"/>
+              </a:rPr>
+              <a:t>&lt;</a:t>
+            </a:r>
+            <a:r>
+              <a:rPr lang="it-IT" b="0" dirty="0">
+                <a:solidFill>
+                  <a:srgbClr val="A52A2A"/>
+                </a:solidFill>
+                <a:latin typeface="Consolas" panose="020B0609020204030204" pitchFamily="49" charset="0"/>
+              </a:rPr>
+              <a:t>li</a:t>
+            </a:r>
+            <a:r>
+              <a:rPr lang="it-IT" b="0" dirty="0">
+                <a:solidFill>
+                  <a:srgbClr val="0000CD"/>
+                </a:solidFill>
+                <a:latin typeface="Consolas" panose="020B0609020204030204" pitchFamily="49" charset="0"/>
+              </a:rPr>
+              <a:t>&gt;</a:t>
+            </a:r>
+            <a:r>
+              <a:rPr lang="it-IT" b="0" dirty="0">
+                <a:solidFill>
+                  <a:srgbClr val="000000"/>
+                </a:solidFill>
+                <a:latin typeface="Consolas" panose="020B0609020204030204" pitchFamily="49" charset="0"/>
+              </a:rPr>
+              <a:t>Milk</a:t>
+            </a:r>
+            <a:r>
+              <a:rPr lang="it-IT" b="0" dirty="0">
+                <a:solidFill>
+                  <a:srgbClr val="0000CD"/>
+                </a:solidFill>
+                <a:latin typeface="Consolas" panose="020B0609020204030204" pitchFamily="49" charset="0"/>
+              </a:rPr>
+              <a:t>&lt;</a:t>
+            </a:r>
+            <a:r>
+              <a:rPr lang="it-IT" b="0" dirty="0">
+                <a:solidFill>
+                  <a:srgbClr val="A52A2A"/>
+                </a:solidFill>
+                <a:latin typeface="Consolas" panose="020B0609020204030204" pitchFamily="49" charset="0"/>
+              </a:rPr>
+              <a:t>/li</a:t>
+            </a:r>
+            <a:r>
+              <a:rPr lang="it-IT" b="0" dirty="0">
+                <a:solidFill>
+                  <a:srgbClr val="0000CD"/>
+                </a:solidFill>
+                <a:latin typeface="Consolas" panose="020B0609020204030204" pitchFamily="49" charset="0"/>
+              </a:rPr>
+              <a:t>&gt;</a:t>
+            </a:r>
+            <a:br>
+              <a:rPr lang="it-IT" b="0" dirty="0"/>
+            </a:br>
+            <a:r>
+              <a:rPr lang="it-IT" b="0" dirty="0">
+                <a:solidFill>
+                  <a:srgbClr val="0000CD"/>
+                </a:solidFill>
+                <a:latin typeface="Consolas" panose="020B0609020204030204" pitchFamily="49" charset="0"/>
+              </a:rPr>
+              <a:t>&lt;</a:t>
+            </a:r>
+            <a:r>
+              <a:rPr lang="it-IT" b="0" dirty="0">
+                <a:solidFill>
+                  <a:srgbClr val="A52A2A"/>
+                </a:solidFill>
+                <a:latin typeface="Consolas" panose="020B0609020204030204" pitchFamily="49" charset="0"/>
+              </a:rPr>
+              <a:t>/</a:t>
+            </a:r>
+            <a:r>
+              <a:rPr lang="it-IT" b="0" dirty="0" err="1">
+                <a:solidFill>
+                  <a:srgbClr val="A52A2A"/>
+                </a:solidFill>
+                <a:latin typeface="Consolas" panose="020B0609020204030204" pitchFamily="49" charset="0"/>
+              </a:rPr>
+              <a:t>ol</a:t>
+            </a:r>
+            <a:r>
+              <a:rPr lang="it-IT" b="0" dirty="0">
+                <a:solidFill>
+                  <a:srgbClr val="0000CD"/>
+                </a:solidFill>
+                <a:latin typeface="Consolas" panose="020B0609020204030204" pitchFamily="49" charset="0"/>
+              </a:rPr>
+              <a:t>&gt;</a:t>
+            </a:r>
+            <a:endParaRPr lang="it-IT" b="0" dirty="0"/>
+          </a:p>
+        </p:txBody>
+      </p:sp>
+    </p:spTree>
+    <p:extLst>
+      <p:ext uri="{BB962C8B-B14F-4D97-AF65-F5344CB8AC3E}">
+        <p14:creationId xmlns:p14="http://schemas.microsoft.com/office/powerpoint/2010/main" val="4214563360"/>
+      </p:ext>
+    </p:extLst>
+  </p:cSld>
+  <p:clrMapOvr>
+    <a:masterClrMapping/>
+  </p:clrMapOvr>
+</p:sld>
+</file>
+
+<file path=ppt/slides/slide34.xml><?xml version="1.0" encoding="utf-8"?>
+<p:sld xmlns:a="http://schemas.openxmlformats.org/drawingml/2006/main" xmlns:r="http://schemas.openxmlformats.org/officeDocument/2006/relationships" xmlns:p="http://schemas.openxmlformats.org/presentationml/2006/main">
+  <p:cSld>
+    <p:spTree>
+      <p:nvGrpSpPr>
+        <p:cNvPr id="1" name=""/>
+        <p:cNvGrpSpPr/>
+        <p:nvPr/>
+      </p:nvGrpSpPr>
+      <p:grpSpPr>
+        <a:xfrm>
+          <a:off x="0" y="0"/>
+          <a:ext cx="0" cy="0"/>
+          <a:chOff x="0" y="0"/>
+          <a:chExt cx="0" cy="0"/>
+        </a:xfrm>
+      </p:grpSpPr>
+      <p:sp>
+        <p:nvSpPr>
+          <p:cNvPr id="2" name="Title 1"/>
+          <p:cNvSpPr>
+            <a:spLocks noGrp="1"/>
+          </p:cNvSpPr>
+          <p:nvPr>
+            <p:ph type="title"/>
+          </p:nvPr>
+        </p:nvSpPr>
+        <p:spPr/>
+        <p:txBody>
+          <a:bodyPr/>
+          <a:lstStyle/>
+          <a:p>
+            <a:r>
+              <a:rPr lang="it-IT" dirty="0"/>
+              <a:t>HTML5 – </a:t>
+            </a:r>
+            <a:r>
+              <a:rPr lang="it-IT" dirty="0" err="1"/>
+              <a:t>ul</a:t>
+            </a:r>
+            <a:endParaRPr lang="it-IT" dirty="0"/>
+          </a:p>
+        </p:txBody>
+      </p:sp>
+      <p:sp>
+        <p:nvSpPr>
+          <p:cNvPr id="3" name="Text Placeholder 2"/>
+          <p:cNvSpPr>
+            <a:spLocks noGrp="1"/>
+          </p:cNvSpPr>
+          <p:nvPr>
+            <p:ph type="body" idx="1"/>
+          </p:nvPr>
+        </p:nvSpPr>
+        <p:spPr>
+          <a:xfrm>
+            <a:off x="268224" y="2199584"/>
+            <a:ext cx="11814048" cy="3903136"/>
+          </a:xfrm>
+        </p:spPr>
+        <p:txBody>
+          <a:bodyPr>
+            <a:normAutofit/>
+          </a:bodyPr>
+          <a:lstStyle/>
+          <a:p>
+            <a:endParaRPr lang="it-IT" sz="1700" b="0" dirty="0">
+              <a:solidFill>
+                <a:srgbClr val="0000CD"/>
+              </a:solidFill>
+              <a:latin typeface="Consolas" panose="020B0609020204030204" pitchFamily="49" charset="0"/>
+            </a:endParaRPr>
+          </a:p>
+          <a:p>
+            <a:pPr marL="0" indent="0">
+              <a:buNone/>
+            </a:pPr>
+            <a:endParaRPr lang="en-US" b="0" dirty="0">
+              <a:solidFill>
+                <a:srgbClr val="0000CD"/>
+              </a:solidFill>
+              <a:latin typeface="Consolas" panose="020B0609020204030204" pitchFamily="49" charset="0"/>
+            </a:endParaRPr>
+          </a:p>
+          <a:p>
+            <a:pPr marL="0" indent="0">
+              <a:buNone/>
+            </a:pPr>
+            <a:endParaRPr lang="en-US" b="0" dirty="0">
+              <a:solidFill>
+                <a:srgbClr val="0000CD"/>
+              </a:solidFill>
+              <a:latin typeface="Consolas" panose="020B0609020204030204" pitchFamily="49" charset="0"/>
+            </a:endParaRPr>
+          </a:p>
+        </p:txBody>
+      </p:sp>
+      <p:sp>
+        <p:nvSpPr>
+          <p:cNvPr id="4" name="Text Placeholder 3"/>
+          <p:cNvSpPr>
+            <a:spLocks noGrp="1"/>
+          </p:cNvSpPr>
+          <p:nvPr>
+            <p:ph type="body" sz="quarter" idx="10"/>
+          </p:nvPr>
+        </p:nvSpPr>
+        <p:spPr/>
+        <p:txBody>
+          <a:bodyPr/>
+          <a:lstStyle/>
+          <a:p>
+            <a:r>
+              <a:rPr lang="it-IT" dirty="0"/>
+              <a:t>Fondamenti di sviluppo web</a:t>
+            </a:r>
+          </a:p>
+          <a:p>
+            <a:endParaRPr lang="it-IT" dirty="0"/>
+          </a:p>
+        </p:txBody>
+      </p:sp>
+      <p:sp>
+        <p:nvSpPr>
+          <p:cNvPr id="5" name="Text Placeholder 2">
+            <a:extLst>
+              <a:ext uri="{FF2B5EF4-FFF2-40B4-BE49-F238E27FC236}">
+                <a16:creationId xmlns:a16="http://schemas.microsoft.com/office/drawing/2014/main" id="{C3912B27-202F-4857-A8C4-C7E5056703BF}"/>
+              </a:ext>
+            </a:extLst>
+          </p:cNvPr>
+          <p:cNvSpPr txBox="1">
+            <a:spLocks/>
+          </p:cNvSpPr>
+          <p:nvPr/>
+        </p:nvSpPr>
+        <p:spPr>
+          <a:xfrm>
+            <a:off x="565714" y="2272736"/>
+            <a:ext cx="6152078" cy="3903136"/>
+          </a:xfrm>
+          <a:prstGeom prst="rect">
+            <a:avLst/>
+          </a:prstGeom>
+        </p:spPr>
+        <p:txBody>
+          <a:bodyPr vert="horz" lIns="91440" tIns="45720" rIns="91440" bIns="45720" rtlCol="0" anchor="t">
+            <a:normAutofit/>
+          </a:bodyPr>
+          <a:lstStyle>
+            <a:lvl1pPr marL="342900" indent="-342900" algn="l" defTabSz="914400" rtl="0" eaLnBrk="1" latinLnBrk="0" hangingPunct="1">
+              <a:lnSpc>
+                <a:spcPct val="90000"/>
+              </a:lnSpc>
+              <a:spcBef>
+                <a:spcPts val="1200"/>
+              </a:spcBef>
+              <a:spcAft>
+                <a:spcPts val="200"/>
+              </a:spcAft>
+              <a:buClr>
+                <a:schemeClr val="tx2"/>
+              </a:buClr>
+              <a:buFont typeface="Arial" panose="020B0604020202020204" pitchFamily="34" charset="0"/>
+              <a:buChar char="•"/>
+              <a:defRPr sz="2400" b="1" kern="1200" baseline="0">
+                <a:solidFill>
+                  <a:schemeClr val="tx2"/>
+                </a:solidFill>
+                <a:latin typeface="+mn-lt"/>
+                <a:ea typeface="+mn-ea"/>
+                <a:cs typeface="+mn-cs"/>
+              </a:defRPr>
+            </a:lvl1pPr>
+            <a:lvl2pPr marL="457200" indent="0" algn="l" defTabSz="914400" rtl="0" eaLnBrk="1" latinLnBrk="0" hangingPunct="1">
+              <a:lnSpc>
+                <a:spcPct val="90000"/>
+              </a:lnSpc>
+              <a:spcBef>
+                <a:spcPts val="200"/>
+              </a:spcBef>
+              <a:spcAft>
+                <a:spcPts val="400"/>
+              </a:spcAft>
+              <a:buClr>
+                <a:schemeClr val="bg1">
+                  <a:lumMod val="95000"/>
+                  <a:lumOff val="5000"/>
+                </a:schemeClr>
+              </a:buClr>
+              <a:buFont typeface="Wingdings" pitchFamily="2" charset="2"/>
+              <a:buNone/>
+              <a:defRPr sz="1800" kern="1200">
+                <a:solidFill>
+                  <a:schemeClr val="tx1">
+                    <a:tint val="75000"/>
+                  </a:schemeClr>
+                </a:solidFill>
+                <a:latin typeface="+mn-lt"/>
+                <a:ea typeface="+mn-ea"/>
+                <a:cs typeface="+mn-cs"/>
+              </a:defRPr>
+            </a:lvl2pPr>
+            <a:lvl3pPr marL="914400" indent="0" algn="l" defTabSz="914400" rtl="0" eaLnBrk="1" latinLnBrk="0" hangingPunct="1">
+              <a:lnSpc>
+                <a:spcPct val="90000"/>
+              </a:lnSpc>
+              <a:spcBef>
+                <a:spcPts val="200"/>
+              </a:spcBef>
+              <a:spcAft>
+                <a:spcPts val="400"/>
+              </a:spcAft>
+              <a:buClr>
+                <a:schemeClr val="bg1">
+                  <a:lumMod val="95000"/>
+                  <a:lumOff val="5000"/>
+                </a:schemeClr>
+              </a:buClr>
+              <a:buFont typeface="Wingdings" pitchFamily="2" charset="2"/>
+              <a:buNone/>
+              <a:defRPr sz="1600" kern="1200">
+                <a:solidFill>
+                  <a:schemeClr val="tx1">
+                    <a:tint val="75000"/>
+                  </a:schemeClr>
+                </a:solidFill>
+                <a:latin typeface="+mn-lt"/>
+                <a:ea typeface="+mn-ea"/>
+                <a:cs typeface="+mn-cs"/>
+              </a:defRPr>
+            </a:lvl3pPr>
+            <a:lvl4pPr marL="1371600" indent="0" algn="l" defTabSz="914400" rtl="0" eaLnBrk="1" latinLnBrk="0" hangingPunct="1">
+              <a:lnSpc>
+                <a:spcPct val="90000"/>
+              </a:lnSpc>
+              <a:spcBef>
+                <a:spcPts val="200"/>
+              </a:spcBef>
+              <a:spcAft>
+                <a:spcPts val="400"/>
+              </a:spcAft>
+              <a:buClr>
+                <a:schemeClr val="bg1">
+                  <a:lumMod val="95000"/>
+                  <a:lumOff val="5000"/>
+                </a:schemeClr>
+              </a:buClr>
+              <a:buFont typeface="Wingdings" pitchFamily="2" charset="2"/>
+              <a:buNone/>
+              <a:defRPr sz="1400" kern="1200">
+                <a:solidFill>
+                  <a:schemeClr val="tx1">
+                    <a:tint val="75000"/>
+                  </a:schemeClr>
+                </a:solidFill>
+                <a:latin typeface="+mn-lt"/>
+                <a:ea typeface="+mn-ea"/>
+                <a:cs typeface="+mn-cs"/>
+              </a:defRPr>
+            </a:lvl4pPr>
+            <a:lvl5pPr marL="1828800" indent="0" algn="l" defTabSz="914400" rtl="0" eaLnBrk="1" latinLnBrk="0" hangingPunct="1">
+              <a:lnSpc>
+                <a:spcPct val="90000"/>
+              </a:lnSpc>
+              <a:spcBef>
+                <a:spcPts val="200"/>
+              </a:spcBef>
+              <a:spcAft>
+                <a:spcPts val="400"/>
+              </a:spcAft>
+              <a:buClr>
+                <a:schemeClr val="bg1">
+                  <a:lumMod val="95000"/>
+                  <a:lumOff val="5000"/>
+                </a:schemeClr>
+              </a:buClr>
+              <a:buFont typeface="Wingdings" pitchFamily="2" charset="2"/>
+              <a:buNone/>
+              <a:defRPr sz="1400" kern="1200">
+                <a:solidFill>
+                  <a:schemeClr val="tx1">
+                    <a:tint val="75000"/>
+                  </a:schemeClr>
+                </a:solidFill>
+                <a:latin typeface="+mn-lt"/>
+                <a:ea typeface="+mn-ea"/>
+                <a:cs typeface="+mn-cs"/>
+              </a:defRPr>
+            </a:lvl5pPr>
+            <a:lvl6pPr marL="2286000" indent="0" algn="l" defTabSz="914400" rtl="0" eaLnBrk="1" latinLnBrk="0" hangingPunct="1">
+              <a:lnSpc>
+                <a:spcPct val="90000"/>
+              </a:lnSpc>
+              <a:spcBef>
+                <a:spcPts val="200"/>
+              </a:spcBef>
+              <a:spcAft>
+                <a:spcPts val="400"/>
+              </a:spcAft>
+              <a:buClr>
+                <a:schemeClr val="tx1"/>
+              </a:buClr>
+              <a:buFont typeface="Wingdings" pitchFamily="2" charset="2"/>
+              <a:buNone/>
+              <a:defRPr sz="1400" kern="1200">
+                <a:solidFill>
+                  <a:schemeClr val="tx1">
+                    <a:tint val="75000"/>
+                  </a:schemeClr>
+                </a:solidFill>
+                <a:latin typeface="+mn-lt"/>
+                <a:ea typeface="+mn-ea"/>
+                <a:cs typeface="+mn-cs"/>
+              </a:defRPr>
+            </a:lvl6pPr>
+            <a:lvl7pPr marL="2743200" indent="0" algn="l" defTabSz="914400" rtl="0" eaLnBrk="1" latinLnBrk="0" hangingPunct="1">
+              <a:lnSpc>
+                <a:spcPct val="90000"/>
+              </a:lnSpc>
+              <a:spcBef>
+                <a:spcPts val="200"/>
+              </a:spcBef>
+              <a:spcAft>
+                <a:spcPts val="400"/>
+              </a:spcAft>
+              <a:buClr>
+                <a:schemeClr val="tx1"/>
+              </a:buClr>
+              <a:buFont typeface="Wingdings" pitchFamily="2" charset="2"/>
+              <a:buNone/>
+              <a:defRPr sz="1400" kern="1200">
+                <a:solidFill>
+                  <a:schemeClr val="tx1">
+                    <a:tint val="75000"/>
+                  </a:schemeClr>
+                </a:solidFill>
+                <a:latin typeface="+mn-lt"/>
+                <a:ea typeface="+mn-ea"/>
+                <a:cs typeface="+mn-cs"/>
+              </a:defRPr>
+            </a:lvl7pPr>
+            <a:lvl8pPr marL="3200400" indent="0" algn="l" defTabSz="914400" rtl="0" eaLnBrk="1" latinLnBrk="0" hangingPunct="1">
+              <a:lnSpc>
+                <a:spcPct val="90000"/>
+              </a:lnSpc>
+              <a:spcBef>
+                <a:spcPts val="200"/>
+              </a:spcBef>
+              <a:spcAft>
+                <a:spcPts val="400"/>
+              </a:spcAft>
+              <a:buClr>
+                <a:schemeClr val="tx1"/>
+              </a:buClr>
+              <a:buFont typeface="Wingdings" pitchFamily="2" charset="2"/>
+              <a:buNone/>
+              <a:defRPr sz="1400" kern="1200">
+                <a:solidFill>
+                  <a:schemeClr val="tx1">
+                    <a:tint val="75000"/>
+                  </a:schemeClr>
+                </a:solidFill>
+                <a:latin typeface="+mn-lt"/>
+                <a:ea typeface="+mn-ea"/>
+                <a:cs typeface="+mn-cs"/>
+              </a:defRPr>
+            </a:lvl8pPr>
+            <a:lvl9pPr marL="3657600" indent="0" algn="l" defTabSz="914400" rtl="0" eaLnBrk="1" latinLnBrk="0" hangingPunct="1">
+              <a:lnSpc>
+                <a:spcPct val="90000"/>
+              </a:lnSpc>
+              <a:spcBef>
+                <a:spcPts val="200"/>
+              </a:spcBef>
+              <a:spcAft>
+                <a:spcPts val="400"/>
+              </a:spcAft>
+              <a:buClr>
+                <a:schemeClr val="tx1"/>
+              </a:buClr>
+              <a:buFont typeface="Wingdings" pitchFamily="2" charset="2"/>
+              <a:buNone/>
+              <a:defRPr sz="1400" kern="1200">
+                <a:solidFill>
+                  <a:schemeClr val="tx1">
+                    <a:tint val="75000"/>
+                  </a:schemeClr>
+                </a:solidFill>
+                <a:latin typeface="+mn-lt"/>
+                <a:ea typeface="+mn-ea"/>
+                <a:cs typeface="+mn-cs"/>
+              </a:defRPr>
+            </a:lvl9pPr>
+          </a:lstStyle>
+          <a:p>
+            <a:pPr marL="0" indent="0">
+              <a:buNone/>
+            </a:pPr>
+            <a:r>
+              <a:rPr lang="it-IT" b="0" dirty="0"/>
+              <a:t>Il </a:t>
+            </a:r>
+            <a:r>
+              <a:rPr lang="it-IT" b="0" dirty="0" err="1"/>
+              <a:t>tag</a:t>
+            </a:r>
+            <a:r>
+              <a:rPr lang="it-IT" b="0" dirty="0"/>
+              <a:t> </a:t>
+            </a:r>
+            <a:r>
+              <a:rPr lang="it-IT" dirty="0" err="1"/>
+              <a:t>ul</a:t>
+            </a:r>
+            <a:r>
+              <a:rPr lang="it-IT" b="0" dirty="0"/>
+              <a:t> serve a definire una lista non ordinata.</a:t>
+            </a:r>
+            <a:br>
+              <a:rPr lang="it-IT" dirty="0"/>
+            </a:br>
+            <a:br>
+              <a:rPr lang="it-IT" dirty="0"/>
+            </a:br>
+            <a:r>
+              <a:rPr lang="it-IT" b="0" dirty="0">
+                <a:solidFill>
+                  <a:srgbClr val="0000CD"/>
+                </a:solidFill>
+                <a:latin typeface="Consolas" panose="020B0609020204030204" pitchFamily="49" charset="0"/>
+              </a:rPr>
+              <a:t>&lt;</a:t>
+            </a:r>
+            <a:r>
+              <a:rPr lang="it-IT" b="0" dirty="0" err="1">
+                <a:solidFill>
+                  <a:srgbClr val="A52A2A"/>
+                </a:solidFill>
+                <a:latin typeface="Consolas" panose="020B0609020204030204" pitchFamily="49" charset="0"/>
+              </a:rPr>
+              <a:t>ul</a:t>
+            </a:r>
+            <a:r>
+              <a:rPr lang="it-IT" b="0" dirty="0">
+                <a:solidFill>
+                  <a:srgbClr val="0000CD"/>
+                </a:solidFill>
+                <a:latin typeface="Consolas" panose="020B0609020204030204" pitchFamily="49" charset="0"/>
+              </a:rPr>
+              <a:t>&gt;</a:t>
+            </a:r>
+            <a:br>
+              <a:rPr lang="it-IT" dirty="0"/>
+            </a:br>
+            <a:r>
+              <a:rPr lang="it-IT" b="0" dirty="0">
+                <a:solidFill>
+                  <a:srgbClr val="000000"/>
+                </a:solidFill>
+                <a:latin typeface="Consolas" panose="020B0609020204030204" pitchFamily="49" charset="0"/>
+              </a:rPr>
+              <a:t>  </a:t>
+            </a:r>
+            <a:r>
+              <a:rPr lang="it-IT" b="0" dirty="0">
+                <a:solidFill>
+                  <a:srgbClr val="0000CD"/>
+                </a:solidFill>
+                <a:latin typeface="Consolas" panose="020B0609020204030204" pitchFamily="49" charset="0"/>
+              </a:rPr>
+              <a:t>&lt;</a:t>
+            </a:r>
+            <a:r>
+              <a:rPr lang="it-IT" b="0" dirty="0">
+                <a:solidFill>
+                  <a:srgbClr val="A52A2A"/>
+                </a:solidFill>
+                <a:latin typeface="Consolas" panose="020B0609020204030204" pitchFamily="49" charset="0"/>
+              </a:rPr>
+              <a:t>li</a:t>
+            </a:r>
+            <a:r>
+              <a:rPr lang="it-IT" b="0" dirty="0">
+                <a:solidFill>
+                  <a:srgbClr val="0000CD"/>
+                </a:solidFill>
+                <a:latin typeface="Consolas" panose="020B0609020204030204" pitchFamily="49" charset="0"/>
+              </a:rPr>
+              <a:t>&gt;</a:t>
+            </a:r>
+            <a:r>
+              <a:rPr lang="it-IT" b="0" dirty="0">
+                <a:solidFill>
+                  <a:srgbClr val="000000"/>
+                </a:solidFill>
+                <a:latin typeface="Consolas" panose="020B0609020204030204" pitchFamily="49" charset="0"/>
+              </a:rPr>
+              <a:t>Coffee</a:t>
+            </a:r>
+            <a:r>
+              <a:rPr lang="it-IT" b="0" dirty="0">
+                <a:solidFill>
+                  <a:srgbClr val="0000CD"/>
+                </a:solidFill>
+                <a:latin typeface="Consolas" panose="020B0609020204030204" pitchFamily="49" charset="0"/>
+              </a:rPr>
+              <a:t>&lt;</a:t>
+            </a:r>
+            <a:r>
+              <a:rPr lang="it-IT" b="0" dirty="0">
+                <a:solidFill>
+                  <a:srgbClr val="A52A2A"/>
+                </a:solidFill>
+                <a:latin typeface="Consolas" panose="020B0609020204030204" pitchFamily="49" charset="0"/>
+              </a:rPr>
+              <a:t>/li</a:t>
+            </a:r>
+            <a:r>
+              <a:rPr lang="it-IT" b="0" dirty="0">
+                <a:solidFill>
+                  <a:srgbClr val="0000CD"/>
+                </a:solidFill>
+                <a:latin typeface="Consolas" panose="020B0609020204030204" pitchFamily="49" charset="0"/>
+              </a:rPr>
+              <a:t>&gt;</a:t>
+            </a:r>
+            <a:br>
+              <a:rPr lang="it-IT" dirty="0"/>
+            </a:br>
+            <a:r>
+              <a:rPr lang="it-IT" b="0" dirty="0">
+                <a:solidFill>
+                  <a:srgbClr val="000000"/>
+                </a:solidFill>
+                <a:latin typeface="Consolas" panose="020B0609020204030204" pitchFamily="49" charset="0"/>
+              </a:rPr>
+              <a:t>  </a:t>
+            </a:r>
+            <a:r>
+              <a:rPr lang="it-IT" b="0" dirty="0">
+                <a:solidFill>
+                  <a:srgbClr val="0000CD"/>
+                </a:solidFill>
+                <a:latin typeface="Consolas" panose="020B0609020204030204" pitchFamily="49" charset="0"/>
+              </a:rPr>
+              <a:t>&lt;</a:t>
+            </a:r>
+            <a:r>
+              <a:rPr lang="it-IT" b="0" dirty="0">
+                <a:solidFill>
+                  <a:srgbClr val="A52A2A"/>
+                </a:solidFill>
+                <a:latin typeface="Consolas" panose="020B0609020204030204" pitchFamily="49" charset="0"/>
+              </a:rPr>
+              <a:t>li</a:t>
+            </a:r>
+            <a:r>
+              <a:rPr lang="it-IT" b="0" dirty="0">
+                <a:solidFill>
+                  <a:srgbClr val="0000CD"/>
+                </a:solidFill>
+                <a:latin typeface="Consolas" panose="020B0609020204030204" pitchFamily="49" charset="0"/>
+              </a:rPr>
+              <a:t>&gt;</a:t>
+            </a:r>
+            <a:r>
+              <a:rPr lang="it-IT" b="0" dirty="0">
+                <a:solidFill>
+                  <a:srgbClr val="000000"/>
+                </a:solidFill>
+                <a:latin typeface="Consolas" panose="020B0609020204030204" pitchFamily="49" charset="0"/>
+              </a:rPr>
+              <a:t>Tea</a:t>
+            </a:r>
+            <a:r>
+              <a:rPr lang="it-IT" b="0" dirty="0">
+                <a:solidFill>
+                  <a:srgbClr val="0000CD"/>
+                </a:solidFill>
+                <a:latin typeface="Consolas" panose="020B0609020204030204" pitchFamily="49" charset="0"/>
+              </a:rPr>
+              <a:t>&lt;</a:t>
+            </a:r>
+            <a:r>
+              <a:rPr lang="it-IT" b="0" dirty="0">
+                <a:solidFill>
+                  <a:srgbClr val="A52A2A"/>
+                </a:solidFill>
+                <a:latin typeface="Consolas" panose="020B0609020204030204" pitchFamily="49" charset="0"/>
+              </a:rPr>
+              <a:t>/li</a:t>
+            </a:r>
+            <a:r>
+              <a:rPr lang="it-IT" b="0" dirty="0">
+                <a:solidFill>
+                  <a:srgbClr val="0000CD"/>
+                </a:solidFill>
+                <a:latin typeface="Consolas" panose="020B0609020204030204" pitchFamily="49" charset="0"/>
+              </a:rPr>
+              <a:t>&gt;</a:t>
+            </a:r>
+            <a:br>
+              <a:rPr lang="it-IT" dirty="0"/>
+            </a:br>
+            <a:r>
+              <a:rPr lang="it-IT" b="0" dirty="0">
+                <a:solidFill>
+                  <a:srgbClr val="000000"/>
+                </a:solidFill>
+                <a:latin typeface="Consolas" panose="020B0609020204030204" pitchFamily="49" charset="0"/>
+              </a:rPr>
+              <a:t>  </a:t>
+            </a:r>
+            <a:r>
+              <a:rPr lang="it-IT" b="0" dirty="0">
+                <a:solidFill>
+                  <a:srgbClr val="0000CD"/>
+                </a:solidFill>
+                <a:latin typeface="Consolas" panose="020B0609020204030204" pitchFamily="49" charset="0"/>
+              </a:rPr>
+              <a:t>&lt;</a:t>
+            </a:r>
+            <a:r>
+              <a:rPr lang="it-IT" b="0" dirty="0">
+                <a:solidFill>
+                  <a:srgbClr val="A52A2A"/>
+                </a:solidFill>
+                <a:latin typeface="Consolas" panose="020B0609020204030204" pitchFamily="49" charset="0"/>
+              </a:rPr>
+              <a:t>li</a:t>
+            </a:r>
+            <a:r>
+              <a:rPr lang="it-IT" b="0" dirty="0">
+                <a:solidFill>
+                  <a:srgbClr val="0000CD"/>
+                </a:solidFill>
+                <a:latin typeface="Consolas" panose="020B0609020204030204" pitchFamily="49" charset="0"/>
+              </a:rPr>
+              <a:t>&gt;</a:t>
+            </a:r>
+            <a:r>
+              <a:rPr lang="it-IT" b="0" dirty="0">
+                <a:solidFill>
+                  <a:srgbClr val="000000"/>
+                </a:solidFill>
+                <a:latin typeface="Consolas" panose="020B0609020204030204" pitchFamily="49" charset="0"/>
+              </a:rPr>
+              <a:t>Milk</a:t>
+            </a:r>
+            <a:r>
+              <a:rPr lang="it-IT" b="0" dirty="0">
+                <a:solidFill>
+                  <a:srgbClr val="0000CD"/>
+                </a:solidFill>
+                <a:latin typeface="Consolas" panose="020B0609020204030204" pitchFamily="49" charset="0"/>
+              </a:rPr>
+              <a:t>&lt;</a:t>
+            </a:r>
+            <a:r>
+              <a:rPr lang="it-IT" b="0" dirty="0">
+                <a:solidFill>
+                  <a:srgbClr val="A52A2A"/>
+                </a:solidFill>
+                <a:latin typeface="Consolas" panose="020B0609020204030204" pitchFamily="49" charset="0"/>
+              </a:rPr>
+              <a:t>/li</a:t>
+            </a:r>
+            <a:r>
+              <a:rPr lang="it-IT" b="0" dirty="0">
+                <a:solidFill>
+                  <a:srgbClr val="0000CD"/>
+                </a:solidFill>
+                <a:latin typeface="Consolas" panose="020B0609020204030204" pitchFamily="49" charset="0"/>
+              </a:rPr>
+              <a:t>&gt;</a:t>
+            </a:r>
+            <a:br>
+              <a:rPr lang="it-IT" dirty="0"/>
+            </a:br>
+            <a:r>
+              <a:rPr lang="it-IT" b="0" dirty="0">
+                <a:solidFill>
+                  <a:srgbClr val="0000CD"/>
+                </a:solidFill>
+                <a:latin typeface="Consolas" panose="020B0609020204030204" pitchFamily="49" charset="0"/>
+              </a:rPr>
+              <a:t>&lt;</a:t>
+            </a:r>
+            <a:r>
+              <a:rPr lang="it-IT" b="0" dirty="0">
+                <a:solidFill>
+                  <a:srgbClr val="A52A2A"/>
+                </a:solidFill>
+                <a:latin typeface="Consolas" panose="020B0609020204030204" pitchFamily="49" charset="0"/>
+              </a:rPr>
+              <a:t>/</a:t>
+            </a:r>
+            <a:r>
+              <a:rPr lang="it-IT" b="0" dirty="0" err="1">
+                <a:solidFill>
+                  <a:srgbClr val="A52A2A"/>
+                </a:solidFill>
+                <a:latin typeface="Consolas" panose="020B0609020204030204" pitchFamily="49" charset="0"/>
+              </a:rPr>
+              <a:t>ul</a:t>
+            </a:r>
+            <a:r>
+              <a:rPr lang="it-IT" b="0" dirty="0">
+                <a:solidFill>
+                  <a:srgbClr val="0000CD"/>
+                </a:solidFill>
+                <a:latin typeface="Consolas" panose="020B0609020204030204" pitchFamily="49" charset="0"/>
+              </a:rPr>
+              <a:t>&gt;</a:t>
+            </a:r>
+            <a:br>
+              <a:rPr lang="en-US" b="0" dirty="0">
+                <a:solidFill>
+                  <a:srgbClr val="000000"/>
+                </a:solidFill>
+                <a:latin typeface="Consolas" panose="020B0609020204030204" pitchFamily="49" charset="0"/>
+              </a:rPr>
+            </a:br>
+            <a:br>
+              <a:rPr lang="en-US" b="0" dirty="0">
+                <a:solidFill>
+                  <a:srgbClr val="0000CD"/>
+                </a:solidFill>
+                <a:latin typeface="Consolas" panose="020B0609020204030204" pitchFamily="49" charset="0"/>
+              </a:rPr>
+            </a:br>
+            <a:r>
+              <a:rPr lang="it-IT" b="0" dirty="0">
+                <a:hlinkClick r:id="rId2"/>
+              </a:rPr>
+              <a:t>Live demo</a:t>
+            </a:r>
+            <a:endParaRPr lang="en-US" b="0" dirty="0">
+              <a:solidFill>
+                <a:srgbClr val="0000CD"/>
+              </a:solidFill>
+              <a:latin typeface="Consolas" panose="020B0609020204030204" pitchFamily="49" charset="0"/>
+            </a:endParaRPr>
+          </a:p>
+        </p:txBody>
+      </p:sp>
+    </p:spTree>
+    <p:extLst>
+      <p:ext uri="{BB962C8B-B14F-4D97-AF65-F5344CB8AC3E}">
+        <p14:creationId xmlns:p14="http://schemas.microsoft.com/office/powerpoint/2010/main" val="3755748211"/>
+      </p:ext>
+    </p:extLst>
+  </p:cSld>
+  <p:clrMapOvr>
+    <a:masterClrMapping/>
+  </p:clrMapOvr>
+</p:sld>
+</file>
+
+<file path=ppt/slides/slide35.xml><?xml version="1.0" encoding="utf-8"?>
+<p:sld xmlns:a="http://schemas.openxmlformats.org/drawingml/2006/main" xmlns:r="http://schemas.openxmlformats.org/officeDocument/2006/relationships" xmlns:p="http://schemas.openxmlformats.org/presentationml/2006/main">
+  <p:cSld>
+    <p:spTree>
+      <p:nvGrpSpPr>
+        <p:cNvPr id="1" name=""/>
+        <p:cNvGrpSpPr/>
+        <p:nvPr/>
+      </p:nvGrpSpPr>
+      <p:grpSpPr>
+        <a:xfrm>
+          <a:off x="0" y="0"/>
+          <a:ext cx="0" cy="0"/>
+          <a:chOff x="0" y="0"/>
+          <a:chExt cx="0" cy="0"/>
+        </a:xfrm>
+      </p:grpSpPr>
+      <p:sp>
+        <p:nvSpPr>
+          <p:cNvPr id="2" name="Title 1"/>
+          <p:cNvSpPr>
+            <a:spLocks noGrp="1"/>
+          </p:cNvSpPr>
+          <p:nvPr>
+            <p:ph type="title"/>
+          </p:nvPr>
+        </p:nvSpPr>
+        <p:spPr/>
+        <p:txBody>
+          <a:bodyPr/>
+          <a:lstStyle/>
+          <a:p>
+            <a:r>
+              <a:rPr lang="it-IT" dirty="0"/>
+              <a:t>HTML5 – TAG per tabelle</a:t>
+            </a:r>
+          </a:p>
+        </p:txBody>
+      </p:sp>
+      <p:sp>
+        <p:nvSpPr>
+          <p:cNvPr id="3" name="Text Placeholder 2"/>
+          <p:cNvSpPr>
+            <a:spLocks noGrp="1"/>
+          </p:cNvSpPr>
+          <p:nvPr>
+            <p:ph type="body" idx="1"/>
+          </p:nvPr>
+        </p:nvSpPr>
+        <p:spPr>
+          <a:xfrm>
+            <a:off x="772978" y="2199584"/>
+            <a:ext cx="10515600" cy="3903136"/>
+          </a:xfrm>
+        </p:spPr>
+        <p:txBody>
+          <a:bodyPr>
+            <a:normAutofit fontScale="92500" lnSpcReduction="10000"/>
+          </a:bodyPr>
+          <a:lstStyle/>
+          <a:p>
+            <a:pPr marL="0" indent="0">
+              <a:buNone/>
+            </a:pPr>
+            <a:r>
+              <a:rPr lang="it-IT" b="0" dirty="0"/>
+              <a:t>Sono quei </a:t>
+            </a:r>
+            <a:r>
+              <a:rPr lang="it-IT" b="0" dirty="0" err="1"/>
+              <a:t>tag</a:t>
+            </a:r>
+            <a:r>
+              <a:rPr lang="it-IT" b="0" dirty="0"/>
+              <a:t> che servono ad aggiungere tabelle nel documento.</a:t>
+            </a:r>
+          </a:p>
+          <a:p>
+            <a:pPr marL="0" indent="0">
+              <a:buNone/>
+            </a:pPr>
+            <a:r>
+              <a:rPr lang="it-IT" b="0" dirty="0"/>
+              <a:t>Vedremo i </a:t>
+            </a:r>
+            <a:r>
+              <a:rPr lang="it-IT" b="0" dirty="0" err="1"/>
+              <a:t>tag</a:t>
+            </a:r>
+            <a:r>
+              <a:rPr lang="it-IT" b="0" dirty="0"/>
+              <a:t> per tabelle più utilizzati:</a:t>
+            </a:r>
+          </a:p>
+          <a:p>
+            <a:r>
+              <a:rPr lang="it-IT" sz="2300" b="0" dirty="0">
+                <a:solidFill>
+                  <a:srgbClr val="0000CD"/>
+                </a:solidFill>
+                <a:latin typeface="Consolas" panose="020B0609020204030204" pitchFamily="49" charset="0"/>
+              </a:rPr>
+              <a:t>&lt;</a:t>
+            </a:r>
+            <a:r>
+              <a:rPr lang="it-IT" sz="2300" b="0" dirty="0" err="1">
+                <a:solidFill>
+                  <a:srgbClr val="A52A2A"/>
+                </a:solidFill>
+                <a:latin typeface="Consolas" panose="020B0609020204030204" pitchFamily="49" charset="0"/>
+              </a:rPr>
+              <a:t>table</a:t>
+            </a:r>
+            <a:r>
+              <a:rPr lang="it-IT" sz="2300" b="0" dirty="0">
+                <a:solidFill>
+                  <a:srgbClr val="0000CD"/>
+                </a:solidFill>
+                <a:latin typeface="Consolas" panose="020B0609020204030204" pitchFamily="49" charset="0"/>
+              </a:rPr>
+              <a:t>&gt;</a:t>
+            </a:r>
+          </a:p>
+          <a:p>
+            <a:r>
+              <a:rPr lang="it-IT" sz="2300" b="0" dirty="0">
+                <a:solidFill>
+                  <a:srgbClr val="0000CD"/>
+                </a:solidFill>
+                <a:latin typeface="Consolas" panose="020B0609020204030204" pitchFamily="49" charset="0"/>
+              </a:rPr>
+              <a:t>&lt;</a:t>
+            </a:r>
+            <a:r>
+              <a:rPr lang="it-IT" sz="2300" b="0" dirty="0" err="1">
+                <a:solidFill>
+                  <a:srgbClr val="A52A2A"/>
+                </a:solidFill>
+                <a:latin typeface="Consolas" panose="020B0609020204030204" pitchFamily="49" charset="0"/>
+              </a:rPr>
+              <a:t>tr</a:t>
+            </a:r>
+            <a:r>
+              <a:rPr lang="it-IT" sz="2300" b="0" dirty="0">
+                <a:solidFill>
+                  <a:srgbClr val="0000CD"/>
+                </a:solidFill>
+                <a:latin typeface="Consolas" panose="020B0609020204030204" pitchFamily="49" charset="0"/>
+              </a:rPr>
+              <a:t>&gt;</a:t>
+            </a:r>
+          </a:p>
+          <a:p>
+            <a:r>
+              <a:rPr lang="it-IT" sz="2300" b="0" dirty="0">
+                <a:solidFill>
+                  <a:srgbClr val="0000CD"/>
+                </a:solidFill>
+                <a:latin typeface="Consolas" panose="020B0609020204030204" pitchFamily="49" charset="0"/>
+              </a:rPr>
+              <a:t>&lt;</a:t>
+            </a:r>
+            <a:r>
+              <a:rPr lang="it-IT" sz="2300" b="0" dirty="0" err="1">
+                <a:solidFill>
+                  <a:srgbClr val="A52A2A"/>
+                </a:solidFill>
+                <a:latin typeface="Consolas" panose="020B0609020204030204" pitchFamily="49" charset="0"/>
+              </a:rPr>
+              <a:t>td</a:t>
+            </a:r>
+            <a:r>
+              <a:rPr lang="it-IT" sz="2300" b="0" dirty="0">
+                <a:solidFill>
+                  <a:srgbClr val="0000CD"/>
+                </a:solidFill>
+                <a:latin typeface="Consolas" panose="020B0609020204030204" pitchFamily="49" charset="0"/>
+              </a:rPr>
+              <a:t>&gt;</a:t>
+            </a:r>
+          </a:p>
+          <a:p>
+            <a:r>
+              <a:rPr lang="it-IT" sz="2000" b="0" dirty="0">
+                <a:solidFill>
+                  <a:srgbClr val="0000CD"/>
+                </a:solidFill>
+                <a:latin typeface="Consolas" panose="020B0609020204030204" pitchFamily="49" charset="0"/>
+              </a:rPr>
+              <a:t>&lt;</a:t>
+            </a:r>
+            <a:r>
+              <a:rPr lang="it-IT" sz="2000" b="0" dirty="0" err="1">
+                <a:solidFill>
+                  <a:srgbClr val="A52A2A"/>
+                </a:solidFill>
+                <a:latin typeface="Consolas" panose="020B0609020204030204" pitchFamily="49" charset="0"/>
+              </a:rPr>
+              <a:t>th</a:t>
+            </a:r>
+            <a:r>
+              <a:rPr lang="it-IT" sz="2000" b="0" dirty="0">
+                <a:solidFill>
+                  <a:srgbClr val="0000CD"/>
+                </a:solidFill>
+                <a:latin typeface="Consolas" panose="020B0609020204030204" pitchFamily="49" charset="0"/>
+              </a:rPr>
+              <a:t>&gt;</a:t>
+            </a:r>
+          </a:p>
+          <a:p>
+            <a:r>
+              <a:rPr lang="it-IT" sz="2000" b="0" dirty="0">
+                <a:solidFill>
+                  <a:srgbClr val="0000CD"/>
+                </a:solidFill>
+                <a:latin typeface="Consolas" panose="020B0609020204030204" pitchFamily="49" charset="0"/>
+              </a:rPr>
+              <a:t>&lt;</a:t>
+            </a:r>
+            <a:r>
+              <a:rPr lang="it-IT" sz="2000" b="0" dirty="0" err="1">
+                <a:solidFill>
+                  <a:srgbClr val="A52A2A"/>
+                </a:solidFill>
+                <a:latin typeface="Consolas" panose="020B0609020204030204" pitchFamily="49" charset="0"/>
+              </a:rPr>
+              <a:t>thead</a:t>
+            </a:r>
+            <a:r>
+              <a:rPr lang="it-IT" sz="2000" b="0" dirty="0">
+                <a:solidFill>
+                  <a:srgbClr val="0000CD"/>
+                </a:solidFill>
+                <a:latin typeface="Consolas" panose="020B0609020204030204" pitchFamily="49" charset="0"/>
+              </a:rPr>
+              <a:t>&gt;</a:t>
+            </a:r>
+            <a:endParaRPr lang="en-US" sz="2000" b="0" dirty="0">
+              <a:solidFill>
+                <a:srgbClr val="0000CD"/>
+              </a:solidFill>
+              <a:latin typeface="Consolas" panose="020B0609020204030204" pitchFamily="49" charset="0"/>
+            </a:endParaRPr>
+          </a:p>
+          <a:p>
+            <a:r>
+              <a:rPr lang="it-IT" sz="2000" b="0" dirty="0">
+                <a:solidFill>
+                  <a:srgbClr val="0000CD"/>
+                </a:solidFill>
+                <a:latin typeface="Consolas" panose="020B0609020204030204" pitchFamily="49" charset="0"/>
+              </a:rPr>
+              <a:t>&lt;</a:t>
+            </a:r>
+            <a:r>
+              <a:rPr lang="it-IT" sz="2000" b="0" dirty="0" err="1">
+                <a:solidFill>
+                  <a:srgbClr val="A52A2A"/>
+                </a:solidFill>
+                <a:latin typeface="Consolas" panose="020B0609020204030204" pitchFamily="49" charset="0"/>
+              </a:rPr>
+              <a:t>tbody</a:t>
+            </a:r>
+            <a:r>
+              <a:rPr lang="it-IT" sz="2000" b="0" dirty="0">
+                <a:solidFill>
+                  <a:srgbClr val="0000CD"/>
+                </a:solidFill>
+                <a:latin typeface="Consolas" panose="020B0609020204030204" pitchFamily="49" charset="0"/>
+              </a:rPr>
+              <a:t>&gt;</a:t>
+            </a:r>
+            <a:endParaRPr lang="en-US" sz="2000" b="0" dirty="0">
+              <a:solidFill>
+                <a:srgbClr val="0000CD"/>
+              </a:solidFill>
+              <a:latin typeface="Consolas" panose="020B0609020204030204" pitchFamily="49" charset="0"/>
+            </a:endParaRPr>
+          </a:p>
+          <a:p>
+            <a:r>
+              <a:rPr lang="it-IT" sz="2000" b="0" dirty="0">
+                <a:solidFill>
+                  <a:srgbClr val="0000CD"/>
+                </a:solidFill>
+                <a:latin typeface="Consolas" panose="020B0609020204030204" pitchFamily="49" charset="0"/>
+              </a:rPr>
+              <a:t>&lt;</a:t>
+            </a:r>
+            <a:r>
+              <a:rPr lang="it-IT" sz="2000" b="0" dirty="0" err="1">
+                <a:solidFill>
+                  <a:srgbClr val="A52A2A"/>
+                </a:solidFill>
+                <a:latin typeface="Consolas" panose="020B0609020204030204" pitchFamily="49" charset="0"/>
+              </a:rPr>
+              <a:t>tfoot</a:t>
+            </a:r>
+            <a:r>
+              <a:rPr lang="it-IT" sz="2000" b="0" dirty="0">
+                <a:solidFill>
+                  <a:srgbClr val="0000CD"/>
+                </a:solidFill>
+                <a:latin typeface="Consolas" panose="020B0609020204030204" pitchFamily="49" charset="0"/>
+              </a:rPr>
+              <a:t>&gt;</a:t>
+            </a:r>
+            <a:endParaRPr lang="en-US" sz="2000" b="0" dirty="0">
+              <a:solidFill>
+                <a:srgbClr val="0000CD"/>
+              </a:solidFill>
+              <a:latin typeface="Consolas" panose="020B0609020204030204" pitchFamily="49" charset="0"/>
+            </a:endParaRPr>
+          </a:p>
+          <a:p>
+            <a:endParaRPr lang="en-US" sz="2000" b="0" dirty="0">
+              <a:solidFill>
+                <a:srgbClr val="0000CD"/>
+              </a:solidFill>
+              <a:latin typeface="Consolas" panose="020B0609020204030204" pitchFamily="49" charset="0"/>
+            </a:endParaRPr>
+          </a:p>
+        </p:txBody>
+      </p:sp>
+      <p:sp>
+        <p:nvSpPr>
+          <p:cNvPr id="4" name="Text Placeholder 3"/>
+          <p:cNvSpPr>
+            <a:spLocks noGrp="1"/>
+          </p:cNvSpPr>
+          <p:nvPr>
+            <p:ph type="body" sz="quarter" idx="10"/>
+          </p:nvPr>
+        </p:nvSpPr>
+        <p:spPr/>
+        <p:txBody>
+          <a:bodyPr/>
+          <a:lstStyle/>
+          <a:p>
+            <a:r>
+              <a:rPr lang="it-IT" dirty="0"/>
+              <a:t>Fondamenti di sviluppo web</a:t>
+            </a:r>
+          </a:p>
+          <a:p>
+            <a:endParaRPr lang="it-IT" dirty="0"/>
+          </a:p>
+        </p:txBody>
+      </p:sp>
+    </p:spTree>
+    <p:extLst>
+      <p:ext uri="{BB962C8B-B14F-4D97-AF65-F5344CB8AC3E}">
+        <p14:creationId xmlns:p14="http://schemas.microsoft.com/office/powerpoint/2010/main" val="2592154911"/>
+      </p:ext>
+    </p:extLst>
+  </p:cSld>
+  <p:clrMapOvr>
+    <a:masterClrMapping/>
+  </p:clrMapOvr>
+</p:sld>
+</file>
+
+<file path=ppt/slides/slide36.xml><?xml version="1.0" encoding="utf-8"?>
+<p:sld xmlns:a="http://schemas.openxmlformats.org/drawingml/2006/main" xmlns:r="http://schemas.openxmlformats.org/officeDocument/2006/relationships" xmlns:p="http://schemas.openxmlformats.org/presentationml/2006/main">
+  <p:cSld>
+    <p:spTree>
+      <p:nvGrpSpPr>
+        <p:cNvPr id="1" name=""/>
+        <p:cNvGrpSpPr/>
+        <p:nvPr/>
+      </p:nvGrpSpPr>
+      <p:grpSpPr>
+        <a:xfrm>
+          <a:off x="0" y="0"/>
+          <a:ext cx="0" cy="0"/>
+          <a:chOff x="0" y="0"/>
+          <a:chExt cx="0" cy="0"/>
+        </a:xfrm>
+      </p:grpSpPr>
+      <p:sp>
+        <p:nvSpPr>
+          <p:cNvPr id="2" name="Title 1"/>
+          <p:cNvSpPr>
+            <a:spLocks noGrp="1"/>
+          </p:cNvSpPr>
+          <p:nvPr>
+            <p:ph type="title"/>
+          </p:nvPr>
+        </p:nvSpPr>
+        <p:spPr/>
+        <p:txBody>
+          <a:bodyPr/>
+          <a:lstStyle/>
+          <a:p>
+            <a:r>
+              <a:rPr lang="it-IT" dirty="0"/>
+              <a:t>HTML5 – TABLE</a:t>
+            </a:r>
+          </a:p>
+        </p:txBody>
+      </p:sp>
+      <p:sp>
+        <p:nvSpPr>
+          <p:cNvPr id="3" name="Text Placeholder 2"/>
+          <p:cNvSpPr>
+            <a:spLocks noGrp="1"/>
+          </p:cNvSpPr>
+          <p:nvPr>
+            <p:ph type="body" idx="1"/>
+          </p:nvPr>
+        </p:nvSpPr>
+        <p:spPr>
+          <a:xfrm>
+            <a:off x="268224" y="2199584"/>
+            <a:ext cx="5852160" cy="3903136"/>
+          </a:xfrm>
+        </p:spPr>
+        <p:txBody>
+          <a:bodyPr>
+            <a:normAutofit/>
+          </a:bodyPr>
+          <a:lstStyle/>
+          <a:p>
+            <a:endParaRPr lang="it-IT" sz="1700" b="0" dirty="0">
+              <a:solidFill>
+                <a:srgbClr val="0000CD"/>
+              </a:solidFill>
+              <a:latin typeface="Consolas" panose="020B0609020204030204" pitchFamily="49" charset="0"/>
+            </a:endParaRPr>
+          </a:p>
+          <a:p>
+            <a:pPr marL="0" indent="0">
+              <a:buNone/>
+            </a:pPr>
+            <a:endParaRPr lang="en-US" b="0" dirty="0">
+              <a:solidFill>
+                <a:srgbClr val="0000CD"/>
+              </a:solidFill>
+              <a:latin typeface="Consolas" panose="020B0609020204030204" pitchFamily="49" charset="0"/>
+            </a:endParaRPr>
+          </a:p>
+          <a:p>
+            <a:pPr marL="0" indent="0">
+              <a:buNone/>
+            </a:pPr>
+            <a:endParaRPr lang="en-US" b="0" dirty="0">
+              <a:solidFill>
+                <a:srgbClr val="0000CD"/>
+              </a:solidFill>
+              <a:latin typeface="Consolas" panose="020B0609020204030204" pitchFamily="49" charset="0"/>
+            </a:endParaRPr>
+          </a:p>
+        </p:txBody>
+      </p:sp>
+      <p:sp>
+        <p:nvSpPr>
+          <p:cNvPr id="4" name="Text Placeholder 3"/>
+          <p:cNvSpPr>
+            <a:spLocks noGrp="1"/>
+          </p:cNvSpPr>
+          <p:nvPr>
+            <p:ph type="body" sz="quarter" idx="10"/>
+          </p:nvPr>
+        </p:nvSpPr>
+        <p:spPr/>
+        <p:txBody>
+          <a:bodyPr/>
+          <a:lstStyle/>
+          <a:p>
+            <a:r>
+              <a:rPr lang="it-IT" dirty="0"/>
+              <a:t>Fondamenti di sviluppo web</a:t>
+            </a:r>
+          </a:p>
+          <a:p>
+            <a:endParaRPr lang="it-IT" dirty="0"/>
+          </a:p>
+        </p:txBody>
+      </p:sp>
+      <p:sp>
+        <p:nvSpPr>
+          <p:cNvPr id="5" name="Text Placeholder 2">
+            <a:extLst>
+              <a:ext uri="{FF2B5EF4-FFF2-40B4-BE49-F238E27FC236}">
+                <a16:creationId xmlns:a16="http://schemas.microsoft.com/office/drawing/2014/main" id="{C3912B27-202F-4857-A8C4-C7E5056703BF}"/>
+              </a:ext>
+            </a:extLst>
+          </p:cNvPr>
+          <p:cNvSpPr txBox="1">
+            <a:spLocks/>
+          </p:cNvSpPr>
+          <p:nvPr/>
+        </p:nvSpPr>
+        <p:spPr>
+          <a:xfrm>
+            <a:off x="565714" y="2272736"/>
+            <a:ext cx="7243262" cy="3903136"/>
+          </a:xfrm>
+          <a:prstGeom prst="rect">
+            <a:avLst/>
+          </a:prstGeom>
+        </p:spPr>
+        <p:txBody>
+          <a:bodyPr vert="horz" lIns="91440" tIns="45720" rIns="91440" bIns="45720" rtlCol="0" anchor="t">
+            <a:normAutofit/>
+          </a:bodyPr>
+          <a:lstStyle>
+            <a:lvl1pPr marL="342900" indent="-342900" algn="l" defTabSz="914400" rtl="0" eaLnBrk="1" latinLnBrk="0" hangingPunct="1">
+              <a:lnSpc>
+                <a:spcPct val="90000"/>
+              </a:lnSpc>
+              <a:spcBef>
+                <a:spcPts val="1200"/>
+              </a:spcBef>
+              <a:spcAft>
+                <a:spcPts val="200"/>
+              </a:spcAft>
+              <a:buClr>
+                <a:schemeClr val="tx2"/>
+              </a:buClr>
+              <a:buFont typeface="Arial" panose="020B0604020202020204" pitchFamily="34" charset="0"/>
+              <a:buChar char="•"/>
+              <a:defRPr sz="2400" b="1" kern="1200" baseline="0">
+                <a:solidFill>
+                  <a:schemeClr val="tx2"/>
+                </a:solidFill>
+                <a:latin typeface="+mn-lt"/>
+                <a:ea typeface="+mn-ea"/>
+                <a:cs typeface="+mn-cs"/>
+              </a:defRPr>
+            </a:lvl1pPr>
+            <a:lvl2pPr marL="457200" indent="0" algn="l" defTabSz="914400" rtl="0" eaLnBrk="1" latinLnBrk="0" hangingPunct="1">
+              <a:lnSpc>
+                <a:spcPct val="90000"/>
+              </a:lnSpc>
+              <a:spcBef>
+                <a:spcPts val="200"/>
+              </a:spcBef>
+              <a:spcAft>
+                <a:spcPts val="400"/>
+              </a:spcAft>
+              <a:buClr>
+                <a:schemeClr val="bg1">
+                  <a:lumMod val="95000"/>
+                  <a:lumOff val="5000"/>
+                </a:schemeClr>
+              </a:buClr>
+              <a:buFont typeface="Wingdings" pitchFamily="2" charset="2"/>
+              <a:buNone/>
+              <a:defRPr sz="1800" kern="1200">
+                <a:solidFill>
+                  <a:schemeClr val="tx1">
+                    <a:tint val="75000"/>
+                  </a:schemeClr>
+                </a:solidFill>
+                <a:latin typeface="+mn-lt"/>
+                <a:ea typeface="+mn-ea"/>
+                <a:cs typeface="+mn-cs"/>
+              </a:defRPr>
+            </a:lvl2pPr>
+            <a:lvl3pPr marL="914400" indent="0" algn="l" defTabSz="914400" rtl="0" eaLnBrk="1" latinLnBrk="0" hangingPunct="1">
+              <a:lnSpc>
+                <a:spcPct val="90000"/>
+              </a:lnSpc>
+              <a:spcBef>
+                <a:spcPts val="200"/>
+              </a:spcBef>
+              <a:spcAft>
+                <a:spcPts val="400"/>
+              </a:spcAft>
+              <a:buClr>
+                <a:schemeClr val="bg1">
+                  <a:lumMod val="95000"/>
+                  <a:lumOff val="5000"/>
+                </a:schemeClr>
+              </a:buClr>
+              <a:buFont typeface="Wingdings" pitchFamily="2" charset="2"/>
+              <a:buNone/>
+              <a:defRPr sz="1600" kern="1200">
+                <a:solidFill>
+                  <a:schemeClr val="tx1">
+                    <a:tint val="75000"/>
+                  </a:schemeClr>
+                </a:solidFill>
+                <a:latin typeface="+mn-lt"/>
+                <a:ea typeface="+mn-ea"/>
+                <a:cs typeface="+mn-cs"/>
+              </a:defRPr>
+            </a:lvl3pPr>
+            <a:lvl4pPr marL="1371600" indent="0" algn="l" defTabSz="914400" rtl="0" eaLnBrk="1" latinLnBrk="0" hangingPunct="1">
+              <a:lnSpc>
+                <a:spcPct val="90000"/>
+              </a:lnSpc>
+              <a:spcBef>
+                <a:spcPts val="200"/>
+              </a:spcBef>
+              <a:spcAft>
+                <a:spcPts val="400"/>
+              </a:spcAft>
+              <a:buClr>
+                <a:schemeClr val="bg1">
+                  <a:lumMod val="95000"/>
+                  <a:lumOff val="5000"/>
+                </a:schemeClr>
+              </a:buClr>
+              <a:buFont typeface="Wingdings" pitchFamily="2" charset="2"/>
+              <a:buNone/>
+              <a:defRPr sz="1400" kern="1200">
+                <a:solidFill>
+                  <a:schemeClr val="tx1">
+                    <a:tint val="75000"/>
+                  </a:schemeClr>
+                </a:solidFill>
+                <a:latin typeface="+mn-lt"/>
+                <a:ea typeface="+mn-ea"/>
+                <a:cs typeface="+mn-cs"/>
+              </a:defRPr>
+            </a:lvl4pPr>
+            <a:lvl5pPr marL="1828800" indent="0" algn="l" defTabSz="914400" rtl="0" eaLnBrk="1" latinLnBrk="0" hangingPunct="1">
+              <a:lnSpc>
+                <a:spcPct val="90000"/>
+              </a:lnSpc>
+              <a:spcBef>
+                <a:spcPts val="200"/>
+              </a:spcBef>
+              <a:spcAft>
+                <a:spcPts val="400"/>
+              </a:spcAft>
+              <a:buClr>
+                <a:schemeClr val="bg1">
+                  <a:lumMod val="95000"/>
+                  <a:lumOff val="5000"/>
+                </a:schemeClr>
+              </a:buClr>
+              <a:buFont typeface="Wingdings" pitchFamily="2" charset="2"/>
+              <a:buNone/>
+              <a:defRPr sz="1400" kern="1200">
+                <a:solidFill>
+                  <a:schemeClr val="tx1">
+                    <a:tint val="75000"/>
+                  </a:schemeClr>
+                </a:solidFill>
+                <a:latin typeface="+mn-lt"/>
+                <a:ea typeface="+mn-ea"/>
+                <a:cs typeface="+mn-cs"/>
+              </a:defRPr>
+            </a:lvl5pPr>
+            <a:lvl6pPr marL="2286000" indent="0" algn="l" defTabSz="914400" rtl="0" eaLnBrk="1" latinLnBrk="0" hangingPunct="1">
+              <a:lnSpc>
+                <a:spcPct val="90000"/>
+              </a:lnSpc>
+              <a:spcBef>
+                <a:spcPts val="200"/>
+              </a:spcBef>
+              <a:spcAft>
+                <a:spcPts val="400"/>
+              </a:spcAft>
+              <a:buClr>
+                <a:schemeClr val="tx1"/>
+              </a:buClr>
+              <a:buFont typeface="Wingdings" pitchFamily="2" charset="2"/>
+              <a:buNone/>
+              <a:defRPr sz="1400" kern="1200">
+                <a:solidFill>
+                  <a:schemeClr val="tx1">
+                    <a:tint val="75000"/>
+                  </a:schemeClr>
+                </a:solidFill>
+                <a:latin typeface="+mn-lt"/>
+                <a:ea typeface="+mn-ea"/>
+                <a:cs typeface="+mn-cs"/>
+              </a:defRPr>
+            </a:lvl6pPr>
+            <a:lvl7pPr marL="2743200" indent="0" algn="l" defTabSz="914400" rtl="0" eaLnBrk="1" latinLnBrk="0" hangingPunct="1">
+              <a:lnSpc>
+                <a:spcPct val="90000"/>
+              </a:lnSpc>
+              <a:spcBef>
+                <a:spcPts val="200"/>
+              </a:spcBef>
+              <a:spcAft>
+                <a:spcPts val="400"/>
+              </a:spcAft>
+              <a:buClr>
+                <a:schemeClr val="tx1"/>
+              </a:buClr>
+              <a:buFont typeface="Wingdings" pitchFamily="2" charset="2"/>
+              <a:buNone/>
+              <a:defRPr sz="1400" kern="1200">
+                <a:solidFill>
+                  <a:schemeClr val="tx1">
+                    <a:tint val="75000"/>
+                  </a:schemeClr>
+                </a:solidFill>
+                <a:latin typeface="+mn-lt"/>
+                <a:ea typeface="+mn-ea"/>
+                <a:cs typeface="+mn-cs"/>
+              </a:defRPr>
+            </a:lvl7pPr>
+            <a:lvl8pPr marL="3200400" indent="0" algn="l" defTabSz="914400" rtl="0" eaLnBrk="1" latinLnBrk="0" hangingPunct="1">
+              <a:lnSpc>
+                <a:spcPct val="90000"/>
+              </a:lnSpc>
+              <a:spcBef>
+                <a:spcPts val="200"/>
+              </a:spcBef>
+              <a:spcAft>
+                <a:spcPts val="400"/>
+              </a:spcAft>
+              <a:buClr>
+                <a:schemeClr val="tx1"/>
+              </a:buClr>
+              <a:buFont typeface="Wingdings" pitchFamily="2" charset="2"/>
+              <a:buNone/>
+              <a:defRPr sz="1400" kern="1200">
+                <a:solidFill>
+                  <a:schemeClr val="tx1">
+                    <a:tint val="75000"/>
+                  </a:schemeClr>
+                </a:solidFill>
+                <a:latin typeface="+mn-lt"/>
+                <a:ea typeface="+mn-ea"/>
+                <a:cs typeface="+mn-cs"/>
+              </a:defRPr>
+            </a:lvl8pPr>
+            <a:lvl9pPr marL="3657600" indent="0" algn="l" defTabSz="914400" rtl="0" eaLnBrk="1" latinLnBrk="0" hangingPunct="1">
+              <a:lnSpc>
+                <a:spcPct val="90000"/>
+              </a:lnSpc>
+              <a:spcBef>
+                <a:spcPts val="200"/>
+              </a:spcBef>
+              <a:spcAft>
+                <a:spcPts val="400"/>
+              </a:spcAft>
+              <a:buClr>
+                <a:schemeClr val="tx1"/>
+              </a:buClr>
+              <a:buFont typeface="Wingdings" pitchFamily="2" charset="2"/>
+              <a:buNone/>
+              <a:defRPr sz="1400" kern="1200">
+                <a:solidFill>
+                  <a:schemeClr val="tx1">
+                    <a:tint val="75000"/>
+                  </a:schemeClr>
+                </a:solidFill>
+                <a:latin typeface="+mn-lt"/>
+                <a:ea typeface="+mn-ea"/>
+                <a:cs typeface="+mn-cs"/>
+              </a:defRPr>
+            </a:lvl9pPr>
+          </a:lstStyle>
+          <a:p>
+            <a:pPr marL="0" indent="0">
+              <a:buNone/>
+            </a:pPr>
+            <a:r>
+              <a:rPr lang="it-IT" b="0" dirty="0"/>
+              <a:t>Il </a:t>
+            </a:r>
+            <a:r>
+              <a:rPr lang="it-IT" b="0" dirty="0" err="1"/>
+              <a:t>tag</a:t>
+            </a:r>
+            <a:r>
+              <a:rPr lang="it-IT" b="0" dirty="0"/>
+              <a:t> </a:t>
+            </a:r>
+            <a:r>
+              <a:rPr lang="it-IT" dirty="0" err="1"/>
+              <a:t>table</a:t>
+            </a:r>
+            <a:r>
+              <a:rPr lang="it-IT" dirty="0"/>
+              <a:t> </a:t>
+            </a:r>
+            <a:r>
+              <a:rPr lang="it-IT" b="0" dirty="0"/>
+              <a:t>serve a definire una tabella.</a:t>
+            </a:r>
+          </a:p>
+          <a:p>
+            <a:pPr marL="0" indent="0">
+              <a:buNone/>
+            </a:pPr>
+            <a:r>
+              <a:rPr lang="it-IT" b="0" dirty="0"/>
+              <a:t>Solitamente le tabelle contengono righe (</a:t>
+            </a:r>
+            <a:r>
+              <a:rPr lang="it-IT" dirty="0" err="1"/>
+              <a:t>tr</a:t>
+            </a:r>
+            <a:r>
+              <a:rPr lang="it-IT" b="0" dirty="0"/>
+              <a:t>), celle (</a:t>
+            </a:r>
+            <a:r>
+              <a:rPr lang="it-IT" dirty="0" err="1"/>
+              <a:t>td</a:t>
+            </a:r>
+            <a:r>
+              <a:rPr lang="it-IT" b="0" dirty="0"/>
+              <a:t>) e celle di intestazione (</a:t>
+            </a:r>
+            <a:r>
+              <a:rPr lang="it-IT" dirty="0" err="1"/>
+              <a:t>th</a:t>
+            </a:r>
+            <a:r>
+              <a:rPr lang="it-IT" b="0" dirty="0"/>
+              <a:t>).</a:t>
+            </a:r>
+          </a:p>
+          <a:p>
+            <a:pPr marL="0" indent="0">
+              <a:buNone/>
+            </a:pPr>
+            <a:r>
+              <a:rPr lang="it-IT" b="0" dirty="0"/>
+              <a:t>Altri elementi utilizzabili nelle tabelle sono </a:t>
+            </a:r>
+            <a:r>
+              <a:rPr lang="it-IT" dirty="0" err="1"/>
+              <a:t>thead</a:t>
+            </a:r>
+            <a:r>
+              <a:rPr lang="it-IT" b="0" dirty="0"/>
+              <a:t>, </a:t>
+            </a:r>
+            <a:r>
+              <a:rPr lang="it-IT" dirty="0" err="1"/>
+              <a:t>tbody</a:t>
+            </a:r>
+            <a:r>
+              <a:rPr lang="it-IT" b="0" dirty="0"/>
+              <a:t> e </a:t>
+            </a:r>
+            <a:r>
+              <a:rPr lang="it-IT" dirty="0" err="1"/>
+              <a:t>tfoot</a:t>
+            </a:r>
+            <a:r>
+              <a:rPr lang="it-IT" b="0" dirty="0"/>
+              <a:t>.</a:t>
+            </a:r>
+            <a:br>
+              <a:rPr lang="it-IT" dirty="0"/>
+            </a:br>
+            <a:br>
+              <a:rPr lang="en-US" b="0" dirty="0">
+                <a:solidFill>
+                  <a:srgbClr val="000000"/>
+                </a:solidFill>
+                <a:latin typeface="Consolas" panose="020B0609020204030204" pitchFamily="49" charset="0"/>
+              </a:rPr>
+            </a:br>
+            <a:br>
+              <a:rPr lang="en-US" b="0" dirty="0">
+                <a:solidFill>
+                  <a:srgbClr val="000000"/>
+                </a:solidFill>
+                <a:latin typeface="Consolas" panose="020B0609020204030204" pitchFamily="49" charset="0"/>
+              </a:rPr>
+            </a:br>
+            <a:br>
+              <a:rPr lang="en-US" b="0" dirty="0">
+                <a:solidFill>
+                  <a:srgbClr val="0000CD"/>
+                </a:solidFill>
+                <a:latin typeface="Consolas" panose="020B0609020204030204" pitchFamily="49" charset="0"/>
+              </a:rPr>
+            </a:br>
+            <a:r>
+              <a:rPr lang="it-IT" b="0" dirty="0">
+                <a:hlinkClick r:id="rId2"/>
+              </a:rPr>
+              <a:t>Live demo</a:t>
+            </a:r>
+            <a:endParaRPr lang="en-US" b="0" dirty="0">
+              <a:solidFill>
+                <a:srgbClr val="0000CD"/>
+              </a:solidFill>
+              <a:latin typeface="Consolas" panose="020B0609020204030204" pitchFamily="49" charset="0"/>
+            </a:endParaRPr>
+          </a:p>
+        </p:txBody>
+      </p:sp>
+      <p:sp>
+        <p:nvSpPr>
+          <p:cNvPr id="7" name="Text Placeholder 2">
+            <a:extLst>
+              <a:ext uri="{FF2B5EF4-FFF2-40B4-BE49-F238E27FC236}">
+                <a16:creationId xmlns:a16="http://schemas.microsoft.com/office/drawing/2014/main" id="{1BB7DCD7-66D1-47D4-99C4-0E8E29E5FD56}"/>
+              </a:ext>
+            </a:extLst>
+          </p:cNvPr>
+          <p:cNvSpPr txBox="1">
+            <a:spLocks/>
+          </p:cNvSpPr>
+          <p:nvPr/>
+        </p:nvSpPr>
+        <p:spPr>
+          <a:xfrm>
+            <a:off x="8016240" y="2272736"/>
+            <a:ext cx="3803904" cy="3903136"/>
+          </a:xfrm>
+          <a:prstGeom prst="rect">
+            <a:avLst/>
+          </a:prstGeom>
+        </p:spPr>
+        <p:txBody>
+          <a:bodyPr vert="horz" lIns="91440" tIns="45720" rIns="91440" bIns="45720" rtlCol="0" anchor="t">
+            <a:normAutofit/>
+          </a:bodyPr>
+          <a:lstStyle>
+            <a:lvl1pPr marL="342900" indent="-342900" algn="l" defTabSz="914400" rtl="0" eaLnBrk="1" latinLnBrk="0" hangingPunct="1">
+              <a:lnSpc>
+                <a:spcPct val="90000"/>
+              </a:lnSpc>
+              <a:spcBef>
+                <a:spcPts val="1200"/>
+              </a:spcBef>
+              <a:spcAft>
+                <a:spcPts val="200"/>
+              </a:spcAft>
+              <a:buClr>
+                <a:schemeClr val="tx2"/>
+              </a:buClr>
+              <a:buFont typeface="Arial" panose="020B0604020202020204" pitchFamily="34" charset="0"/>
+              <a:buChar char="•"/>
+              <a:defRPr sz="2400" b="1" kern="1200" baseline="0">
+                <a:solidFill>
+                  <a:schemeClr val="tx2"/>
+                </a:solidFill>
+                <a:latin typeface="+mn-lt"/>
+                <a:ea typeface="+mn-ea"/>
+                <a:cs typeface="+mn-cs"/>
+              </a:defRPr>
+            </a:lvl1pPr>
+            <a:lvl2pPr marL="457200" indent="0" algn="l" defTabSz="914400" rtl="0" eaLnBrk="1" latinLnBrk="0" hangingPunct="1">
+              <a:lnSpc>
+                <a:spcPct val="90000"/>
+              </a:lnSpc>
+              <a:spcBef>
+                <a:spcPts val="200"/>
+              </a:spcBef>
+              <a:spcAft>
+                <a:spcPts val="400"/>
+              </a:spcAft>
+              <a:buClr>
+                <a:schemeClr val="bg1">
+                  <a:lumMod val="95000"/>
+                  <a:lumOff val="5000"/>
+                </a:schemeClr>
+              </a:buClr>
+              <a:buFont typeface="Wingdings" pitchFamily="2" charset="2"/>
+              <a:buNone/>
+              <a:defRPr sz="1800" kern="1200">
+                <a:solidFill>
+                  <a:schemeClr val="tx1">
+                    <a:tint val="75000"/>
+                  </a:schemeClr>
+                </a:solidFill>
+                <a:latin typeface="+mn-lt"/>
+                <a:ea typeface="+mn-ea"/>
+                <a:cs typeface="+mn-cs"/>
+              </a:defRPr>
+            </a:lvl2pPr>
+            <a:lvl3pPr marL="914400" indent="0" algn="l" defTabSz="914400" rtl="0" eaLnBrk="1" latinLnBrk="0" hangingPunct="1">
+              <a:lnSpc>
+                <a:spcPct val="90000"/>
+              </a:lnSpc>
+              <a:spcBef>
+                <a:spcPts val="200"/>
+              </a:spcBef>
+              <a:spcAft>
+                <a:spcPts val="400"/>
+              </a:spcAft>
+              <a:buClr>
+                <a:schemeClr val="bg1">
+                  <a:lumMod val="95000"/>
+                  <a:lumOff val="5000"/>
+                </a:schemeClr>
+              </a:buClr>
+              <a:buFont typeface="Wingdings" pitchFamily="2" charset="2"/>
+              <a:buNone/>
+              <a:defRPr sz="1600" kern="1200">
+                <a:solidFill>
+                  <a:schemeClr val="tx1">
+                    <a:tint val="75000"/>
+                  </a:schemeClr>
+                </a:solidFill>
+                <a:latin typeface="+mn-lt"/>
+                <a:ea typeface="+mn-ea"/>
+                <a:cs typeface="+mn-cs"/>
+              </a:defRPr>
+            </a:lvl3pPr>
+            <a:lvl4pPr marL="1371600" indent="0" algn="l" defTabSz="914400" rtl="0" eaLnBrk="1" latinLnBrk="0" hangingPunct="1">
+              <a:lnSpc>
+                <a:spcPct val="90000"/>
+              </a:lnSpc>
+              <a:spcBef>
+                <a:spcPts val="200"/>
+              </a:spcBef>
+              <a:spcAft>
+                <a:spcPts val="400"/>
+              </a:spcAft>
+              <a:buClr>
+                <a:schemeClr val="bg1">
+                  <a:lumMod val="95000"/>
+                  <a:lumOff val="5000"/>
+                </a:schemeClr>
+              </a:buClr>
+              <a:buFont typeface="Wingdings" pitchFamily="2" charset="2"/>
+              <a:buNone/>
+              <a:defRPr sz="1400" kern="1200">
+                <a:solidFill>
+                  <a:schemeClr val="tx1">
+                    <a:tint val="75000"/>
+                  </a:schemeClr>
+                </a:solidFill>
+                <a:latin typeface="+mn-lt"/>
+                <a:ea typeface="+mn-ea"/>
+                <a:cs typeface="+mn-cs"/>
+              </a:defRPr>
+            </a:lvl4pPr>
+            <a:lvl5pPr marL="1828800" indent="0" algn="l" defTabSz="914400" rtl="0" eaLnBrk="1" latinLnBrk="0" hangingPunct="1">
+              <a:lnSpc>
+                <a:spcPct val="90000"/>
+              </a:lnSpc>
+              <a:spcBef>
+                <a:spcPts val="200"/>
+              </a:spcBef>
+              <a:spcAft>
+                <a:spcPts val="400"/>
+              </a:spcAft>
+              <a:buClr>
+                <a:schemeClr val="bg1">
+                  <a:lumMod val="95000"/>
+                  <a:lumOff val="5000"/>
+                </a:schemeClr>
+              </a:buClr>
+              <a:buFont typeface="Wingdings" pitchFamily="2" charset="2"/>
+              <a:buNone/>
+              <a:defRPr sz="1400" kern="1200">
+                <a:solidFill>
+                  <a:schemeClr val="tx1">
+                    <a:tint val="75000"/>
+                  </a:schemeClr>
+                </a:solidFill>
+                <a:latin typeface="+mn-lt"/>
+                <a:ea typeface="+mn-ea"/>
+                <a:cs typeface="+mn-cs"/>
+              </a:defRPr>
+            </a:lvl5pPr>
+            <a:lvl6pPr marL="2286000" indent="0" algn="l" defTabSz="914400" rtl="0" eaLnBrk="1" latinLnBrk="0" hangingPunct="1">
+              <a:lnSpc>
+                <a:spcPct val="90000"/>
+              </a:lnSpc>
+              <a:spcBef>
+                <a:spcPts val="200"/>
+              </a:spcBef>
+              <a:spcAft>
+                <a:spcPts val="400"/>
+              </a:spcAft>
+              <a:buClr>
+                <a:schemeClr val="tx1"/>
+              </a:buClr>
+              <a:buFont typeface="Wingdings" pitchFamily="2" charset="2"/>
+              <a:buNone/>
+              <a:defRPr sz="1400" kern="1200">
+                <a:solidFill>
+                  <a:schemeClr val="tx1">
+                    <a:tint val="75000"/>
+                  </a:schemeClr>
+                </a:solidFill>
+                <a:latin typeface="+mn-lt"/>
+                <a:ea typeface="+mn-ea"/>
+                <a:cs typeface="+mn-cs"/>
+              </a:defRPr>
+            </a:lvl6pPr>
+            <a:lvl7pPr marL="2743200" indent="0" algn="l" defTabSz="914400" rtl="0" eaLnBrk="1" latinLnBrk="0" hangingPunct="1">
+              <a:lnSpc>
+                <a:spcPct val="90000"/>
+              </a:lnSpc>
+              <a:spcBef>
+                <a:spcPts val="200"/>
+              </a:spcBef>
+              <a:spcAft>
+                <a:spcPts val="400"/>
+              </a:spcAft>
+              <a:buClr>
+                <a:schemeClr val="tx1"/>
+              </a:buClr>
+              <a:buFont typeface="Wingdings" pitchFamily="2" charset="2"/>
+              <a:buNone/>
+              <a:defRPr sz="1400" kern="1200">
+                <a:solidFill>
+                  <a:schemeClr val="tx1">
+                    <a:tint val="75000"/>
+                  </a:schemeClr>
+                </a:solidFill>
+                <a:latin typeface="+mn-lt"/>
+                <a:ea typeface="+mn-ea"/>
+                <a:cs typeface="+mn-cs"/>
+              </a:defRPr>
+            </a:lvl7pPr>
+            <a:lvl8pPr marL="3200400" indent="0" algn="l" defTabSz="914400" rtl="0" eaLnBrk="1" latinLnBrk="0" hangingPunct="1">
+              <a:lnSpc>
+                <a:spcPct val="90000"/>
+              </a:lnSpc>
+              <a:spcBef>
+                <a:spcPts val="200"/>
+              </a:spcBef>
+              <a:spcAft>
+                <a:spcPts val="400"/>
+              </a:spcAft>
+              <a:buClr>
+                <a:schemeClr val="tx1"/>
+              </a:buClr>
+              <a:buFont typeface="Wingdings" pitchFamily="2" charset="2"/>
+              <a:buNone/>
+              <a:defRPr sz="1400" kern="1200">
+                <a:solidFill>
+                  <a:schemeClr val="tx1">
+                    <a:tint val="75000"/>
+                  </a:schemeClr>
+                </a:solidFill>
+                <a:latin typeface="+mn-lt"/>
+                <a:ea typeface="+mn-ea"/>
+                <a:cs typeface="+mn-cs"/>
+              </a:defRPr>
+            </a:lvl8pPr>
+            <a:lvl9pPr marL="3657600" indent="0" algn="l" defTabSz="914400" rtl="0" eaLnBrk="1" latinLnBrk="0" hangingPunct="1">
+              <a:lnSpc>
+                <a:spcPct val="90000"/>
+              </a:lnSpc>
+              <a:spcBef>
+                <a:spcPts val="200"/>
+              </a:spcBef>
+              <a:spcAft>
+                <a:spcPts val="400"/>
+              </a:spcAft>
+              <a:buClr>
+                <a:schemeClr val="tx1"/>
+              </a:buClr>
+              <a:buFont typeface="Wingdings" pitchFamily="2" charset="2"/>
+              <a:buNone/>
+              <a:defRPr sz="1400" kern="1200">
+                <a:solidFill>
+                  <a:schemeClr val="tx1">
+                    <a:tint val="75000"/>
+                  </a:schemeClr>
+                </a:solidFill>
+                <a:latin typeface="+mn-lt"/>
+                <a:ea typeface="+mn-ea"/>
+                <a:cs typeface="+mn-cs"/>
+              </a:defRPr>
+            </a:lvl9pPr>
+          </a:lstStyle>
+          <a:p>
+            <a:pPr marL="0" indent="0">
+              <a:buNone/>
+            </a:pPr>
+            <a:r>
+              <a:rPr lang="en-US" b="0" dirty="0">
+                <a:solidFill>
+                  <a:srgbClr val="0000CD"/>
+                </a:solidFill>
+                <a:latin typeface="Consolas" panose="020B0609020204030204" pitchFamily="49" charset="0"/>
+              </a:rPr>
+              <a:t>&lt;</a:t>
+            </a:r>
+            <a:r>
+              <a:rPr lang="en-US" b="0" dirty="0">
+                <a:solidFill>
+                  <a:srgbClr val="A52A2A"/>
+                </a:solidFill>
+                <a:latin typeface="Consolas" panose="020B0609020204030204" pitchFamily="49" charset="0"/>
+              </a:rPr>
+              <a:t>table</a:t>
+            </a:r>
+            <a:r>
+              <a:rPr lang="en-US" b="0" dirty="0">
+                <a:solidFill>
+                  <a:srgbClr val="0000CD"/>
+                </a:solidFill>
+                <a:latin typeface="Consolas" panose="020B0609020204030204" pitchFamily="49" charset="0"/>
+              </a:rPr>
+              <a:t>&gt;</a:t>
+            </a:r>
+            <a:br>
+              <a:rPr lang="en-US" dirty="0"/>
+            </a:br>
+            <a:r>
+              <a:rPr lang="en-US" b="0" dirty="0">
+                <a:solidFill>
+                  <a:srgbClr val="000000"/>
+                </a:solidFill>
+                <a:latin typeface="Consolas" panose="020B0609020204030204" pitchFamily="49" charset="0"/>
+              </a:rPr>
+              <a:t>  </a:t>
+            </a:r>
+            <a:r>
+              <a:rPr lang="en-US" b="0" dirty="0">
+                <a:solidFill>
+                  <a:srgbClr val="0000CD"/>
+                </a:solidFill>
+                <a:latin typeface="Consolas" panose="020B0609020204030204" pitchFamily="49" charset="0"/>
+              </a:rPr>
+              <a:t>&lt;</a:t>
+            </a:r>
+            <a:r>
+              <a:rPr lang="en-US" b="0" dirty="0" err="1">
+                <a:solidFill>
+                  <a:srgbClr val="A52A2A"/>
+                </a:solidFill>
+                <a:latin typeface="Consolas" panose="020B0609020204030204" pitchFamily="49" charset="0"/>
+              </a:rPr>
+              <a:t>tr</a:t>
+            </a:r>
+            <a:r>
+              <a:rPr lang="en-US" b="0" dirty="0">
+                <a:solidFill>
+                  <a:srgbClr val="0000CD"/>
+                </a:solidFill>
+                <a:latin typeface="Consolas" panose="020B0609020204030204" pitchFamily="49" charset="0"/>
+              </a:rPr>
+              <a:t>&gt;</a:t>
+            </a:r>
+            <a:br>
+              <a:rPr lang="en-US" dirty="0"/>
+            </a:br>
+            <a:r>
+              <a:rPr lang="en-US" b="0" dirty="0">
+                <a:solidFill>
+                  <a:srgbClr val="000000"/>
+                </a:solidFill>
+                <a:latin typeface="Consolas" panose="020B0609020204030204" pitchFamily="49" charset="0"/>
+              </a:rPr>
+              <a:t>    </a:t>
+            </a:r>
+            <a:r>
+              <a:rPr lang="en-US" b="0" dirty="0">
+                <a:solidFill>
+                  <a:srgbClr val="0000CD"/>
+                </a:solidFill>
+                <a:latin typeface="Consolas" panose="020B0609020204030204" pitchFamily="49" charset="0"/>
+              </a:rPr>
+              <a:t>&lt;</a:t>
+            </a:r>
+            <a:r>
+              <a:rPr lang="en-US" b="0" dirty="0" err="1">
+                <a:solidFill>
+                  <a:srgbClr val="A52A2A"/>
+                </a:solidFill>
+                <a:latin typeface="Consolas" panose="020B0609020204030204" pitchFamily="49" charset="0"/>
+              </a:rPr>
+              <a:t>th</a:t>
+            </a:r>
+            <a:r>
+              <a:rPr lang="en-US" b="0" dirty="0">
+                <a:solidFill>
+                  <a:srgbClr val="0000CD"/>
+                </a:solidFill>
+                <a:latin typeface="Consolas" panose="020B0609020204030204" pitchFamily="49" charset="0"/>
+              </a:rPr>
+              <a:t>&gt;</a:t>
+            </a:r>
+            <a:r>
+              <a:rPr lang="en-US" b="0" dirty="0">
+                <a:solidFill>
+                  <a:srgbClr val="000000"/>
+                </a:solidFill>
+                <a:latin typeface="Consolas" panose="020B0609020204030204" pitchFamily="49" charset="0"/>
+              </a:rPr>
+              <a:t>Month</a:t>
+            </a:r>
+            <a:r>
+              <a:rPr lang="en-US" b="0" dirty="0">
+                <a:solidFill>
+                  <a:srgbClr val="0000CD"/>
+                </a:solidFill>
+                <a:latin typeface="Consolas" panose="020B0609020204030204" pitchFamily="49" charset="0"/>
+              </a:rPr>
+              <a:t>&lt;</a:t>
+            </a:r>
+            <a:r>
+              <a:rPr lang="en-US" b="0" dirty="0">
+                <a:solidFill>
+                  <a:srgbClr val="A52A2A"/>
+                </a:solidFill>
+                <a:latin typeface="Consolas" panose="020B0609020204030204" pitchFamily="49" charset="0"/>
+              </a:rPr>
+              <a:t>/</a:t>
+            </a:r>
+            <a:r>
+              <a:rPr lang="en-US" b="0" dirty="0" err="1">
+                <a:solidFill>
+                  <a:srgbClr val="A52A2A"/>
+                </a:solidFill>
+                <a:latin typeface="Consolas" panose="020B0609020204030204" pitchFamily="49" charset="0"/>
+              </a:rPr>
+              <a:t>th</a:t>
+            </a:r>
+            <a:r>
+              <a:rPr lang="en-US" b="0" dirty="0">
+                <a:solidFill>
+                  <a:srgbClr val="0000CD"/>
+                </a:solidFill>
+                <a:latin typeface="Consolas" panose="020B0609020204030204" pitchFamily="49" charset="0"/>
+              </a:rPr>
+              <a:t>&gt;</a:t>
+            </a:r>
+            <a:br>
+              <a:rPr lang="en-US" dirty="0"/>
+            </a:br>
+            <a:r>
+              <a:rPr lang="en-US" b="0" dirty="0">
+                <a:solidFill>
+                  <a:srgbClr val="000000"/>
+                </a:solidFill>
+                <a:latin typeface="Consolas" panose="020B0609020204030204" pitchFamily="49" charset="0"/>
+              </a:rPr>
+              <a:t>    </a:t>
+            </a:r>
+            <a:r>
+              <a:rPr lang="en-US" b="0" dirty="0">
+                <a:solidFill>
+                  <a:srgbClr val="0000CD"/>
+                </a:solidFill>
+                <a:latin typeface="Consolas" panose="020B0609020204030204" pitchFamily="49" charset="0"/>
+              </a:rPr>
+              <a:t>&lt;</a:t>
+            </a:r>
+            <a:r>
+              <a:rPr lang="en-US" b="0" dirty="0" err="1">
+                <a:solidFill>
+                  <a:srgbClr val="A52A2A"/>
+                </a:solidFill>
+                <a:latin typeface="Consolas" panose="020B0609020204030204" pitchFamily="49" charset="0"/>
+              </a:rPr>
+              <a:t>th</a:t>
+            </a:r>
+            <a:r>
+              <a:rPr lang="en-US" b="0" dirty="0">
+                <a:solidFill>
+                  <a:srgbClr val="0000CD"/>
+                </a:solidFill>
+                <a:latin typeface="Consolas" panose="020B0609020204030204" pitchFamily="49" charset="0"/>
+              </a:rPr>
+              <a:t>&gt;</a:t>
+            </a:r>
+            <a:r>
+              <a:rPr lang="en-US" b="0" dirty="0">
+                <a:solidFill>
+                  <a:srgbClr val="000000"/>
+                </a:solidFill>
+                <a:latin typeface="Consolas" panose="020B0609020204030204" pitchFamily="49" charset="0"/>
+              </a:rPr>
+              <a:t>Savings</a:t>
+            </a:r>
+            <a:r>
+              <a:rPr lang="en-US" b="0" dirty="0">
+                <a:solidFill>
+                  <a:srgbClr val="0000CD"/>
+                </a:solidFill>
+                <a:latin typeface="Consolas" panose="020B0609020204030204" pitchFamily="49" charset="0"/>
+              </a:rPr>
+              <a:t>&lt;</a:t>
+            </a:r>
+            <a:r>
+              <a:rPr lang="en-US" b="0" dirty="0">
+                <a:solidFill>
+                  <a:srgbClr val="A52A2A"/>
+                </a:solidFill>
+                <a:latin typeface="Consolas" panose="020B0609020204030204" pitchFamily="49" charset="0"/>
+              </a:rPr>
+              <a:t>/</a:t>
+            </a:r>
+            <a:r>
+              <a:rPr lang="en-US" b="0" dirty="0" err="1">
+                <a:solidFill>
+                  <a:srgbClr val="A52A2A"/>
+                </a:solidFill>
+                <a:latin typeface="Consolas" panose="020B0609020204030204" pitchFamily="49" charset="0"/>
+              </a:rPr>
+              <a:t>th</a:t>
+            </a:r>
+            <a:r>
+              <a:rPr lang="en-US" b="0" dirty="0">
+                <a:solidFill>
+                  <a:srgbClr val="0000CD"/>
+                </a:solidFill>
+                <a:latin typeface="Consolas" panose="020B0609020204030204" pitchFamily="49" charset="0"/>
+              </a:rPr>
+              <a:t>&gt;</a:t>
+            </a:r>
+            <a:br>
+              <a:rPr lang="en-US" dirty="0"/>
+            </a:br>
+            <a:r>
+              <a:rPr lang="en-US" b="0" dirty="0">
+                <a:solidFill>
+                  <a:srgbClr val="000000"/>
+                </a:solidFill>
+                <a:latin typeface="Consolas" panose="020B0609020204030204" pitchFamily="49" charset="0"/>
+              </a:rPr>
+              <a:t>  </a:t>
+            </a:r>
+            <a:r>
+              <a:rPr lang="en-US" b="0" dirty="0">
+                <a:solidFill>
+                  <a:srgbClr val="0000CD"/>
+                </a:solidFill>
+                <a:latin typeface="Consolas" panose="020B0609020204030204" pitchFamily="49" charset="0"/>
+              </a:rPr>
+              <a:t>&lt;</a:t>
+            </a:r>
+            <a:r>
+              <a:rPr lang="en-US" b="0" dirty="0">
+                <a:solidFill>
+                  <a:srgbClr val="A52A2A"/>
+                </a:solidFill>
+                <a:latin typeface="Consolas" panose="020B0609020204030204" pitchFamily="49" charset="0"/>
+              </a:rPr>
+              <a:t>/</a:t>
+            </a:r>
+            <a:r>
+              <a:rPr lang="en-US" b="0" dirty="0" err="1">
+                <a:solidFill>
+                  <a:srgbClr val="A52A2A"/>
+                </a:solidFill>
+                <a:latin typeface="Consolas" panose="020B0609020204030204" pitchFamily="49" charset="0"/>
+              </a:rPr>
+              <a:t>tr</a:t>
+            </a:r>
+            <a:r>
+              <a:rPr lang="en-US" b="0" dirty="0">
+                <a:solidFill>
+                  <a:srgbClr val="0000CD"/>
+                </a:solidFill>
+                <a:latin typeface="Consolas" panose="020B0609020204030204" pitchFamily="49" charset="0"/>
+              </a:rPr>
+              <a:t>&gt;</a:t>
+            </a:r>
+            <a:br>
+              <a:rPr lang="en-US" dirty="0"/>
+            </a:br>
+            <a:r>
+              <a:rPr lang="en-US" b="0" dirty="0">
+                <a:solidFill>
+                  <a:srgbClr val="000000"/>
+                </a:solidFill>
+                <a:latin typeface="Consolas" panose="020B0609020204030204" pitchFamily="49" charset="0"/>
+              </a:rPr>
+              <a:t>  </a:t>
+            </a:r>
+            <a:r>
+              <a:rPr lang="en-US" b="0" dirty="0">
+                <a:solidFill>
+                  <a:srgbClr val="0000CD"/>
+                </a:solidFill>
+                <a:latin typeface="Consolas" panose="020B0609020204030204" pitchFamily="49" charset="0"/>
+              </a:rPr>
+              <a:t>&lt;</a:t>
+            </a:r>
+            <a:r>
+              <a:rPr lang="en-US" b="0" dirty="0" err="1">
+                <a:solidFill>
+                  <a:srgbClr val="A52A2A"/>
+                </a:solidFill>
+                <a:latin typeface="Consolas" panose="020B0609020204030204" pitchFamily="49" charset="0"/>
+              </a:rPr>
+              <a:t>tr</a:t>
+            </a:r>
+            <a:r>
+              <a:rPr lang="en-US" b="0" dirty="0">
+                <a:solidFill>
+                  <a:srgbClr val="0000CD"/>
+                </a:solidFill>
+                <a:latin typeface="Consolas" panose="020B0609020204030204" pitchFamily="49" charset="0"/>
+              </a:rPr>
+              <a:t>&gt;</a:t>
+            </a:r>
+            <a:br>
+              <a:rPr lang="en-US" dirty="0"/>
+            </a:br>
+            <a:r>
+              <a:rPr lang="en-US" b="0" dirty="0">
+                <a:solidFill>
+                  <a:srgbClr val="000000"/>
+                </a:solidFill>
+                <a:latin typeface="Consolas" panose="020B0609020204030204" pitchFamily="49" charset="0"/>
+              </a:rPr>
+              <a:t>    </a:t>
+            </a:r>
+            <a:r>
+              <a:rPr lang="en-US" b="0" dirty="0">
+                <a:solidFill>
+                  <a:srgbClr val="0000CD"/>
+                </a:solidFill>
+                <a:latin typeface="Consolas" panose="020B0609020204030204" pitchFamily="49" charset="0"/>
+              </a:rPr>
+              <a:t>&lt;</a:t>
+            </a:r>
+            <a:r>
+              <a:rPr lang="en-US" b="0" dirty="0">
+                <a:solidFill>
+                  <a:srgbClr val="A52A2A"/>
+                </a:solidFill>
+                <a:latin typeface="Consolas" panose="020B0609020204030204" pitchFamily="49" charset="0"/>
+              </a:rPr>
+              <a:t>td</a:t>
+            </a:r>
+            <a:r>
+              <a:rPr lang="en-US" b="0" dirty="0">
+                <a:solidFill>
+                  <a:srgbClr val="0000CD"/>
+                </a:solidFill>
+                <a:latin typeface="Consolas" panose="020B0609020204030204" pitchFamily="49" charset="0"/>
+              </a:rPr>
+              <a:t>&gt;</a:t>
+            </a:r>
+            <a:r>
+              <a:rPr lang="en-US" b="0" dirty="0">
+                <a:solidFill>
+                  <a:srgbClr val="000000"/>
+                </a:solidFill>
+                <a:latin typeface="Consolas" panose="020B0609020204030204" pitchFamily="49" charset="0"/>
+              </a:rPr>
+              <a:t>January</a:t>
+            </a:r>
+            <a:r>
+              <a:rPr lang="en-US" b="0" dirty="0">
+                <a:solidFill>
+                  <a:srgbClr val="0000CD"/>
+                </a:solidFill>
+                <a:latin typeface="Consolas" panose="020B0609020204030204" pitchFamily="49" charset="0"/>
+              </a:rPr>
+              <a:t>&lt;</a:t>
+            </a:r>
+            <a:r>
+              <a:rPr lang="en-US" b="0" dirty="0">
+                <a:solidFill>
+                  <a:srgbClr val="A52A2A"/>
+                </a:solidFill>
+                <a:latin typeface="Consolas" panose="020B0609020204030204" pitchFamily="49" charset="0"/>
+              </a:rPr>
+              <a:t>/td</a:t>
+            </a:r>
+            <a:r>
+              <a:rPr lang="en-US" b="0" dirty="0">
+                <a:solidFill>
+                  <a:srgbClr val="0000CD"/>
+                </a:solidFill>
+                <a:latin typeface="Consolas" panose="020B0609020204030204" pitchFamily="49" charset="0"/>
+              </a:rPr>
+              <a:t>&gt;</a:t>
+            </a:r>
+            <a:br>
+              <a:rPr lang="en-US" dirty="0"/>
+            </a:br>
+            <a:r>
+              <a:rPr lang="en-US" b="0" dirty="0">
+                <a:solidFill>
+                  <a:srgbClr val="000000"/>
+                </a:solidFill>
+                <a:latin typeface="Consolas" panose="020B0609020204030204" pitchFamily="49" charset="0"/>
+              </a:rPr>
+              <a:t>    </a:t>
+            </a:r>
+            <a:r>
+              <a:rPr lang="en-US" b="0" dirty="0">
+                <a:solidFill>
+                  <a:srgbClr val="0000CD"/>
+                </a:solidFill>
+                <a:latin typeface="Consolas" panose="020B0609020204030204" pitchFamily="49" charset="0"/>
+              </a:rPr>
+              <a:t>&lt;</a:t>
+            </a:r>
+            <a:r>
+              <a:rPr lang="en-US" b="0" dirty="0">
+                <a:solidFill>
+                  <a:srgbClr val="A52A2A"/>
+                </a:solidFill>
+                <a:latin typeface="Consolas" panose="020B0609020204030204" pitchFamily="49" charset="0"/>
+              </a:rPr>
+              <a:t>td</a:t>
+            </a:r>
+            <a:r>
+              <a:rPr lang="en-US" b="0" dirty="0">
+                <a:solidFill>
+                  <a:srgbClr val="0000CD"/>
+                </a:solidFill>
+                <a:latin typeface="Consolas" panose="020B0609020204030204" pitchFamily="49" charset="0"/>
+              </a:rPr>
+              <a:t>&gt;</a:t>
+            </a:r>
+            <a:r>
+              <a:rPr lang="en-US" b="0" dirty="0">
+                <a:solidFill>
+                  <a:srgbClr val="000000"/>
+                </a:solidFill>
+                <a:latin typeface="Consolas" panose="020B0609020204030204" pitchFamily="49" charset="0"/>
+              </a:rPr>
+              <a:t>$100</a:t>
+            </a:r>
+            <a:r>
+              <a:rPr lang="en-US" b="0" dirty="0">
+                <a:solidFill>
+                  <a:srgbClr val="0000CD"/>
+                </a:solidFill>
+                <a:latin typeface="Consolas" panose="020B0609020204030204" pitchFamily="49" charset="0"/>
+              </a:rPr>
+              <a:t>&lt;</a:t>
+            </a:r>
+            <a:r>
+              <a:rPr lang="en-US" b="0" dirty="0">
+                <a:solidFill>
+                  <a:srgbClr val="A52A2A"/>
+                </a:solidFill>
+                <a:latin typeface="Consolas" panose="020B0609020204030204" pitchFamily="49" charset="0"/>
+              </a:rPr>
+              <a:t>/td</a:t>
+            </a:r>
+            <a:r>
+              <a:rPr lang="en-US" b="0" dirty="0">
+                <a:solidFill>
+                  <a:srgbClr val="0000CD"/>
+                </a:solidFill>
+                <a:latin typeface="Consolas" panose="020B0609020204030204" pitchFamily="49" charset="0"/>
+              </a:rPr>
+              <a:t>&gt;</a:t>
+            </a:r>
+            <a:br>
+              <a:rPr lang="en-US" dirty="0"/>
+            </a:br>
+            <a:r>
+              <a:rPr lang="en-US" b="0" dirty="0">
+                <a:solidFill>
+                  <a:srgbClr val="000000"/>
+                </a:solidFill>
+                <a:latin typeface="Consolas" panose="020B0609020204030204" pitchFamily="49" charset="0"/>
+              </a:rPr>
+              <a:t>  </a:t>
+            </a:r>
+            <a:r>
+              <a:rPr lang="en-US" b="0" dirty="0">
+                <a:solidFill>
+                  <a:srgbClr val="0000CD"/>
+                </a:solidFill>
+                <a:latin typeface="Consolas" panose="020B0609020204030204" pitchFamily="49" charset="0"/>
+              </a:rPr>
+              <a:t>&lt;</a:t>
+            </a:r>
+            <a:r>
+              <a:rPr lang="en-US" b="0" dirty="0">
+                <a:solidFill>
+                  <a:srgbClr val="A52A2A"/>
+                </a:solidFill>
+                <a:latin typeface="Consolas" panose="020B0609020204030204" pitchFamily="49" charset="0"/>
+              </a:rPr>
+              <a:t>/</a:t>
+            </a:r>
+            <a:r>
+              <a:rPr lang="en-US" b="0" dirty="0" err="1">
+                <a:solidFill>
+                  <a:srgbClr val="A52A2A"/>
+                </a:solidFill>
+                <a:latin typeface="Consolas" panose="020B0609020204030204" pitchFamily="49" charset="0"/>
+              </a:rPr>
+              <a:t>tr</a:t>
+            </a:r>
+            <a:r>
+              <a:rPr lang="en-US" b="0" dirty="0">
+                <a:solidFill>
+                  <a:srgbClr val="0000CD"/>
+                </a:solidFill>
+                <a:latin typeface="Consolas" panose="020B0609020204030204" pitchFamily="49" charset="0"/>
+              </a:rPr>
+              <a:t>&gt;</a:t>
+            </a:r>
+            <a:br>
+              <a:rPr lang="en-US" dirty="0"/>
+            </a:br>
+            <a:r>
+              <a:rPr lang="en-US" b="0" dirty="0">
+                <a:solidFill>
+                  <a:srgbClr val="0000CD"/>
+                </a:solidFill>
+                <a:latin typeface="Consolas" panose="020B0609020204030204" pitchFamily="49" charset="0"/>
+              </a:rPr>
+              <a:t>&lt;</a:t>
+            </a:r>
+            <a:r>
+              <a:rPr lang="en-US" b="0" dirty="0">
+                <a:solidFill>
+                  <a:srgbClr val="A52A2A"/>
+                </a:solidFill>
+                <a:latin typeface="Consolas" panose="020B0609020204030204" pitchFamily="49" charset="0"/>
+              </a:rPr>
+              <a:t>/table</a:t>
+            </a:r>
+            <a:r>
+              <a:rPr lang="en-US" b="0" dirty="0">
+                <a:solidFill>
+                  <a:srgbClr val="0000CD"/>
+                </a:solidFill>
+                <a:latin typeface="Consolas" panose="020B0609020204030204" pitchFamily="49" charset="0"/>
+              </a:rPr>
+              <a:t>&gt;</a:t>
+            </a:r>
+          </a:p>
+        </p:txBody>
+      </p:sp>
+    </p:spTree>
+    <p:extLst>
+      <p:ext uri="{BB962C8B-B14F-4D97-AF65-F5344CB8AC3E}">
+        <p14:creationId xmlns:p14="http://schemas.microsoft.com/office/powerpoint/2010/main" val="1647531979"/>
+      </p:ext>
+    </p:extLst>
+  </p:cSld>
+  <p:clrMapOvr>
+    <a:masterClrMapping/>
+  </p:clrMapOvr>
+</p:sld>
+</file>
+
+<file path=ppt/slides/slide37.xml><?xml version="1.0" encoding="utf-8"?>
+<p:sld xmlns:a="http://schemas.openxmlformats.org/drawingml/2006/main" xmlns:r="http://schemas.openxmlformats.org/officeDocument/2006/relationships" xmlns:p="http://schemas.openxmlformats.org/presentationml/2006/main">
+  <p:cSld>
+    <p:spTree>
+      <p:nvGrpSpPr>
+        <p:cNvPr id="1" name=""/>
+        <p:cNvGrpSpPr/>
+        <p:nvPr/>
+      </p:nvGrpSpPr>
+      <p:grpSpPr>
+        <a:xfrm>
+          <a:off x="0" y="0"/>
+          <a:ext cx="0" cy="0"/>
+          <a:chOff x="0" y="0"/>
+          <a:chExt cx="0" cy="0"/>
+        </a:xfrm>
+      </p:grpSpPr>
+      <p:sp>
+        <p:nvSpPr>
+          <p:cNvPr id="2" name="Title 1"/>
+          <p:cNvSpPr>
+            <a:spLocks noGrp="1"/>
+          </p:cNvSpPr>
+          <p:nvPr>
+            <p:ph type="title"/>
+          </p:nvPr>
+        </p:nvSpPr>
+        <p:spPr/>
+        <p:txBody>
+          <a:bodyPr/>
+          <a:lstStyle/>
+          <a:p>
+            <a:r>
+              <a:rPr lang="it-IT" dirty="0"/>
+              <a:t>HTML5 – </a:t>
+            </a:r>
+            <a:r>
+              <a:rPr lang="it-IT" dirty="0" err="1"/>
+              <a:t>tr</a:t>
+            </a:r>
+            <a:endParaRPr lang="it-IT" dirty="0"/>
+          </a:p>
+        </p:txBody>
+      </p:sp>
+      <p:sp>
+        <p:nvSpPr>
+          <p:cNvPr id="3" name="Text Placeholder 2"/>
+          <p:cNvSpPr>
+            <a:spLocks noGrp="1"/>
+          </p:cNvSpPr>
+          <p:nvPr>
+            <p:ph type="body" idx="1"/>
+          </p:nvPr>
+        </p:nvSpPr>
+        <p:spPr>
+          <a:xfrm>
+            <a:off x="268224" y="2199584"/>
+            <a:ext cx="5852160" cy="3903136"/>
+          </a:xfrm>
+        </p:spPr>
+        <p:txBody>
+          <a:bodyPr>
+            <a:normAutofit/>
+          </a:bodyPr>
+          <a:lstStyle/>
+          <a:p>
+            <a:endParaRPr lang="it-IT" sz="1700" b="0" dirty="0">
+              <a:solidFill>
+                <a:srgbClr val="0000CD"/>
+              </a:solidFill>
+              <a:latin typeface="Consolas" panose="020B0609020204030204" pitchFamily="49" charset="0"/>
+            </a:endParaRPr>
+          </a:p>
+          <a:p>
+            <a:pPr marL="0" indent="0">
+              <a:buNone/>
+            </a:pPr>
+            <a:endParaRPr lang="en-US" b="0" dirty="0">
+              <a:solidFill>
+                <a:srgbClr val="0000CD"/>
+              </a:solidFill>
+              <a:latin typeface="Consolas" panose="020B0609020204030204" pitchFamily="49" charset="0"/>
+            </a:endParaRPr>
+          </a:p>
+          <a:p>
+            <a:pPr marL="0" indent="0">
+              <a:buNone/>
+            </a:pPr>
+            <a:endParaRPr lang="en-US" b="0" dirty="0">
+              <a:solidFill>
+                <a:srgbClr val="0000CD"/>
+              </a:solidFill>
+              <a:latin typeface="Consolas" panose="020B0609020204030204" pitchFamily="49" charset="0"/>
+            </a:endParaRPr>
+          </a:p>
+        </p:txBody>
+      </p:sp>
+      <p:sp>
+        <p:nvSpPr>
+          <p:cNvPr id="4" name="Text Placeholder 3"/>
+          <p:cNvSpPr>
+            <a:spLocks noGrp="1"/>
+          </p:cNvSpPr>
+          <p:nvPr>
+            <p:ph type="body" sz="quarter" idx="10"/>
+          </p:nvPr>
+        </p:nvSpPr>
+        <p:spPr/>
+        <p:txBody>
+          <a:bodyPr/>
+          <a:lstStyle/>
+          <a:p>
+            <a:r>
+              <a:rPr lang="it-IT" dirty="0"/>
+              <a:t>Fondamenti di sviluppo web</a:t>
+            </a:r>
+          </a:p>
+          <a:p>
+            <a:endParaRPr lang="it-IT" dirty="0"/>
+          </a:p>
+        </p:txBody>
+      </p:sp>
+      <p:sp>
+        <p:nvSpPr>
+          <p:cNvPr id="5" name="Text Placeholder 2">
+            <a:extLst>
+              <a:ext uri="{FF2B5EF4-FFF2-40B4-BE49-F238E27FC236}">
+                <a16:creationId xmlns:a16="http://schemas.microsoft.com/office/drawing/2014/main" id="{C3912B27-202F-4857-A8C4-C7E5056703BF}"/>
+              </a:ext>
+            </a:extLst>
+          </p:cNvPr>
+          <p:cNvSpPr txBox="1">
+            <a:spLocks/>
+          </p:cNvSpPr>
+          <p:nvPr/>
+        </p:nvSpPr>
+        <p:spPr>
+          <a:xfrm>
+            <a:off x="565714" y="2272736"/>
+            <a:ext cx="7243262" cy="3903136"/>
+          </a:xfrm>
+          <a:prstGeom prst="rect">
+            <a:avLst/>
+          </a:prstGeom>
+        </p:spPr>
+        <p:txBody>
+          <a:bodyPr vert="horz" lIns="91440" tIns="45720" rIns="91440" bIns="45720" rtlCol="0" anchor="t">
+            <a:normAutofit/>
+          </a:bodyPr>
+          <a:lstStyle>
+            <a:lvl1pPr marL="342900" indent="-342900" algn="l" defTabSz="914400" rtl="0" eaLnBrk="1" latinLnBrk="0" hangingPunct="1">
+              <a:lnSpc>
+                <a:spcPct val="90000"/>
+              </a:lnSpc>
+              <a:spcBef>
+                <a:spcPts val="1200"/>
+              </a:spcBef>
+              <a:spcAft>
+                <a:spcPts val="200"/>
+              </a:spcAft>
+              <a:buClr>
+                <a:schemeClr val="tx2"/>
+              </a:buClr>
+              <a:buFont typeface="Arial" panose="020B0604020202020204" pitchFamily="34" charset="0"/>
+              <a:buChar char="•"/>
+              <a:defRPr sz="2400" b="1" kern="1200" baseline="0">
+                <a:solidFill>
+                  <a:schemeClr val="tx2"/>
+                </a:solidFill>
+                <a:latin typeface="+mn-lt"/>
+                <a:ea typeface="+mn-ea"/>
+                <a:cs typeface="+mn-cs"/>
+              </a:defRPr>
+            </a:lvl1pPr>
+            <a:lvl2pPr marL="457200" indent="0" algn="l" defTabSz="914400" rtl="0" eaLnBrk="1" latinLnBrk="0" hangingPunct="1">
+              <a:lnSpc>
+                <a:spcPct val="90000"/>
+              </a:lnSpc>
+              <a:spcBef>
+                <a:spcPts val="200"/>
+              </a:spcBef>
+              <a:spcAft>
+                <a:spcPts val="400"/>
+              </a:spcAft>
+              <a:buClr>
+                <a:schemeClr val="bg1">
+                  <a:lumMod val="95000"/>
+                  <a:lumOff val="5000"/>
+                </a:schemeClr>
+              </a:buClr>
+              <a:buFont typeface="Wingdings" pitchFamily="2" charset="2"/>
+              <a:buNone/>
+              <a:defRPr sz="1800" kern="1200">
+                <a:solidFill>
+                  <a:schemeClr val="tx1">
+                    <a:tint val="75000"/>
+                  </a:schemeClr>
+                </a:solidFill>
+                <a:latin typeface="+mn-lt"/>
+                <a:ea typeface="+mn-ea"/>
+                <a:cs typeface="+mn-cs"/>
+              </a:defRPr>
+            </a:lvl2pPr>
+            <a:lvl3pPr marL="914400" indent="0" algn="l" defTabSz="914400" rtl="0" eaLnBrk="1" latinLnBrk="0" hangingPunct="1">
+              <a:lnSpc>
+                <a:spcPct val="90000"/>
+              </a:lnSpc>
+              <a:spcBef>
+                <a:spcPts val="200"/>
+              </a:spcBef>
+              <a:spcAft>
+                <a:spcPts val="400"/>
+              </a:spcAft>
+              <a:buClr>
+                <a:schemeClr val="bg1">
+                  <a:lumMod val="95000"/>
+                  <a:lumOff val="5000"/>
+                </a:schemeClr>
+              </a:buClr>
+              <a:buFont typeface="Wingdings" pitchFamily="2" charset="2"/>
+              <a:buNone/>
+              <a:defRPr sz="1600" kern="1200">
+                <a:solidFill>
+                  <a:schemeClr val="tx1">
+                    <a:tint val="75000"/>
+                  </a:schemeClr>
+                </a:solidFill>
+                <a:latin typeface="+mn-lt"/>
+                <a:ea typeface="+mn-ea"/>
+                <a:cs typeface="+mn-cs"/>
+              </a:defRPr>
+            </a:lvl3pPr>
+            <a:lvl4pPr marL="1371600" indent="0" algn="l" defTabSz="914400" rtl="0" eaLnBrk="1" latinLnBrk="0" hangingPunct="1">
+              <a:lnSpc>
+                <a:spcPct val="90000"/>
+              </a:lnSpc>
+              <a:spcBef>
+                <a:spcPts val="200"/>
+              </a:spcBef>
+              <a:spcAft>
+                <a:spcPts val="400"/>
+              </a:spcAft>
+              <a:buClr>
+                <a:schemeClr val="bg1">
+                  <a:lumMod val="95000"/>
+                  <a:lumOff val="5000"/>
+                </a:schemeClr>
+              </a:buClr>
+              <a:buFont typeface="Wingdings" pitchFamily="2" charset="2"/>
+              <a:buNone/>
+              <a:defRPr sz="1400" kern="1200">
+                <a:solidFill>
+                  <a:schemeClr val="tx1">
+                    <a:tint val="75000"/>
+                  </a:schemeClr>
+                </a:solidFill>
+                <a:latin typeface="+mn-lt"/>
+                <a:ea typeface="+mn-ea"/>
+                <a:cs typeface="+mn-cs"/>
+              </a:defRPr>
+            </a:lvl4pPr>
+            <a:lvl5pPr marL="1828800" indent="0" algn="l" defTabSz="914400" rtl="0" eaLnBrk="1" latinLnBrk="0" hangingPunct="1">
+              <a:lnSpc>
+                <a:spcPct val="90000"/>
+              </a:lnSpc>
+              <a:spcBef>
+                <a:spcPts val="200"/>
+              </a:spcBef>
+              <a:spcAft>
+                <a:spcPts val="400"/>
+              </a:spcAft>
+              <a:buClr>
+                <a:schemeClr val="bg1">
+                  <a:lumMod val="95000"/>
+                  <a:lumOff val="5000"/>
+                </a:schemeClr>
+              </a:buClr>
+              <a:buFont typeface="Wingdings" pitchFamily="2" charset="2"/>
+              <a:buNone/>
+              <a:defRPr sz="1400" kern="1200">
+                <a:solidFill>
+                  <a:schemeClr val="tx1">
+                    <a:tint val="75000"/>
+                  </a:schemeClr>
+                </a:solidFill>
+                <a:latin typeface="+mn-lt"/>
+                <a:ea typeface="+mn-ea"/>
+                <a:cs typeface="+mn-cs"/>
+              </a:defRPr>
+            </a:lvl5pPr>
+            <a:lvl6pPr marL="2286000" indent="0" algn="l" defTabSz="914400" rtl="0" eaLnBrk="1" latinLnBrk="0" hangingPunct="1">
+              <a:lnSpc>
+                <a:spcPct val="90000"/>
+              </a:lnSpc>
+              <a:spcBef>
+                <a:spcPts val="200"/>
+              </a:spcBef>
+              <a:spcAft>
+                <a:spcPts val="400"/>
+              </a:spcAft>
+              <a:buClr>
+                <a:schemeClr val="tx1"/>
+              </a:buClr>
+              <a:buFont typeface="Wingdings" pitchFamily="2" charset="2"/>
+              <a:buNone/>
+              <a:defRPr sz="1400" kern="1200">
+                <a:solidFill>
+                  <a:schemeClr val="tx1">
+                    <a:tint val="75000"/>
+                  </a:schemeClr>
+                </a:solidFill>
+                <a:latin typeface="+mn-lt"/>
+                <a:ea typeface="+mn-ea"/>
+                <a:cs typeface="+mn-cs"/>
+              </a:defRPr>
+            </a:lvl6pPr>
+            <a:lvl7pPr marL="2743200" indent="0" algn="l" defTabSz="914400" rtl="0" eaLnBrk="1" latinLnBrk="0" hangingPunct="1">
+              <a:lnSpc>
+                <a:spcPct val="90000"/>
+              </a:lnSpc>
+              <a:spcBef>
+                <a:spcPts val="200"/>
+              </a:spcBef>
+              <a:spcAft>
+                <a:spcPts val="400"/>
+              </a:spcAft>
+              <a:buClr>
+                <a:schemeClr val="tx1"/>
+              </a:buClr>
+              <a:buFont typeface="Wingdings" pitchFamily="2" charset="2"/>
+              <a:buNone/>
+              <a:defRPr sz="1400" kern="1200">
+                <a:solidFill>
+                  <a:schemeClr val="tx1">
+                    <a:tint val="75000"/>
+                  </a:schemeClr>
+                </a:solidFill>
+                <a:latin typeface="+mn-lt"/>
+                <a:ea typeface="+mn-ea"/>
+                <a:cs typeface="+mn-cs"/>
+              </a:defRPr>
+            </a:lvl7pPr>
+            <a:lvl8pPr marL="3200400" indent="0" algn="l" defTabSz="914400" rtl="0" eaLnBrk="1" latinLnBrk="0" hangingPunct="1">
+              <a:lnSpc>
+                <a:spcPct val="90000"/>
+              </a:lnSpc>
+              <a:spcBef>
+                <a:spcPts val="200"/>
+              </a:spcBef>
+              <a:spcAft>
+                <a:spcPts val="400"/>
+              </a:spcAft>
+              <a:buClr>
+                <a:schemeClr val="tx1"/>
+              </a:buClr>
+              <a:buFont typeface="Wingdings" pitchFamily="2" charset="2"/>
+              <a:buNone/>
+              <a:defRPr sz="1400" kern="1200">
+                <a:solidFill>
+                  <a:schemeClr val="tx1">
+                    <a:tint val="75000"/>
+                  </a:schemeClr>
+                </a:solidFill>
+                <a:latin typeface="+mn-lt"/>
+                <a:ea typeface="+mn-ea"/>
+                <a:cs typeface="+mn-cs"/>
+              </a:defRPr>
+            </a:lvl8pPr>
+            <a:lvl9pPr marL="3657600" indent="0" algn="l" defTabSz="914400" rtl="0" eaLnBrk="1" latinLnBrk="0" hangingPunct="1">
+              <a:lnSpc>
+                <a:spcPct val="90000"/>
+              </a:lnSpc>
+              <a:spcBef>
+                <a:spcPts val="200"/>
+              </a:spcBef>
+              <a:spcAft>
+                <a:spcPts val="400"/>
+              </a:spcAft>
+              <a:buClr>
+                <a:schemeClr val="tx1"/>
+              </a:buClr>
+              <a:buFont typeface="Wingdings" pitchFamily="2" charset="2"/>
+              <a:buNone/>
+              <a:defRPr sz="1400" kern="1200">
+                <a:solidFill>
+                  <a:schemeClr val="tx1">
+                    <a:tint val="75000"/>
+                  </a:schemeClr>
+                </a:solidFill>
+                <a:latin typeface="+mn-lt"/>
+                <a:ea typeface="+mn-ea"/>
+                <a:cs typeface="+mn-cs"/>
+              </a:defRPr>
+            </a:lvl9pPr>
+          </a:lstStyle>
+          <a:p>
+            <a:pPr marL="0" indent="0">
+              <a:buNone/>
+            </a:pPr>
+            <a:r>
+              <a:rPr lang="it-IT" b="0" dirty="0"/>
+              <a:t>Il </a:t>
+            </a:r>
+            <a:r>
+              <a:rPr lang="it-IT" b="0" dirty="0" err="1"/>
+              <a:t>tag</a:t>
+            </a:r>
+            <a:r>
+              <a:rPr lang="it-IT" b="0" dirty="0"/>
+              <a:t> </a:t>
+            </a:r>
+            <a:r>
+              <a:rPr lang="it-IT" dirty="0" err="1"/>
+              <a:t>tr</a:t>
+            </a:r>
+            <a:r>
+              <a:rPr lang="it-IT" dirty="0"/>
+              <a:t> </a:t>
+            </a:r>
+            <a:r>
+              <a:rPr lang="it-IT" b="0" dirty="0"/>
+              <a:t>serve a definire una riga di una tabella.</a:t>
+            </a:r>
+          </a:p>
+          <a:p>
+            <a:pPr marL="0" indent="0">
+              <a:buNone/>
+            </a:pPr>
+            <a:r>
+              <a:rPr lang="it-IT" b="0" dirty="0"/>
+              <a:t>Elementi di questo tipo possono contenere celle (</a:t>
+            </a:r>
+            <a:r>
+              <a:rPr lang="it-IT" dirty="0" err="1"/>
+              <a:t>td</a:t>
+            </a:r>
+            <a:r>
+              <a:rPr lang="it-IT" b="0" dirty="0"/>
+              <a:t>) o celle di intestazione (</a:t>
+            </a:r>
+            <a:r>
+              <a:rPr lang="it-IT" dirty="0" err="1"/>
+              <a:t>th</a:t>
+            </a:r>
+            <a:r>
+              <a:rPr lang="it-IT" b="0" dirty="0"/>
+              <a:t>).</a:t>
+            </a:r>
+            <a:br>
+              <a:rPr lang="it-IT" dirty="0"/>
+            </a:br>
+            <a:br>
+              <a:rPr lang="en-US" b="0" dirty="0">
+                <a:solidFill>
+                  <a:srgbClr val="000000"/>
+                </a:solidFill>
+                <a:latin typeface="Consolas" panose="020B0609020204030204" pitchFamily="49" charset="0"/>
+              </a:rPr>
+            </a:br>
+            <a:br>
+              <a:rPr lang="en-US" b="0" dirty="0">
+                <a:solidFill>
+                  <a:srgbClr val="000000"/>
+                </a:solidFill>
+                <a:latin typeface="Consolas" panose="020B0609020204030204" pitchFamily="49" charset="0"/>
+              </a:rPr>
+            </a:br>
+            <a:endParaRPr lang="en-US" b="0" dirty="0">
+              <a:solidFill>
+                <a:srgbClr val="000000"/>
+              </a:solidFill>
+              <a:latin typeface="Consolas" panose="020B0609020204030204" pitchFamily="49" charset="0"/>
+            </a:endParaRPr>
+          </a:p>
+          <a:p>
+            <a:pPr marL="0" indent="0">
+              <a:buNone/>
+            </a:pPr>
+            <a:br>
+              <a:rPr lang="en-US" b="0" dirty="0">
+                <a:solidFill>
+                  <a:srgbClr val="000000"/>
+                </a:solidFill>
+                <a:latin typeface="Consolas" panose="020B0609020204030204" pitchFamily="49" charset="0"/>
+              </a:rPr>
+            </a:br>
+            <a:br>
+              <a:rPr lang="en-US" b="0" dirty="0">
+                <a:solidFill>
+                  <a:srgbClr val="0000CD"/>
+                </a:solidFill>
+                <a:latin typeface="Consolas" panose="020B0609020204030204" pitchFamily="49" charset="0"/>
+              </a:rPr>
+            </a:br>
+            <a:r>
+              <a:rPr lang="it-IT" b="0" dirty="0">
+                <a:hlinkClick r:id="rId2"/>
+              </a:rPr>
+              <a:t>Live demo</a:t>
+            </a:r>
+            <a:endParaRPr lang="en-US" b="0" dirty="0">
+              <a:solidFill>
+                <a:srgbClr val="0000CD"/>
+              </a:solidFill>
+              <a:latin typeface="Consolas" panose="020B0609020204030204" pitchFamily="49" charset="0"/>
+            </a:endParaRPr>
+          </a:p>
+        </p:txBody>
+      </p:sp>
+      <p:sp>
+        <p:nvSpPr>
+          <p:cNvPr id="7" name="Text Placeholder 2">
+            <a:extLst>
+              <a:ext uri="{FF2B5EF4-FFF2-40B4-BE49-F238E27FC236}">
+                <a16:creationId xmlns:a16="http://schemas.microsoft.com/office/drawing/2014/main" id="{1BB7DCD7-66D1-47D4-99C4-0E8E29E5FD56}"/>
+              </a:ext>
+            </a:extLst>
+          </p:cNvPr>
+          <p:cNvSpPr txBox="1">
+            <a:spLocks/>
+          </p:cNvSpPr>
+          <p:nvPr/>
+        </p:nvSpPr>
+        <p:spPr>
+          <a:xfrm>
+            <a:off x="8016240" y="2272736"/>
+            <a:ext cx="3803904" cy="3903136"/>
+          </a:xfrm>
+          <a:prstGeom prst="rect">
+            <a:avLst/>
+          </a:prstGeom>
+        </p:spPr>
+        <p:txBody>
+          <a:bodyPr vert="horz" lIns="91440" tIns="45720" rIns="91440" bIns="45720" rtlCol="0" anchor="t">
+            <a:normAutofit/>
+          </a:bodyPr>
+          <a:lstStyle>
+            <a:lvl1pPr marL="342900" indent="-342900" algn="l" defTabSz="914400" rtl="0" eaLnBrk="1" latinLnBrk="0" hangingPunct="1">
+              <a:lnSpc>
+                <a:spcPct val="90000"/>
+              </a:lnSpc>
+              <a:spcBef>
+                <a:spcPts val="1200"/>
+              </a:spcBef>
+              <a:spcAft>
+                <a:spcPts val="200"/>
+              </a:spcAft>
+              <a:buClr>
+                <a:schemeClr val="tx2"/>
+              </a:buClr>
+              <a:buFont typeface="Arial" panose="020B0604020202020204" pitchFamily="34" charset="0"/>
+              <a:buChar char="•"/>
+              <a:defRPr sz="2400" b="1" kern="1200" baseline="0">
+                <a:solidFill>
+                  <a:schemeClr val="tx2"/>
+                </a:solidFill>
+                <a:latin typeface="+mn-lt"/>
+                <a:ea typeface="+mn-ea"/>
+                <a:cs typeface="+mn-cs"/>
+              </a:defRPr>
+            </a:lvl1pPr>
+            <a:lvl2pPr marL="457200" indent="0" algn="l" defTabSz="914400" rtl="0" eaLnBrk="1" latinLnBrk="0" hangingPunct="1">
+              <a:lnSpc>
+                <a:spcPct val="90000"/>
+              </a:lnSpc>
+              <a:spcBef>
+                <a:spcPts val="200"/>
+              </a:spcBef>
+              <a:spcAft>
+                <a:spcPts val="400"/>
+              </a:spcAft>
+              <a:buClr>
+                <a:schemeClr val="bg1">
+                  <a:lumMod val="95000"/>
+                  <a:lumOff val="5000"/>
+                </a:schemeClr>
+              </a:buClr>
+              <a:buFont typeface="Wingdings" pitchFamily="2" charset="2"/>
+              <a:buNone/>
+              <a:defRPr sz="1800" kern="1200">
+                <a:solidFill>
+                  <a:schemeClr val="tx1">
+                    <a:tint val="75000"/>
+                  </a:schemeClr>
+                </a:solidFill>
+                <a:latin typeface="+mn-lt"/>
+                <a:ea typeface="+mn-ea"/>
+                <a:cs typeface="+mn-cs"/>
+              </a:defRPr>
+            </a:lvl2pPr>
+            <a:lvl3pPr marL="914400" indent="0" algn="l" defTabSz="914400" rtl="0" eaLnBrk="1" latinLnBrk="0" hangingPunct="1">
+              <a:lnSpc>
+                <a:spcPct val="90000"/>
+              </a:lnSpc>
+              <a:spcBef>
+                <a:spcPts val="200"/>
+              </a:spcBef>
+              <a:spcAft>
+                <a:spcPts val="400"/>
+              </a:spcAft>
+              <a:buClr>
+                <a:schemeClr val="bg1">
+                  <a:lumMod val="95000"/>
+                  <a:lumOff val="5000"/>
+                </a:schemeClr>
+              </a:buClr>
+              <a:buFont typeface="Wingdings" pitchFamily="2" charset="2"/>
+              <a:buNone/>
+              <a:defRPr sz="1600" kern="1200">
+                <a:solidFill>
+                  <a:schemeClr val="tx1">
+                    <a:tint val="75000"/>
+                  </a:schemeClr>
+                </a:solidFill>
+                <a:latin typeface="+mn-lt"/>
+                <a:ea typeface="+mn-ea"/>
+                <a:cs typeface="+mn-cs"/>
+              </a:defRPr>
+            </a:lvl3pPr>
+            <a:lvl4pPr marL="1371600" indent="0" algn="l" defTabSz="914400" rtl="0" eaLnBrk="1" latinLnBrk="0" hangingPunct="1">
+              <a:lnSpc>
+                <a:spcPct val="90000"/>
+              </a:lnSpc>
+              <a:spcBef>
+                <a:spcPts val="200"/>
+              </a:spcBef>
+              <a:spcAft>
+                <a:spcPts val="400"/>
+              </a:spcAft>
+              <a:buClr>
+                <a:schemeClr val="bg1">
+                  <a:lumMod val="95000"/>
+                  <a:lumOff val="5000"/>
+                </a:schemeClr>
+              </a:buClr>
+              <a:buFont typeface="Wingdings" pitchFamily="2" charset="2"/>
+              <a:buNone/>
+              <a:defRPr sz="1400" kern="1200">
+                <a:solidFill>
+                  <a:schemeClr val="tx1">
+                    <a:tint val="75000"/>
+                  </a:schemeClr>
+                </a:solidFill>
+                <a:latin typeface="+mn-lt"/>
+                <a:ea typeface="+mn-ea"/>
+                <a:cs typeface="+mn-cs"/>
+              </a:defRPr>
+            </a:lvl4pPr>
+            <a:lvl5pPr marL="1828800" indent="0" algn="l" defTabSz="914400" rtl="0" eaLnBrk="1" latinLnBrk="0" hangingPunct="1">
+              <a:lnSpc>
+                <a:spcPct val="90000"/>
+              </a:lnSpc>
+              <a:spcBef>
+                <a:spcPts val="200"/>
+              </a:spcBef>
+              <a:spcAft>
+                <a:spcPts val="400"/>
+              </a:spcAft>
+              <a:buClr>
+                <a:schemeClr val="bg1">
+                  <a:lumMod val="95000"/>
+                  <a:lumOff val="5000"/>
+                </a:schemeClr>
+              </a:buClr>
+              <a:buFont typeface="Wingdings" pitchFamily="2" charset="2"/>
+              <a:buNone/>
+              <a:defRPr sz="1400" kern="1200">
+                <a:solidFill>
+                  <a:schemeClr val="tx1">
+                    <a:tint val="75000"/>
+                  </a:schemeClr>
+                </a:solidFill>
+                <a:latin typeface="+mn-lt"/>
+                <a:ea typeface="+mn-ea"/>
+                <a:cs typeface="+mn-cs"/>
+              </a:defRPr>
+            </a:lvl5pPr>
+            <a:lvl6pPr marL="2286000" indent="0" algn="l" defTabSz="914400" rtl="0" eaLnBrk="1" latinLnBrk="0" hangingPunct="1">
+              <a:lnSpc>
+                <a:spcPct val="90000"/>
+              </a:lnSpc>
+              <a:spcBef>
+                <a:spcPts val="200"/>
+              </a:spcBef>
+              <a:spcAft>
+                <a:spcPts val="400"/>
+              </a:spcAft>
+              <a:buClr>
+                <a:schemeClr val="tx1"/>
+              </a:buClr>
+              <a:buFont typeface="Wingdings" pitchFamily="2" charset="2"/>
+              <a:buNone/>
+              <a:defRPr sz="1400" kern="1200">
+                <a:solidFill>
+                  <a:schemeClr val="tx1">
+                    <a:tint val="75000"/>
+                  </a:schemeClr>
+                </a:solidFill>
+                <a:latin typeface="+mn-lt"/>
+                <a:ea typeface="+mn-ea"/>
+                <a:cs typeface="+mn-cs"/>
+              </a:defRPr>
+            </a:lvl6pPr>
+            <a:lvl7pPr marL="2743200" indent="0" algn="l" defTabSz="914400" rtl="0" eaLnBrk="1" latinLnBrk="0" hangingPunct="1">
+              <a:lnSpc>
+                <a:spcPct val="90000"/>
+              </a:lnSpc>
+              <a:spcBef>
+                <a:spcPts val="200"/>
+              </a:spcBef>
+              <a:spcAft>
+                <a:spcPts val="400"/>
+              </a:spcAft>
+              <a:buClr>
+                <a:schemeClr val="tx1"/>
+              </a:buClr>
+              <a:buFont typeface="Wingdings" pitchFamily="2" charset="2"/>
+              <a:buNone/>
+              <a:defRPr sz="1400" kern="1200">
+                <a:solidFill>
+                  <a:schemeClr val="tx1">
+                    <a:tint val="75000"/>
+                  </a:schemeClr>
+                </a:solidFill>
+                <a:latin typeface="+mn-lt"/>
+                <a:ea typeface="+mn-ea"/>
+                <a:cs typeface="+mn-cs"/>
+              </a:defRPr>
+            </a:lvl7pPr>
+            <a:lvl8pPr marL="3200400" indent="0" algn="l" defTabSz="914400" rtl="0" eaLnBrk="1" latinLnBrk="0" hangingPunct="1">
+              <a:lnSpc>
+                <a:spcPct val="90000"/>
+              </a:lnSpc>
+              <a:spcBef>
+                <a:spcPts val="200"/>
+              </a:spcBef>
+              <a:spcAft>
+                <a:spcPts val="400"/>
+              </a:spcAft>
+              <a:buClr>
+                <a:schemeClr val="tx1"/>
+              </a:buClr>
+              <a:buFont typeface="Wingdings" pitchFamily="2" charset="2"/>
+              <a:buNone/>
+              <a:defRPr sz="1400" kern="1200">
+                <a:solidFill>
+                  <a:schemeClr val="tx1">
+                    <a:tint val="75000"/>
+                  </a:schemeClr>
+                </a:solidFill>
+                <a:latin typeface="+mn-lt"/>
+                <a:ea typeface="+mn-ea"/>
+                <a:cs typeface="+mn-cs"/>
+              </a:defRPr>
+            </a:lvl8pPr>
+            <a:lvl9pPr marL="3657600" indent="0" algn="l" defTabSz="914400" rtl="0" eaLnBrk="1" latinLnBrk="0" hangingPunct="1">
+              <a:lnSpc>
+                <a:spcPct val="90000"/>
+              </a:lnSpc>
+              <a:spcBef>
+                <a:spcPts val="200"/>
+              </a:spcBef>
+              <a:spcAft>
+                <a:spcPts val="400"/>
+              </a:spcAft>
+              <a:buClr>
+                <a:schemeClr val="tx1"/>
+              </a:buClr>
+              <a:buFont typeface="Wingdings" pitchFamily="2" charset="2"/>
+              <a:buNone/>
+              <a:defRPr sz="1400" kern="1200">
+                <a:solidFill>
+                  <a:schemeClr val="tx1">
+                    <a:tint val="75000"/>
+                  </a:schemeClr>
+                </a:solidFill>
+                <a:latin typeface="+mn-lt"/>
+                <a:ea typeface="+mn-ea"/>
+                <a:cs typeface="+mn-cs"/>
+              </a:defRPr>
+            </a:lvl9pPr>
+          </a:lstStyle>
+          <a:p>
+            <a:pPr marL="0" indent="0">
+              <a:buNone/>
+            </a:pPr>
+            <a:r>
+              <a:rPr lang="en-US" b="0" dirty="0">
+                <a:solidFill>
+                  <a:srgbClr val="0000CD"/>
+                </a:solidFill>
+                <a:latin typeface="Consolas" panose="020B0609020204030204" pitchFamily="49" charset="0"/>
+              </a:rPr>
+              <a:t>&lt;</a:t>
+            </a:r>
+            <a:r>
+              <a:rPr lang="en-US" b="0" dirty="0">
+                <a:solidFill>
+                  <a:srgbClr val="A52A2A"/>
+                </a:solidFill>
+                <a:latin typeface="Consolas" panose="020B0609020204030204" pitchFamily="49" charset="0"/>
+              </a:rPr>
+              <a:t>table</a:t>
+            </a:r>
+            <a:r>
+              <a:rPr lang="en-US" b="0" dirty="0">
+                <a:solidFill>
+                  <a:srgbClr val="0000CD"/>
+                </a:solidFill>
+                <a:latin typeface="Consolas" panose="020B0609020204030204" pitchFamily="49" charset="0"/>
+              </a:rPr>
+              <a:t>&gt;</a:t>
+            </a:r>
+            <a:br>
+              <a:rPr lang="en-US" dirty="0"/>
+            </a:br>
+            <a:r>
+              <a:rPr lang="en-US" b="0" dirty="0">
+                <a:solidFill>
+                  <a:srgbClr val="000000"/>
+                </a:solidFill>
+                <a:latin typeface="Consolas" panose="020B0609020204030204" pitchFamily="49" charset="0"/>
+              </a:rPr>
+              <a:t>  </a:t>
+            </a:r>
+            <a:r>
+              <a:rPr lang="en-US" b="0" dirty="0">
+                <a:solidFill>
+                  <a:srgbClr val="0000CD"/>
+                </a:solidFill>
+                <a:latin typeface="Consolas" panose="020B0609020204030204" pitchFamily="49" charset="0"/>
+              </a:rPr>
+              <a:t>&lt;</a:t>
+            </a:r>
+            <a:r>
+              <a:rPr lang="en-US" b="0" dirty="0" err="1">
+                <a:solidFill>
+                  <a:srgbClr val="A52A2A"/>
+                </a:solidFill>
+                <a:latin typeface="Consolas" panose="020B0609020204030204" pitchFamily="49" charset="0"/>
+              </a:rPr>
+              <a:t>tr</a:t>
+            </a:r>
+            <a:r>
+              <a:rPr lang="en-US" b="0" dirty="0">
+                <a:solidFill>
+                  <a:srgbClr val="0000CD"/>
+                </a:solidFill>
+                <a:latin typeface="Consolas" panose="020B0609020204030204" pitchFamily="49" charset="0"/>
+              </a:rPr>
+              <a:t>&gt;</a:t>
+            </a:r>
+            <a:br>
+              <a:rPr lang="en-US" dirty="0"/>
+            </a:br>
+            <a:r>
+              <a:rPr lang="en-US" b="0" dirty="0">
+                <a:solidFill>
+                  <a:srgbClr val="000000"/>
+                </a:solidFill>
+                <a:latin typeface="Consolas" panose="020B0609020204030204" pitchFamily="49" charset="0"/>
+              </a:rPr>
+              <a:t>    </a:t>
+            </a:r>
+            <a:r>
+              <a:rPr lang="en-US" b="0" dirty="0">
+                <a:solidFill>
+                  <a:srgbClr val="0000CD"/>
+                </a:solidFill>
+                <a:latin typeface="Consolas" panose="020B0609020204030204" pitchFamily="49" charset="0"/>
+              </a:rPr>
+              <a:t>&lt;</a:t>
+            </a:r>
+            <a:r>
+              <a:rPr lang="en-US" b="0" dirty="0" err="1">
+                <a:solidFill>
+                  <a:srgbClr val="A52A2A"/>
+                </a:solidFill>
+                <a:latin typeface="Consolas" panose="020B0609020204030204" pitchFamily="49" charset="0"/>
+              </a:rPr>
+              <a:t>th</a:t>
+            </a:r>
+            <a:r>
+              <a:rPr lang="en-US" b="0" dirty="0">
+                <a:solidFill>
+                  <a:srgbClr val="0000CD"/>
+                </a:solidFill>
+                <a:latin typeface="Consolas" panose="020B0609020204030204" pitchFamily="49" charset="0"/>
+              </a:rPr>
+              <a:t>&gt;</a:t>
+            </a:r>
+            <a:r>
+              <a:rPr lang="en-US" b="0" dirty="0">
+                <a:solidFill>
+                  <a:srgbClr val="000000"/>
+                </a:solidFill>
+                <a:latin typeface="Consolas" panose="020B0609020204030204" pitchFamily="49" charset="0"/>
+              </a:rPr>
+              <a:t>Month</a:t>
+            </a:r>
+            <a:r>
+              <a:rPr lang="en-US" b="0" dirty="0">
+                <a:solidFill>
+                  <a:srgbClr val="0000CD"/>
+                </a:solidFill>
+                <a:latin typeface="Consolas" panose="020B0609020204030204" pitchFamily="49" charset="0"/>
+              </a:rPr>
+              <a:t>&lt;</a:t>
+            </a:r>
+            <a:r>
+              <a:rPr lang="en-US" b="0" dirty="0">
+                <a:solidFill>
+                  <a:srgbClr val="A52A2A"/>
+                </a:solidFill>
+                <a:latin typeface="Consolas" panose="020B0609020204030204" pitchFamily="49" charset="0"/>
+              </a:rPr>
+              <a:t>/</a:t>
+            </a:r>
+            <a:r>
+              <a:rPr lang="en-US" b="0" dirty="0" err="1">
+                <a:solidFill>
+                  <a:srgbClr val="A52A2A"/>
+                </a:solidFill>
+                <a:latin typeface="Consolas" panose="020B0609020204030204" pitchFamily="49" charset="0"/>
+              </a:rPr>
+              <a:t>th</a:t>
+            </a:r>
+            <a:r>
+              <a:rPr lang="en-US" b="0" dirty="0">
+                <a:solidFill>
+                  <a:srgbClr val="0000CD"/>
+                </a:solidFill>
+                <a:latin typeface="Consolas" panose="020B0609020204030204" pitchFamily="49" charset="0"/>
+              </a:rPr>
+              <a:t>&gt;</a:t>
+            </a:r>
+            <a:br>
+              <a:rPr lang="en-US" dirty="0"/>
+            </a:br>
+            <a:r>
+              <a:rPr lang="en-US" b="0" dirty="0">
+                <a:solidFill>
+                  <a:srgbClr val="000000"/>
+                </a:solidFill>
+                <a:latin typeface="Consolas" panose="020B0609020204030204" pitchFamily="49" charset="0"/>
+              </a:rPr>
+              <a:t>    </a:t>
+            </a:r>
+            <a:r>
+              <a:rPr lang="en-US" b="0" dirty="0">
+                <a:solidFill>
+                  <a:srgbClr val="0000CD"/>
+                </a:solidFill>
+                <a:latin typeface="Consolas" panose="020B0609020204030204" pitchFamily="49" charset="0"/>
+              </a:rPr>
+              <a:t>&lt;</a:t>
+            </a:r>
+            <a:r>
+              <a:rPr lang="en-US" b="0" dirty="0" err="1">
+                <a:solidFill>
+                  <a:srgbClr val="A52A2A"/>
+                </a:solidFill>
+                <a:latin typeface="Consolas" panose="020B0609020204030204" pitchFamily="49" charset="0"/>
+              </a:rPr>
+              <a:t>th</a:t>
+            </a:r>
+            <a:r>
+              <a:rPr lang="en-US" b="0" dirty="0">
+                <a:solidFill>
+                  <a:srgbClr val="0000CD"/>
+                </a:solidFill>
+                <a:latin typeface="Consolas" panose="020B0609020204030204" pitchFamily="49" charset="0"/>
+              </a:rPr>
+              <a:t>&gt;</a:t>
+            </a:r>
+            <a:r>
+              <a:rPr lang="en-US" b="0" dirty="0">
+                <a:solidFill>
+                  <a:srgbClr val="000000"/>
+                </a:solidFill>
+                <a:latin typeface="Consolas" panose="020B0609020204030204" pitchFamily="49" charset="0"/>
+              </a:rPr>
+              <a:t>Savings</a:t>
+            </a:r>
+            <a:r>
+              <a:rPr lang="en-US" b="0" dirty="0">
+                <a:solidFill>
+                  <a:srgbClr val="0000CD"/>
+                </a:solidFill>
+                <a:latin typeface="Consolas" panose="020B0609020204030204" pitchFamily="49" charset="0"/>
+              </a:rPr>
+              <a:t>&lt;</a:t>
+            </a:r>
+            <a:r>
+              <a:rPr lang="en-US" b="0" dirty="0">
+                <a:solidFill>
+                  <a:srgbClr val="A52A2A"/>
+                </a:solidFill>
+                <a:latin typeface="Consolas" panose="020B0609020204030204" pitchFamily="49" charset="0"/>
+              </a:rPr>
+              <a:t>/</a:t>
+            </a:r>
+            <a:r>
+              <a:rPr lang="en-US" b="0" dirty="0" err="1">
+                <a:solidFill>
+                  <a:srgbClr val="A52A2A"/>
+                </a:solidFill>
+                <a:latin typeface="Consolas" panose="020B0609020204030204" pitchFamily="49" charset="0"/>
+              </a:rPr>
+              <a:t>th</a:t>
+            </a:r>
+            <a:r>
+              <a:rPr lang="en-US" b="0" dirty="0">
+                <a:solidFill>
+                  <a:srgbClr val="0000CD"/>
+                </a:solidFill>
+                <a:latin typeface="Consolas" panose="020B0609020204030204" pitchFamily="49" charset="0"/>
+              </a:rPr>
+              <a:t>&gt;</a:t>
+            </a:r>
+            <a:br>
+              <a:rPr lang="en-US" dirty="0"/>
+            </a:br>
+            <a:r>
+              <a:rPr lang="en-US" b="0" dirty="0">
+                <a:solidFill>
+                  <a:srgbClr val="000000"/>
+                </a:solidFill>
+                <a:latin typeface="Consolas" panose="020B0609020204030204" pitchFamily="49" charset="0"/>
+              </a:rPr>
+              <a:t>  </a:t>
+            </a:r>
+            <a:r>
+              <a:rPr lang="en-US" b="0" dirty="0">
+                <a:solidFill>
+                  <a:srgbClr val="0000CD"/>
+                </a:solidFill>
+                <a:latin typeface="Consolas" panose="020B0609020204030204" pitchFamily="49" charset="0"/>
+              </a:rPr>
+              <a:t>&lt;</a:t>
+            </a:r>
+            <a:r>
+              <a:rPr lang="en-US" b="0" dirty="0">
+                <a:solidFill>
+                  <a:srgbClr val="A52A2A"/>
+                </a:solidFill>
+                <a:latin typeface="Consolas" panose="020B0609020204030204" pitchFamily="49" charset="0"/>
+              </a:rPr>
+              <a:t>/</a:t>
+            </a:r>
+            <a:r>
+              <a:rPr lang="en-US" b="0" dirty="0" err="1">
+                <a:solidFill>
+                  <a:srgbClr val="A52A2A"/>
+                </a:solidFill>
+                <a:latin typeface="Consolas" panose="020B0609020204030204" pitchFamily="49" charset="0"/>
+              </a:rPr>
+              <a:t>tr</a:t>
+            </a:r>
+            <a:r>
+              <a:rPr lang="en-US" b="0" dirty="0">
+                <a:solidFill>
+                  <a:srgbClr val="0000CD"/>
+                </a:solidFill>
+                <a:latin typeface="Consolas" panose="020B0609020204030204" pitchFamily="49" charset="0"/>
+              </a:rPr>
+              <a:t>&gt;</a:t>
+            </a:r>
+            <a:br>
+              <a:rPr lang="en-US" dirty="0"/>
+            </a:br>
+            <a:r>
+              <a:rPr lang="en-US" b="0" dirty="0">
+                <a:solidFill>
+                  <a:srgbClr val="000000"/>
+                </a:solidFill>
+                <a:latin typeface="Consolas" panose="020B0609020204030204" pitchFamily="49" charset="0"/>
+              </a:rPr>
+              <a:t>  </a:t>
+            </a:r>
+            <a:r>
+              <a:rPr lang="en-US" b="0" dirty="0">
+                <a:solidFill>
+                  <a:srgbClr val="0000CD"/>
+                </a:solidFill>
+                <a:latin typeface="Consolas" panose="020B0609020204030204" pitchFamily="49" charset="0"/>
+              </a:rPr>
+              <a:t>&lt;</a:t>
+            </a:r>
+            <a:r>
+              <a:rPr lang="en-US" b="0" dirty="0" err="1">
+                <a:solidFill>
+                  <a:srgbClr val="A52A2A"/>
+                </a:solidFill>
+                <a:latin typeface="Consolas" panose="020B0609020204030204" pitchFamily="49" charset="0"/>
+              </a:rPr>
+              <a:t>tr</a:t>
+            </a:r>
+            <a:r>
+              <a:rPr lang="en-US" b="0" dirty="0">
+                <a:solidFill>
+                  <a:srgbClr val="0000CD"/>
+                </a:solidFill>
+                <a:latin typeface="Consolas" panose="020B0609020204030204" pitchFamily="49" charset="0"/>
+              </a:rPr>
+              <a:t>&gt;</a:t>
+            </a:r>
+            <a:br>
+              <a:rPr lang="en-US" dirty="0"/>
+            </a:br>
+            <a:r>
+              <a:rPr lang="en-US" b="0" dirty="0">
+                <a:solidFill>
+                  <a:srgbClr val="000000"/>
+                </a:solidFill>
+                <a:latin typeface="Consolas" panose="020B0609020204030204" pitchFamily="49" charset="0"/>
+              </a:rPr>
+              <a:t>    </a:t>
+            </a:r>
+            <a:r>
+              <a:rPr lang="en-US" b="0" dirty="0">
+                <a:solidFill>
+                  <a:srgbClr val="0000CD"/>
+                </a:solidFill>
+                <a:latin typeface="Consolas" panose="020B0609020204030204" pitchFamily="49" charset="0"/>
+              </a:rPr>
+              <a:t>&lt;</a:t>
+            </a:r>
+            <a:r>
+              <a:rPr lang="en-US" b="0" dirty="0">
+                <a:solidFill>
+                  <a:srgbClr val="A52A2A"/>
+                </a:solidFill>
+                <a:latin typeface="Consolas" panose="020B0609020204030204" pitchFamily="49" charset="0"/>
+              </a:rPr>
+              <a:t>td</a:t>
+            </a:r>
+            <a:r>
+              <a:rPr lang="en-US" b="0" dirty="0">
+                <a:solidFill>
+                  <a:srgbClr val="0000CD"/>
+                </a:solidFill>
+                <a:latin typeface="Consolas" panose="020B0609020204030204" pitchFamily="49" charset="0"/>
+              </a:rPr>
+              <a:t>&gt;</a:t>
+            </a:r>
+            <a:r>
+              <a:rPr lang="en-US" b="0" dirty="0">
+                <a:solidFill>
+                  <a:srgbClr val="000000"/>
+                </a:solidFill>
+                <a:latin typeface="Consolas" panose="020B0609020204030204" pitchFamily="49" charset="0"/>
+              </a:rPr>
+              <a:t>January</a:t>
+            </a:r>
+            <a:r>
+              <a:rPr lang="en-US" b="0" dirty="0">
+                <a:solidFill>
+                  <a:srgbClr val="0000CD"/>
+                </a:solidFill>
+                <a:latin typeface="Consolas" panose="020B0609020204030204" pitchFamily="49" charset="0"/>
+              </a:rPr>
+              <a:t>&lt;</a:t>
+            </a:r>
+            <a:r>
+              <a:rPr lang="en-US" b="0" dirty="0">
+                <a:solidFill>
+                  <a:srgbClr val="A52A2A"/>
+                </a:solidFill>
+                <a:latin typeface="Consolas" panose="020B0609020204030204" pitchFamily="49" charset="0"/>
+              </a:rPr>
+              <a:t>/td</a:t>
+            </a:r>
+            <a:r>
+              <a:rPr lang="en-US" b="0" dirty="0">
+                <a:solidFill>
+                  <a:srgbClr val="0000CD"/>
+                </a:solidFill>
+                <a:latin typeface="Consolas" panose="020B0609020204030204" pitchFamily="49" charset="0"/>
+              </a:rPr>
+              <a:t>&gt;</a:t>
+            </a:r>
+            <a:br>
+              <a:rPr lang="en-US" dirty="0"/>
+            </a:br>
+            <a:r>
+              <a:rPr lang="en-US" b="0" dirty="0">
+                <a:solidFill>
+                  <a:srgbClr val="000000"/>
+                </a:solidFill>
+                <a:latin typeface="Consolas" panose="020B0609020204030204" pitchFamily="49" charset="0"/>
+              </a:rPr>
+              <a:t>    </a:t>
+            </a:r>
+            <a:r>
+              <a:rPr lang="en-US" b="0" dirty="0">
+                <a:solidFill>
+                  <a:srgbClr val="0000CD"/>
+                </a:solidFill>
+                <a:latin typeface="Consolas" panose="020B0609020204030204" pitchFamily="49" charset="0"/>
+              </a:rPr>
+              <a:t>&lt;</a:t>
+            </a:r>
+            <a:r>
+              <a:rPr lang="en-US" b="0" dirty="0">
+                <a:solidFill>
+                  <a:srgbClr val="A52A2A"/>
+                </a:solidFill>
+                <a:latin typeface="Consolas" panose="020B0609020204030204" pitchFamily="49" charset="0"/>
+              </a:rPr>
+              <a:t>td</a:t>
+            </a:r>
+            <a:r>
+              <a:rPr lang="en-US" b="0" dirty="0">
+                <a:solidFill>
+                  <a:srgbClr val="0000CD"/>
+                </a:solidFill>
+                <a:latin typeface="Consolas" panose="020B0609020204030204" pitchFamily="49" charset="0"/>
+              </a:rPr>
+              <a:t>&gt;</a:t>
+            </a:r>
+            <a:r>
+              <a:rPr lang="en-US" b="0" dirty="0">
+                <a:solidFill>
+                  <a:srgbClr val="000000"/>
+                </a:solidFill>
+                <a:latin typeface="Consolas" panose="020B0609020204030204" pitchFamily="49" charset="0"/>
+              </a:rPr>
+              <a:t>$100</a:t>
+            </a:r>
+            <a:r>
+              <a:rPr lang="en-US" b="0" dirty="0">
+                <a:solidFill>
+                  <a:srgbClr val="0000CD"/>
+                </a:solidFill>
+                <a:latin typeface="Consolas" panose="020B0609020204030204" pitchFamily="49" charset="0"/>
+              </a:rPr>
+              <a:t>&lt;</a:t>
+            </a:r>
+            <a:r>
+              <a:rPr lang="en-US" b="0" dirty="0">
+                <a:solidFill>
+                  <a:srgbClr val="A52A2A"/>
+                </a:solidFill>
+                <a:latin typeface="Consolas" panose="020B0609020204030204" pitchFamily="49" charset="0"/>
+              </a:rPr>
+              <a:t>/td</a:t>
+            </a:r>
+            <a:r>
+              <a:rPr lang="en-US" b="0" dirty="0">
+                <a:solidFill>
+                  <a:srgbClr val="0000CD"/>
+                </a:solidFill>
+                <a:latin typeface="Consolas" panose="020B0609020204030204" pitchFamily="49" charset="0"/>
+              </a:rPr>
+              <a:t>&gt;</a:t>
+            </a:r>
+            <a:br>
+              <a:rPr lang="en-US" dirty="0"/>
+            </a:br>
+            <a:r>
+              <a:rPr lang="en-US" b="0" dirty="0">
+                <a:solidFill>
+                  <a:srgbClr val="000000"/>
+                </a:solidFill>
+                <a:latin typeface="Consolas" panose="020B0609020204030204" pitchFamily="49" charset="0"/>
+              </a:rPr>
+              <a:t>  </a:t>
+            </a:r>
+            <a:r>
+              <a:rPr lang="en-US" b="0" dirty="0">
+                <a:solidFill>
+                  <a:srgbClr val="0000CD"/>
+                </a:solidFill>
+                <a:latin typeface="Consolas" panose="020B0609020204030204" pitchFamily="49" charset="0"/>
+              </a:rPr>
+              <a:t>&lt;</a:t>
+            </a:r>
+            <a:r>
+              <a:rPr lang="en-US" b="0" dirty="0">
+                <a:solidFill>
+                  <a:srgbClr val="A52A2A"/>
+                </a:solidFill>
+                <a:latin typeface="Consolas" panose="020B0609020204030204" pitchFamily="49" charset="0"/>
+              </a:rPr>
+              <a:t>/</a:t>
+            </a:r>
+            <a:r>
+              <a:rPr lang="en-US" b="0" dirty="0" err="1">
+                <a:solidFill>
+                  <a:srgbClr val="A52A2A"/>
+                </a:solidFill>
+                <a:latin typeface="Consolas" panose="020B0609020204030204" pitchFamily="49" charset="0"/>
+              </a:rPr>
+              <a:t>tr</a:t>
+            </a:r>
+            <a:r>
+              <a:rPr lang="en-US" b="0" dirty="0">
+                <a:solidFill>
+                  <a:srgbClr val="0000CD"/>
+                </a:solidFill>
+                <a:latin typeface="Consolas" panose="020B0609020204030204" pitchFamily="49" charset="0"/>
+              </a:rPr>
+              <a:t>&gt;</a:t>
+            </a:r>
+            <a:br>
+              <a:rPr lang="en-US" dirty="0"/>
+            </a:br>
+            <a:r>
+              <a:rPr lang="en-US" b="0" dirty="0">
+                <a:solidFill>
+                  <a:srgbClr val="0000CD"/>
+                </a:solidFill>
+                <a:latin typeface="Consolas" panose="020B0609020204030204" pitchFamily="49" charset="0"/>
+              </a:rPr>
+              <a:t>&lt;</a:t>
+            </a:r>
+            <a:r>
+              <a:rPr lang="en-US" b="0" dirty="0">
+                <a:solidFill>
+                  <a:srgbClr val="A52A2A"/>
+                </a:solidFill>
+                <a:latin typeface="Consolas" panose="020B0609020204030204" pitchFamily="49" charset="0"/>
+              </a:rPr>
+              <a:t>/table</a:t>
+            </a:r>
+            <a:r>
+              <a:rPr lang="en-US" b="0" dirty="0">
+                <a:solidFill>
+                  <a:srgbClr val="0000CD"/>
+                </a:solidFill>
+                <a:latin typeface="Consolas" panose="020B0609020204030204" pitchFamily="49" charset="0"/>
+              </a:rPr>
+              <a:t>&gt;</a:t>
+            </a:r>
+          </a:p>
+        </p:txBody>
+      </p:sp>
+    </p:spTree>
+    <p:extLst>
+      <p:ext uri="{BB962C8B-B14F-4D97-AF65-F5344CB8AC3E}">
+        <p14:creationId xmlns:p14="http://schemas.microsoft.com/office/powerpoint/2010/main" val="783093958"/>
+      </p:ext>
+    </p:extLst>
+  </p:cSld>
+  <p:clrMapOvr>
+    <a:masterClrMapping/>
+  </p:clrMapOvr>
+</p:sld>
+</file>
+
+<file path=ppt/slides/slide38.xml><?xml version="1.0" encoding="utf-8"?>
 <p:sld xmlns:a="http://schemas.openxmlformats.org/drawingml/2006/main" xmlns:r="http://schemas.openxmlformats.org/officeDocument/2006/relationships" xmlns:p="http://schemas.openxmlformats.org/presentationml/2006/main">
   <p:cSld>
     <p:spTree>

--- a/slides/html.pptx
+++ b/slides/html.pptx
@@ -5,7 +5,7 @@
     <p:sldMasterId id="2147483660" r:id="rId1"/>
   </p:sldMasterIdLst>
   <p:handoutMasterIdLst>
-    <p:handoutMasterId r:id="rId54"/>
+    <p:handoutMasterId r:id="rId57"/>
   </p:handoutMasterIdLst>
   <p:sldIdLst>
     <p:sldId id="256" r:id="rId2"/>
@@ -59,7 +59,10 @@
     <p:sldId id="305" r:id="rId50"/>
     <p:sldId id="306" r:id="rId51"/>
     <p:sldId id="307" r:id="rId52"/>
-    <p:sldId id="282" r:id="rId53"/>
+    <p:sldId id="308" r:id="rId53"/>
+    <p:sldId id="309" r:id="rId54"/>
+    <p:sldId id="310" r:id="rId55"/>
+    <p:sldId id="282" r:id="rId56"/>
   </p:sldIdLst>
   <p:sldSz cx="12192000" cy="6858000"/>
   <p:notesSz cx="6858000" cy="9144000"/>
@@ -169,10 +172,6 @@
 </p:presentation>
 </file>
 
-<file path=ppt/revisionInfo.xml><?xml version="1.0" encoding="utf-8"?>
-<p1510:revInfo xmlns:a="http://schemas.openxmlformats.org/drawingml/2006/main" xmlns:r="http://schemas.openxmlformats.org/officeDocument/2006/relationships" xmlns:p1510="http://schemas.microsoft.com/office/powerpoint/2015/10/main"/>
-</file>
-
 <file path=ppt/handoutMasters/handoutMaster1.xml><?xml version="1.0" encoding="utf-8"?>
 <p:handoutMaster xmlns:a="http://schemas.openxmlformats.org/drawingml/2006/main" xmlns:r="http://schemas.openxmlformats.org/officeDocument/2006/relationships" xmlns:p="http://schemas.openxmlformats.org/presentationml/2006/main">
   <p:cSld>
@@ -255,7 +254,7 @@
           <a:p>
             <a:fld id="{B29BB058-80CF-4FFD-A577-6063067B76E7}" type="datetimeFigureOut">
               <a:rPr lang="it-IT" smtClean="0"/>
-              <a:t>23/05/2018</a:t>
+              <a:t>26/05/2018</a:t>
             </a:fld>
             <a:endParaRPr lang="it-IT"/>
           </a:p>
@@ -34307,6 +34306,1665 @@
 </file>
 
 <file path=ppt/slides/slide52.xml><?xml version="1.0" encoding="utf-8"?>
+<p:sld xmlns:a="http://schemas.openxmlformats.org/drawingml/2006/main" xmlns:r="http://schemas.openxmlformats.org/officeDocument/2006/relationships" xmlns:p="http://schemas.openxmlformats.org/presentationml/2006/main">
+  <p:cSld>
+    <p:spTree>
+      <p:nvGrpSpPr>
+        <p:cNvPr id="1" name=""/>
+        <p:cNvGrpSpPr/>
+        <p:nvPr/>
+      </p:nvGrpSpPr>
+      <p:grpSpPr>
+        <a:xfrm>
+          <a:off x="0" y="0"/>
+          <a:ext cx="0" cy="0"/>
+          <a:chOff x="0" y="0"/>
+          <a:chExt cx="0" cy="0"/>
+        </a:xfrm>
+      </p:grpSpPr>
+      <p:sp>
+        <p:nvSpPr>
+          <p:cNvPr id="2" name="Title 1"/>
+          <p:cNvSpPr>
+            <a:spLocks noGrp="1"/>
+          </p:cNvSpPr>
+          <p:nvPr>
+            <p:ph type="title"/>
+          </p:nvPr>
+        </p:nvSpPr>
+        <p:spPr/>
+        <p:txBody>
+          <a:bodyPr/>
+          <a:lstStyle/>
+          <a:p>
+            <a:r>
+              <a:rPr lang="it-IT" dirty="0"/>
+              <a:t>HTML5 – input</a:t>
+            </a:r>
+          </a:p>
+        </p:txBody>
+      </p:sp>
+      <p:sp>
+        <p:nvSpPr>
+          <p:cNvPr id="4" name="Text Placeholder 3"/>
+          <p:cNvSpPr>
+            <a:spLocks noGrp="1"/>
+          </p:cNvSpPr>
+          <p:nvPr>
+            <p:ph type="body" sz="quarter" idx="10"/>
+          </p:nvPr>
+        </p:nvSpPr>
+        <p:spPr/>
+        <p:txBody>
+          <a:bodyPr/>
+          <a:lstStyle/>
+          <a:p>
+            <a:r>
+              <a:rPr lang="it-IT" dirty="0"/>
+              <a:t>Fondamenti di sviluppo web</a:t>
+            </a:r>
+          </a:p>
+          <a:p>
+            <a:endParaRPr lang="it-IT" dirty="0"/>
+          </a:p>
+        </p:txBody>
+      </p:sp>
+      <p:sp>
+        <p:nvSpPr>
+          <p:cNvPr id="5" name="Text Placeholder 2">
+            <a:extLst>
+              <a:ext uri="{FF2B5EF4-FFF2-40B4-BE49-F238E27FC236}">
+                <a16:creationId xmlns:a16="http://schemas.microsoft.com/office/drawing/2014/main" id="{C3912B27-202F-4857-A8C4-C7E5056703BF}"/>
+              </a:ext>
+            </a:extLst>
+          </p:cNvPr>
+          <p:cNvSpPr txBox="1">
+            <a:spLocks/>
+          </p:cNvSpPr>
+          <p:nvPr/>
+        </p:nvSpPr>
+        <p:spPr>
+          <a:xfrm>
+            <a:off x="565714" y="2272736"/>
+            <a:ext cx="11345870" cy="696016"/>
+          </a:xfrm>
+          <a:prstGeom prst="rect">
+            <a:avLst/>
+          </a:prstGeom>
+        </p:spPr>
+        <p:txBody>
+          <a:bodyPr vert="horz" lIns="91440" tIns="45720" rIns="91440" bIns="45720" rtlCol="0" anchor="t">
+            <a:normAutofit fontScale="40000" lnSpcReduction="20000"/>
+          </a:bodyPr>
+          <a:lstStyle>
+            <a:lvl1pPr marL="342900" indent="-342900" algn="l" defTabSz="914400" rtl="0" eaLnBrk="1" latinLnBrk="0" hangingPunct="1">
+              <a:lnSpc>
+                <a:spcPct val="90000"/>
+              </a:lnSpc>
+              <a:spcBef>
+                <a:spcPts val="1200"/>
+              </a:spcBef>
+              <a:spcAft>
+                <a:spcPts val="200"/>
+              </a:spcAft>
+              <a:buClr>
+                <a:schemeClr val="tx2"/>
+              </a:buClr>
+              <a:buFont typeface="Arial" panose="020B0604020202020204" pitchFamily="34" charset="0"/>
+              <a:buChar char="•"/>
+              <a:defRPr sz="2400" b="1" kern="1200" baseline="0">
+                <a:solidFill>
+                  <a:schemeClr val="tx2"/>
+                </a:solidFill>
+                <a:latin typeface="+mn-lt"/>
+                <a:ea typeface="+mn-ea"/>
+                <a:cs typeface="+mn-cs"/>
+              </a:defRPr>
+            </a:lvl1pPr>
+            <a:lvl2pPr marL="457200" indent="0" algn="l" defTabSz="914400" rtl="0" eaLnBrk="1" latinLnBrk="0" hangingPunct="1">
+              <a:lnSpc>
+                <a:spcPct val="90000"/>
+              </a:lnSpc>
+              <a:spcBef>
+                <a:spcPts val="200"/>
+              </a:spcBef>
+              <a:spcAft>
+                <a:spcPts val="400"/>
+              </a:spcAft>
+              <a:buClr>
+                <a:schemeClr val="bg1">
+                  <a:lumMod val="95000"/>
+                  <a:lumOff val="5000"/>
+                </a:schemeClr>
+              </a:buClr>
+              <a:buFont typeface="Wingdings" pitchFamily="2" charset="2"/>
+              <a:buNone/>
+              <a:defRPr sz="1800" kern="1200">
+                <a:solidFill>
+                  <a:schemeClr val="tx1">
+                    <a:tint val="75000"/>
+                  </a:schemeClr>
+                </a:solidFill>
+                <a:latin typeface="+mn-lt"/>
+                <a:ea typeface="+mn-ea"/>
+                <a:cs typeface="+mn-cs"/>
+              </a:defRPr>
+            </a:lvl2pPr>
+            <a:lvl3pPr marL="914400" indent="0" algn="l" defTabSz="914400" rtl="0" eaLnBrk="1" latinLnBrk="0" hangingPunct="1">
+              <a:lnSpc>
+                <a:spcPct val="90000"/>
+              </a:lnSpc>
+              <a:spcBef>
+                <a:spcPts val="200"/>
+              </a:spcBef>
+              <a:spcAft>
+                <a:spcPts val="400"/>
+              </a:spcAft>
+              <a:buClr>
+                <a:schemeClr val="bg1">
+                  <a:lumMod val="95000"/>
+                  <a:lumOff val="5000"/>
+                </a:schemeClr>
+              </a:buClr>
+              <a:buFont typeface="Wingdings" pitchFamily="2" charset="2"/>
+              <a:buNone/>
+              <a:defRPr sz="1600" kern="1200">
+                <a:solidFill>
+                  <a:schemeClr val="tx1">
+                    <a:tint val="75000"/>
+                  </a:schemeClr>
+                </a:solidFill>
+                <a:latin typeface="+mn-lt"/>
+                <a:ea typeface="+mn-ea"/>
+                <a:cs typeface="+mn-cs"/>
+              </a:defRPr>
+            </a:lvl3pPr>
+            <a:lvl4pPr marL="1371600" indent="0" algn="l" defTabSz="914400" rtl="0" eaLnBrk="1" latinLnBrk="0" hangingPunct="1">
+              <a:lnSpc>
+                <a:spcPct val="90000"/>
+              </a:lnSpc>
+              <a:spcBef>
+                <a:spcPts val="200"/>
+              </a:spcBef>
+              <a:spcAft>
+                <a:spcPts val="400"/>
+              </a:spcAft>
+              <a:buClr>
+                <a:schemeClr val="bg1">
+                  <a:lumMod val="95000"/>
+                  <a:lumOff val="5000"/>
+                </a:schemeClr>
+              </a:buClr>
+              <a:buFont typeface="Wingdings" pitchFamily="2" charset="2"/>
+              <a:buNone/>
+              <a:defRPr sz="1400" kern="1200">
+                <a:solidFill>
+                  <a:schemeClr val="tx1">
+                    <a:tint val="75000"/>
+                  </a:schemeClr>
+                </a:solidFill>
+                <a:latin typeface="+mn-lt"/>
+                <a:ea typeface="+mn-ea"/>
+                <a:cs typeface="+mn-cs"/>
+              </a:defRPr>
+            </a:lvl4pPr>
+            <a:lvl5pPr marL="1828800" indent="0" algn="l" defTabSz="914400" rtl="0" eaLnBrk="1" latinLnBrk="0" hangingPunct="1">
+              <a:lnSpc>
+                <a:spcPct val="90000"/>
+              </a:lnSpc>
+              <a:spcBef>
+                <a:spcPts val="200"/>
+              </a:spcBef>
+              <a:spcAft>
+                <a:spcPts val="400"/>
+              </a:spcAft>
+              <a:buClr>
+                <a:schemeClr val="bg1">
+                  <a:lumMod val="95000"/>
+                  <a:lumOff val="5000"/>
+                </a:schemeClr>
+              </a:buClr>
+              <a:buFont typeface="Wingdings" pitchFamily="2" charset="2"/>
+              <a:buNone/>
+              <a:defRPr sz="1400" kern="1200">
+                <a:solidFill>
+                  <a:schemeClr val="tx1">
+                    <a:tint val="75000"/>
+                  </a:schemeClr>
+                </a:solidFill>
+                <a:latin typeface="+mn-lt"/>
+                <a:ea typeface="+mn-ea"/>
+                <a:cs typeface="+mn-cs"/>
+              </a:defRPr>
+            </a:lvl5pPr>
+            <a:lvl6pPr marL="2286000" indent="0" algn="l" defTabSz="914400" rtl="0" eaLnBrk="1" latinLnBrk="0" hangingPunct="1">
+              <a:lnSpc>
+                <a:spcPct val="90000"/>
+              </a:lnSpc>
+              <a:spcBef>
+                <a:spcPts val="200"/>
+              </a:spcBef>
+              <a:spcAft>
+                <a:spcPts val="400"/>
+              </a:spcAft>
+              <a:buClr>
+                <a:schemeClr val="tx1"/>
+              </a:buClr>
+              <a:buFont typeface="Wingdings" pitchFamily="2" charset="2"/>
+              <a:buNone/>
+              <a:defRPr sz="1400" kern="1200">
+                <a:solidFill>
+                  <a:schemeClr val="tx1">
+                    <a:tint val="75000"/>
+                  </a:schemeClr>
+                </a:solidFill>
+                <a:latin typeface="+mn-lt"/>
+                <a:ea typeface="+mn-ea"/>
+                <a:cs typeface="+mn-cs"/>
+              </a:defRPr>
+            </a:lvl6pPr>
+            <a:lvl7pPr marL="2743200" indent="0" algn="l" defTabSz="914400" rtl="0" eaLnBrk="1" latinLnBrk="0" hangingPunct="1">
+              <a:lnSpc>
+                <a:spcPct val="90000"/>
+              </a:lnSpc>
+              <a:spcBef>
+                <a:spcPts val="200"/>
+              </a:spcBef>
+              <a:spcAft>
+                <a:spcPts val="400"/>
+              </a:spcAft>
+              <a:buClr>
+                <a:schemeClr val="tx1"/>
+              </a:buClr>
+              <a:buFont typeface="Wingdings" pitchFamily="2" charset="2"/>
+              <a:buNone/>
+              <a:defRPr sz="1400" kern="1200">
+                <a:solidFill>
+                  <a:schemeClr val="tx1">
+                    <a:tint val="75000"/>
+                  </a:schemeClr>
+                </a:solidFill>
+                <a:latin typeface="+mn-lt"/>
+                <a:ea typeface="+mn-ea"/>
+                <a:cs typeface="+mn-cs"/>
+              </a:defRPr>
+            </a:lvl7pPr>
+            <a:lvl8pPr marL="3200400" indent="0" algn="l" defTabSz="914400" rtl="0" eaLnBrk="1" latinLnBrk="0" hangingPunct="1">
+              <a:lnSpc>
+                <a:spcPct val="90000"/>
+              </a:lnSpc>
+              <a:spcBef>
+                <a:spcPts val="200"/>
+              </a:spcBef>
+              <a:spcAft>
+                <a:spcPts val="400"/>
+              </a:spcAft>
+              <a:buClr>
+                <a:schemeClr val="tx1"/>
+              </a:buClr>
+              <a:buFont typeface="Wingdings" pitchFamily="2" charset="2"/>
+              <a:buNone/>
+              <a:defRPr sz="1400" kern="1200">
+                <a:solidFill>
+                  <a:schemeClr val="tx1">
+                    <a:tint val="75000"/>
+                  </a:schemeClr>
+                </a:solidFill>
+                <a:latin typeface="+mn-lt"/>
+                <a:ea typeface="+mn-ea"/>
+                <a:cs typeface="+mn-cs"/>
+              </a:defRPr>
+            </a:lvl8pPr>
+            <a:lvl9pPr marL="3657600" indent="0" algn="l" defTabSz="914400" rtl="0" eaLnBrk="1" latinLnBrk="0" hangingPunct="1">
+              <a:lnSpc>
+                <a:spcPct val="90000"/>
+              </a:lnSpc>
+              <a:spcBef>
+                <a:spcPts val="200"/>
+              </a:spcBef>
+              <a:spcAft>
+                <a:spcPts val="400"/>
+              </a:spcAft>
+              <a:buClr>
+                <a:schemeClr val="tx1"/>
+              </a:buClr>
+              <a:buFont typeface="Wingdings" pitchFamily="2" charset="2"/>
+              <a:buNone/>
+              <a:defRPr sz="1400" kern="1200">
+                <a:solidFill>
+                  <a:schemeClr val="tx1">
+                    <a:tint val="75000"/>
+                  </a:schemeClr>
+                </a:solidFill>
+                <a:latin typeface="+mn-lt"/>
+                <a:ea typeface="+mn-ea"/>
+                <a:cs typeface="+mn-cs"/>
+              </a:defRPr>
+            </a:lvl9pPr>
+          </a:lstStyle>
+          <a:p>
+            <a:pPr marL="0" indent="0">
+              <a:buNone/>
+            </a:pPr>
+            <a:r>
+              <a:rPr lang="it-IT" sz="6000" b="0" dirty="0"/>
+              <a:t>Il </a:t>
+            </a:r>
+            <a:r>
+              <a:rPr lang="it-IT" sz="6000" b="0" dirty="0" err="1"/>
+              <a:t>tag</a:t>
+            </a:r>
+            <a:r>
+              <a:rPr lang="it-IT" sz="6000" b="0" dirty="0"/>
+              <a:t> </a:t>
+            </a:r>
+            <a:r>
+              <a:rPr lang="it-IT" sz="6000" dirty="0"/>
+              <a:t>input</a:t>
+            </a:r>
+            <a:r>
+              <a:rPr lang="it-IT" sz="6000" b="0" dirty="0"/>
+              <a:t> rappresenta un campo in cui l’utente può inserire dati.</a:t>
+            </a:r>
+            <a:br>
+              <a:rPr lang="it-IT" b="0" dirty="0"/>
+            </a:br>
+            <a:br>
+              <a:rPr lang="it-IT" dirty="0"/>
+            </a:br>
+            <a:br>
+              <a:rPr lang="en-US" b="0" dirty="0">
+                <a:solidFill>
+                  <a:srgbClr val="000000"/>
+                </a:solidFill>
+                <a:latin typeface="Consolas" panose="020B0609020204030204" pitchFamily="49" charset="0"/>
+              </a:rPr>
+            </a:br>
+            <a:r>
+              <a:rPr lang="en-US" b="0" dirty="0">
+                <a:solidFill>
+                  <a:srgbClr val="000000"/>
+                </a:solidFill>
+                <a:latin typeface="Consolas" panose="020B0609020204030204" pitchFamily="49" charset="0"/>
+              </a:rPr>
+              <a:t>									</a:t>
+            </a:r>
+          </a:p>
+        </p:txBody>
+      </p:sp>
+      <p:sp>
+        <p:nvSpPr>
+          <p:cNvPr id="7" name="CasellaDiTesto 6">
+            <a:extLst>
+              <a:ext uri="{FF2B5EF4-FFF2-40B4-BE49-F238E27FC236}">
+                <a16:creationId xmlns:a16="http://schemas.microsoft.com/office/drawing/2014/main" id="{7FAF89A7-A109-4189-8A28-4B0BD943F70F}"/>
+              </a:ext>
+            </a:extLst>
+          </p:cNvPr>
+          <p:cNvSpPr txBox="1"/>
+          <p:nvPr/>
+        </p:nvSpPr>
+        <p:spPr>
+          <a:xfrm>
+            <a:off x="565714" y="2883408"/>
+            <a:ext cx="11437310" cy="2215991"/>
+          </a:xfrm>
+          <a:prstGeom prst="rect">
+            <a:avLst/>
+          </a:prstGeom>
+          <a:noFill/>
+        </p:spPr>
+        <p:txBody>
+          <a:bodyPr wrap="square" rtlCol="0">
+            <a:spAutoFit/>
+          </a:bodyPr>
+          <a:lstStyle/>
+          <a:p>
+            <a:r>
+              <a:rPr lang="en-US" sz="2400" dirty="0">
+                <a:solidFill>
+                  <a:srgbClr val="0000CD"/>
+                </a:solidFill>
+                <a:latin typeface="Consolas" panose="020B0609020204030204" pitchFamily="49" charset="0"/>
+              </a:rPr>
+              <a:t>&lt;</a:t>
+            </a:r>
+            <a:r>
+              <a:rPr lang="en-US" sz="2400" dirty="0">
+                <a:solidFill>
+                  <a:srgbClr val="A52A2A"/>
+                </a:solidFill>
+                <a:latin typeface="Consolas" panose="020B0609020204030204" pitchFamily="49" charset="0"/>
+              </a:rPr>
+              <a:t>input</a:t>
+            </a:r>
+            <a:r>
+              <a:rPr lang="en-US" sz="2400" dirty="0">
+                <a:solidFill>
+                  <a:srgbClr val="FF0000"/>
+                </a:solidFill>
+                <a:latin typeface="Consolas" panose="020B0609020204030204" pitchFamily="49" charset="0"/>
+              </a:rPr>
+              <a:t> type</a:t>
+            </a:r>
+            <a:r>
+              <a:rPr lang="en-US" sz="2400" dirty="0">
+                <a:solidFill>
+                  <a:srgbClr val="0000CD"/>
+                </a:solidFill>
+                <a:latin typeface="Consolas" panose="020B0609020204030204" pitchFamily="49" charset="0"/>
+              </a:rPr>
+              <a:t>="text"</a:t>
+            </a:r>
+            <a:r>
+              <a:rPr lang="en-US" sz="2400" dirty="0">
+                <a:solidFill>
+                  <a:srgbClr val="FF0000"/>
+                </a:solidFill>
+                <a:latin typeface="Consolas" panose="020B0609020204030204" pitchFamily="49" charset="0"/>
+              </a:rPr>
+              <a:t> name</a:t>
+            </a:r>
+            <a:r>
+              <a:rPr lang="en-US" sz="2400" dirty="0">
+                <a:solidFill>
+                  <a:srgbClr val="0000CD"/>
+                </a:solidFill>
+                <a:latin typeface="Consolas" panose="020B0609020204030204" pitchFamily="49" charset="0"/>
+              </a:rPr>
+              <a:t>=“address"&gt;</a:t>
+            </a:r>
+            <a:br>
+              <a:rPr lang="it-IT" sz="2400" dirty="0">
+                <a:solidFill>
+                  <a:srgbClr val="0000CD"/>
+                </a:solidFill>
+                <a:latin typeface="Consolas" panose="020B0609020204030204" pitchFamily="49" charset="0"/>
+              </a:rPr>
+            </a:br>
+            <a:endParaRPr lang="it-IT" dirty="0"/>
+          </a:p>
+          <a:p>
+            <a:r>
+              <a:rPr lang="it-IT" sz="2400" dirty="0">
+                <a:solidFill>
+                  <a:schemeClr val="tx2"/>
+                </a:solidFill>
+              </a:rPr>
+              <a:t>Ci sono vari tipi di </a:t>
+            </a:r>
+            <a:r>
+              <a:rPr lang="it-IT" sz="2400" b="1" dirty="0">
+                <a:solidFill>
+                  <a:schemeClr val="tx2"/>
+                </a:solidFill>
+              </a:rPr>
+              <a:t>input</a:t>
+            </a:r>
+            <a:r>
+              <a:rPr lang="it-IT" sz="2400" dirty="0">
+                <a:solidFill>
+                  <a:schemeClr val="tx2"/>
+                </a:solidFill>
+              </a:rPr>
+              <a:t>, per specificare il tipo di input che intendiamo aggiungere al documento dobbiamo utilizzare l’attributo </a:t>
+            </a:r>
+            <a:r>
+              <a:rPr lang="it-IT" sz="2400" b="1" dirty="0" err="1">
+                <a:solidFill>
+                  <a:schemeClr val="tx2"/>
+                </a:solidFill>
+              </a:rPr>
+              <a:t>type</a:t>
+            </a:r>
+            <a:r>
+              <a:rPr lang="it-IT" sz="2400" dirty="0">
+                <a:solidFill>
+                  <a:schemeClr val="tx2"/>
+                </a:solidFill>
+              </a:rPr>
+              <a:t>.</a:t>
+            </a:r>
+            <a:br>
+              <a:rPr lang="it-IT" sz="2400" dirty="0">
+                <a:solidFill>
+                  <a:schemeClr val="tx2"/>
+                </a:solidFill>
+              </a:rPr>
+            </a:br>
+            <a:br>
+              <a:rPr lang="it-IT" sz="2400" dirty="0">
+                <a:solidFill>
+                  <a:schemeClr val="tx2"/>
+                </a:solidFill>
+              </a:rPr>
+            </a:br>
+            <a:r>
+              <a:rPr lang="it-IT" sz="2400" dirty="0">
+                <a:solidFill>
+                  <a:schemeClr val="tx2"/>
+                </a:solidFill>
+              </a:rPr>
+              <a:t>Analizzeremo i tipi di </a:t>
+            </a:r>
+            <a:r>
+              <a:rPr lang="it-IT" sz="2400" b="1" dirty="0">
+                <a:solidFill>
+                  <a:schemeClr val="tx2"/>
+                </a:solidFill>
+              </a:rPr>
+              <a:t>input</a:t>
+            </a:r>
+            <a:r>
+              <a:rPr lang="it-IT" sz="2400" dirty="0">
+                <a:solidFill>
+                  <a:schemeClr val="tx2"/>
+                </a:solidFill>
+              </a:rPr>
+              <a:t> più utilizzati ed alcune novità introdotte in HTML5.</a:t>
+            </a:r>
+            <a:endParaRPr lang="it-IT" sz="2400" b="1" i="1" dirty="0">
+              <a:solidFill>
+                <a:schemeClr val="tx2"/>
+              </a:solidFill>
+            </a:endParaRPr>
+          </a:p>
+        </p:txBody>
+      </p:sp>
+    </p:spTree>
+    <p:extLst>
+      <p:ext uri="{BB962C8B-B14F-4D97-AF65-F5344CB8AC3E}">
+        <p14:creationId xmlns:p14="http://schemas.microsoft.com/office/powerpoint/2010/main" val="129479309"/>
+      </p:ext>
+    </p:extLst>
+  </p:cSld>
+  <p:clrMapOvr>
+    <a:masterClrMapping/>
+  </p:clrMapOvr>
+</p:sld>
+</file>
+
+<file path=ppt/slides/slide53.xml><?xml version="1.0" encoding="utf-8"?>
+<p:sld xmlns:a="http://schemas.openxmlformats.org/drawingml/2006/main" xmlns:r="http://schemas.openxmlformats.org/officeDocument/2006/relationships" xmlns:p="http://schemas.openxmlformats.org/presentationml/2006/main">
+  <p:cSld>
+    <p:spTree>
+      <p:nvGrpSpPr>
+        <p:cNvPr id="1" name=""/>
+        <p:cNvGrpSpPr/>
+        <p:nvPr/>
+      </p:nvGrpSpPr>
+      <p:grpSpPr>
+        <a:xfrm>
+          <a:off x="0" y="0"/>
+          <a:ext cx="0" cy="0"/>
+          <a:chOff x="0" y="0"/>
+          <a:chExt cx="0" cy="0"/>
+        </a:xfrm>
+      </p:grpSpPr>
+      <p:sp>
+        <p:nvSpPr>
+          <p:cNvPr id="2" name="Title 1"/>
+          <p:cNvSpPr>
+            <a:spLocks noGrp="1"/>
+          </p:cNvSpPr>
+          <p:nvPr>
+            <p:ph type="title"/>
+          </p:nvPr>
+        </p:nvSpPr>
+        <p:spPr/>
+        <p:txBody>
+          <a:bodyPr/>
+          <a:lstStyle/>
+          <a:p>
+            <a:r>
+              <a:rPr lang="it-IT" dirty="0"/>
+              <a:t>HTML5 – text input</a:t>
+            </a:r>
+          </a:p>
+        </p:txBody>
+      </p:sp>
+      <p:sp>
+        <p:nvSpPr>
+          <p:cNvPr id="4" name="Text Placeholder 3"/>
+          <p:cNvSpPr>
+            <a:spLocks noGrp="1"/>
+          </p:cNvSpPr>
+          <p:nvPr>
+            <p:ph type="body" sz="quarter" idx="10"/>
+          </p:nvPr>
+        </p:nvSpPr>
+        <p:spPr/>
+        <p:txBody>
+          <a:bodyPr/>
+          <a:lstStyle/>
+          <a:p>
+            <a:r>
+              <a:rPr lang="it-IT" dirty="0"/>
+              <a:t>Fondamenti di sviluppo web</a:t>
+            </a:r>
+          </a:p>
+          <a:p>
+            <a:endParaRPr lang="it-IT" dirty="0"/>
+          </a:p>
+        </p:txBody>
+      </p:sp>
+      <p:sp>
+        <p:nvSpPr>
+          <p:cNvPr id="5" name="Text Placeholder 2">
+            <a:extLst>
+              <a:ext uri="{FF2B5EF4-FFF2-40B4-BE49-F238E27FC236}">
+                <a16:creationId xmlns:a16="http://schemas.microsoft.com/office/drawing/2014/main" id="{C3912B27-202F-4857-A8C4-C7E5056703BF}"/>
+              </a:ext>
+            </a:extLst>
+          </p:cNvPr>
+          <p:cNvSpPr txBox="1">
+            <a:spLocks/>
+          </p:cNvSpPr>
+          <p:nvPr/>
+        </p:nvSpPr>
+        <p:spPr>
+          <a:xfrm>
+            <a:off x="565714" y="2272736"/>
+            <a:ext cx="11345870" cy="696016"/>
+          </a:xfrm>
+          <a:prstGeom prst="rect">
+            <a:avLst/>
+          </a:prstGeom>
+        </p:spPr>
+        <p:txBody>
+          <a:bodyPr vert="horz" lIns="91440" tIns="45720" rIns="91440" bIns="45720" rtlCol="0" anchor="t">
+            <a:normAutofit fontScale="40000" lnSpcReduction="20000"/>
+          </a:bodyPr>
+          <a:lstStyle>
+            <a:lvl1pPr marL="342900" indent="-342900" algn="l" defTabSz="914400" rtl="0" eaLnBrk="1" latinLnBrk="0" hangingPunct="1">
+              <a:lnSpc>
+                <a:spcPct val="90000"/>
+              </a:lnSpc>
+              <a:spcBef>
+                <a:spcPts val="1200"/>
+              </a:spcBef>
+              <a:spcAft>
+                <a:spcPts val="200"/>
+              </a:spcAft>
+              <a:buClr>
+                <a:schemeClr val="tx2"/>
+              </a:buClr>
+              <a:buFont typeface="Arial" panose="020B0604020202020204" pitchFamily="34" charset="0"/>
+              <a:buChar char="•"/>
+              <a:defRPr sz="2400" b="1" kern="1200" baseline="0">
+                <a:solidFill>
+                  <a:schemeClr val="tx2"/>
+                </a:solidFill>
+                <a:latin typeface="+mn-lt"/>
+                <a:ea typeface="+mn-ea"/>
+                <a:cs typeface="+mn-cs"/>
+              </a:defRPr>
+            </a:lvl1pPr>
+            <a:lvl2pPr marL="457200" indent="0" algn="l" defTabSz="914400" rtl="0" eaLnBrk="1" latinLnBrk="0" hangingPunct="1">
+              <a:lnSpc>
+                <a:spcPct val="90000"/>
+              </a:lnSpc>
+              <a:spcBef>
+                <a:spcPts val="200"/>
+              </a:spcBef>
+              <a:spcAft>
+                <a:spcPts val="400"/>
+              </a:spcAft>
+              <a:buClr>
+                <a:schemeClr val="bg1">
+                  <a:lumMod val="95000"/>
+                  <a:lumOff val="5000"/>
+                </a:schemeClr>
+              </a:buClr>
+              <a:buFont typeface="Wingdings" pitchFamily="2" charset="2"/>
+              <a:buNone/>
+              <a:defRPr sz="1800" kern="1200">
+                <a:solidFill>
+                  <a:schemeClr val="tx1">
+                    <a:tint val="75000"/>
+                  </a:schemeClr>
+                </a:solidFill>
+                <a:latin typeface="+mn-lt"/>
+                <a:ea typeface="+mn-ea"/>
+                <a:cs typeface="+mn-cs"/>
+              </a:defRPr>
+            </a:lvl2pPr>
+            <a:lvl3pPr marL="914400" indent="0" algn="l" defTabSz="914400" rtl="0" eaLnBrk="1" latinLnBrk="0" hangingPunct="1">
+              <a:lnSpc>
+                <a:spcPct val="90000"/>
+              </a:lnSpc>
+              <a:spcBef>
+                <a:spcPts val="200"/>
+              </a:spcBef>
+              <a:spcAft>
+                <a:spcPts val="400"/>
+              </a:spcAft>
+              <a:buClr>
+                <a:schemeClr val="bg1">
+                  <a:lumMod val="95000"/>
+                  <a:lumOff val="5000"/>
+                </a:schemeClr>
+              </a:buClr>
+              <a:buFont typeface="Wingdings" pitchFamily="2" charset="2"/>
+              <a:buNone/>
+              <a:defRPr sz="1600" kern="1200">
+                <a:solidFill>
+                  <a:schemeClr val="tx1">
+                    <a:tint val="75000"/>
+                  </a:schemeClr>
+                </a:solidFill>
+                <a:latin typeface="+mn-lt"/>
+                <a:ea typeface="+mn-ea"/>
+                <a:cs typeface="+mn-cs"/>
+              </a:defRPr>
+            </a:lvl3pPr>
+            <a:lvl4pPr marL="1371600" indent="0" algn="l" defTabSz="914400" rtl="0" eaLnBrk="1" latinLnBrk="0" hangingPunct="1">
+              <a:lnSpc>
+                <a:spcPct val="90000"/>
+              </a:lnSpc>
+              <a:spcBef>
+                <a:spcPts val="200"/>
+              </a:spcBef>
+              <a:spcAft>
+                <a:spcPts val="400"/>
+              </a:spcAft>
+              <a:buClr>
+                <a:schemeClr val="bg1">
+                  <a:lumMod val="95000"/>
+                  <a:lumOff val="5000"/>
+                </a:schemeClr>
+              </a:buClr>
+              <a:buFont typeface="Wingdings" pitchFamily="2" charset="2"/>
+              <a:buNone/>
+              <a:defRPr sz="1400" kern="1200">
+                <a:solidFill>
+                  <a:schemeClr val="tx1">
+                    <a:tint val="75000"/>
+                  </a:schemeClr>
+                </a:solidFill>
+                <a:latin typeface="+mn-lt"/>
+                <a:ea typeface="+mn-ea"/>
+                <a:cs typeface="+mn-cs"/>
+              </a:defRPr>
+            </a:lvl4pPr>
+            <a:lvl5pPr marL="1828800" indent="0" algn="l" defTabSz="914400" rtl="0" eaLnBrk="1" latinLnBrk="0" hangingPunct="1">
+              <a:lnSpc>
+                <a:spcPct val="90000"/>
+              </a:lnSpc>
+              <a:spcBef>
+                <a:spcPts val="200"/>
+              </a:spcBef>
+              <a:spcAft>
+                <a:spcPts val="400"/>
+              </a:spcAft>
+              <a:buClr>
+                <a:schemeClr val="bg1">
+                  <a:lumMod val="95000"/>
+                  <a:lumOff val="5000"/>
+                </a:schemeClr>
+              </a:buClr>
+              <a:buFont typeface="Wingdings" pitchFamily="2" charset="2"/>
+              <a:buNone/>
+              <a:defRPr sz="1400" kern="1200">
+                <a:solidFill>
+                  <a:schemeClr val="tx1">
+                    <a:tint val="75000"/>
+                  </a:schemeClr>
+                </a:solidFill>
+                <a:latin typeface="+mn-lt"/>
+                <a:ea typeface="+mn-ea"/>
+                <a:cs typeface="+mn-cs"/>
+              </a:defRPr>
+            </a:lvl5pPr>
+            <a:lvl6pPr marL="2286000" indent="0" algn="l" defTabSz="914400" rtl="0" eaLnBrk="1" latinLnBrk="0" hangingPunct="1">
+              <a:lnSpc>
+                <a:spcPct val="90000"/>
+              </a:lnSpc>
+              <a:spcBef>
+                <a:spcPts val="200"/>
+              </a:spcBef>
+              <a:spcAft>
+                <a:spcPts val="400"/>
+              </a:spcAft>
+              <a:buClr>
+                <a:schemeClr val="tx1"/>
+              </a:buClr>
+              <a:buFont typeface="Wingdings" pitchFamily="2" charset="2"/>
+              <a:buNone/>
+              <a:defRPr sz="1400" kern="1200">
+                <a:solidFill>
+                  <a:schemeClr val="tx1">
+                    <a:tint val="75000"/>
+                  </a:schemeClr>
+                </a:solidFill>
+                <a:latin typeface="+mn-lt"/>
+                <a:ea typeface="+mn-ea"/>
+                <a:cs typeface="+mn-cs"/>
+              </a:defRPr>
+            </a:lvl6pPr>
+            <a:lvl7pPr marL="2743200" indent="0" algn="l" defTabSz="914400" rtl="0" eaLnBrk="1" latinLnBrk="0" hangingPunct="1">
+              <a:lnSpc>
+                <a:spcPct val="90000"/>
+              </a:lnSpc>
+              <a:spcBef>
+                <a:spcPts val="200"/>
+              </a:spcBef>
+              <a:spcAft>
+                <a:spcPts val="400"/>
+              </a:spcAft>
+              <a:buClr>
+                <a:schemeClr val="tx1"/>
+              </a:buClr>
+              <a:buFont typeface="Wingdings" pitchFamily="2" charset="2"/>
+              <a:buNone/>
+              <a:defRPr sz="1400" kern="1200">
+                <a:solidFill>
+                  <a:schemeClr val="tx1">
+                    <a:tint val="75000"/>
+                  </a:schemeClr>
+                </a:solidFill>
+                <a:latin typeface="+mn-lt"/>
+                <a:ea typeface="+mn-ea"/>
+                <a:cs typeface="+mn-cs"/>
+              </a:defRPr>
+            </a:lvl7pPr>
+            <a:lvl8pPr marL="3200400" indent="0" algn="l" defTabSz="914400" rtl="0" eaLnBrk="1" latinLnBrk="0" hangingPunct="1">
+              <a:lnSpc>
+                <a:spcPct val="90000"/>
+              </a:lnSpc>
+              <a:spcBef>
+                <a:spcPts val="200"/>
+              </a:spcBef>
+              <a:spcAft>
+                <a:spcPts val="400"/>
+              </a:spcAft>
+              <a:buClr>
+                <a:schemeClr val="tx1"/>
+              </a:buClr>
+              <a:buFont typeface="Wingdings" pitchFamily="2" charset="2"/>
+              <a:buNone/>
+              <a:defRPr sz="1400" kern="1200">
+                <a:solidFill>
+                  <a:schemeClr val="tx1">
+                    <a:tint val="75000"/>
+                  </a:schemeClr>
+                </a:solidFill>
+                <a:latin typeface="+mn-lt"/>
+                <a:ea typeface="+mn-ea"/>
+                <a:cs typeface="+mn-cs"/>
+              </a:defRPr>
+            </a:lvl8pPr>
+            <a:lvl9pPr marL="3657600" indent="0" algn="l" defTabSz="914400" rtl="0" eaLnBrk="1" latinLnBrk="0" hangingPunct="1">
+              <a:lnSpc>
+                <a:spcPct val="90000"/>
+              </a:lnSpc>
+              <a:spcBef>
+                <a:spcPts val="200"/>
+              </a:spcBef>
+              <a:spcAft>
+                <a:spcPts val="400"/>
+              </a:spcAft>
+              <a:buClr>
+                <a:schemeClr val="tx1"/>
+              </a:buClr>
+              <a:buFont typeface="Wingdings" pitchFamily="2" charset="2"/>
+              <a:buNone/>
+              <a:defRPr sz="1400" kern="1200">
+                <a:solidFill>
+                  <a:schemeClr val="tx1">
+                    <a:tint val="75000"/>
+                  </a:schemeClr>
+                </a:solidFill>
+                <a:latin typeface="+mn-lt"/>
+                <a:ea typeface="+mn-ea"/>
+                <a:cs typeface="+mn-cs"/>
+              </a:defRPr>
+            </a:lvl9pPr>
+          </a:lstStyle>
+          <a:p>
+            <a:pPr marL="0" indent="0">
+              <a:buNone/>
+            </a:pPr>
+            <a:r>
+              <a:rPr lang="it-IT" sz="6000" b="0" dirty="0"/>
+              <a:t>Questo tipo di </a:t>
+            </a:r>
+            <a:r>
+              <a:rPr lang="it-IT" sz="6000" dirty="0"/>
+              <a:t>input</a:t>
+            </a:r>
+            <a:r>
+              <a:rPr lang="it-IT" sz="6000" b="0" dirty="0"/>
+              <a:t> rappresenta un campo in cui è possibile inserire una riga di testo.</a:t>
+            </a:r>
+            <a:br>
+              <a:rPr lang="en-US" b="0" dirty="0">
+                <a:solidFill>
+                  <a:srgbClr val="000000"/>
+                </a:solidFill>
+                <a:latin typeface="Consolas" panose="020B0609020204030204" pitchFamily="49" charset="0"/>
+              </a:rPr>
+            </a:br>
+            <a:r>
+              <a:rPr lang="en-US" b="0" dirty="0">
+                <a:solidFill>
+                  <a:srgbClr val="000000"/>
+                </a:solidFill>
+                <a:latin typeface="Consolas" panose="020B0609020204030204" pitchFamily="49" charset="0"/>
+              </a:rPr>
+              <a:t>									</a:t>
+            </a:r>
+          </a:p>
+        </p:txBody>
+      </p:sp>
+      <p:sp>
+        <p:nvSpPr>
+          <p:cNvPr id="7" name="CasellaDiTesto 6">
+            <a:extLst>
+              <a:ext uri="{FF2B5EF4-FFF2-40B4-BE49-F238E27FC236}">
+                <a16:creationId xmlns:a16="http://schemas.microsoft.com/office/drawing/2014/main" id="{7FAF89A7-A109-4189-8A28-4B0BD943F70F}"/>
+              </a:ext>
+            </a:extLst>
+          </p:cNvPr>
+          <p:cNvSpPr txBox="1"/>
+          <p:nvPr/>
+        </p:nvSpPr>
+        <p:spPr>
+          <a:xfrm>
+            <a:off x="565714" y="2968752"/>
+            <a:ext cx="11437310" cy="738664"/>
+          </a:xfrm>
+          <a:prstGeom prst="rect">
+            <a:avLst/>
+          </a:prstGeom>
+          <a:noFill/>
+        </p:spPr>
+        <p:txBody>
+          <a:bodyPr wrap="square" rtlCol="0">
+            <a:spAutoFit/>
+          </a:bodyPr>
+          <a:lstStyle/>
+          <a:p>
+            <a:r>
+              <a:rPr lang="en-US" sz="2400" dirty="0">
+                <a:solidFill>
+                  <a:srgbClr val="0000CD"/>
+                </a:solidFill>
+                <a:latin typeface="Consolas" panose="020B0609020204030204" pitchFamily="49" charset="0"/>
+              </a:rPr>
+              <a:t>&lt;</a:t>
+            </a:r>
+            <a:r>
+              <a:rPr lang="en-US" sz="2400" dirty="0">
+                <a:solidFill>
+                  <a:srgbClr val="A52A2A"/>
+                </a:solidFill>
+                <a:latin typeface="Consolas" panose="020B0609020204030204" pitchFamily="49" charset="0"/>
+              </a:rPr>
+              <a:t>input</a:t>
+            </a:r>
+            <a:r>
+              <a:rPr lang="en-US" sz="2400" dirty="0">
+                <a:solidFill>
+                  <a:srgbClr val="FF0000"/>
+                </a:solidFill>
+                <a:latin typeface="Consolas" panose="020B0609020204030204" pitchFamily="49" charset="0"/>
+              </a:rPr>
+              <a:t> type</a:t>
+            </a:r>
+            <a:r>
+              <a:rPr lang="en-US" sz="2400" dirty="0">
+                <a:solidFill>
+                  <a:srgbClr val="0000CD"/>
+                </a:solidFill>
+                <a:latin typeface="Consolas" panose="020B0609020204030204" pitchFamily="49" charset="0"/>
+              </a:rPr>
+              <a:t>="text"</a:t>
+            </a:r>
+            <a:r>
+              <a:rPr lang="en-US" sz="2400" dirty="0">
+                <a:solidFill>
+                  <a:srgbClr val="FF0000"/>
+                </a:solidFill>
+                <a:latin typeface="Consolas" panose="020B0609020204030204" pitchFamily="49" charset="0"/>
+              </a:rPr>
+              <a:t> name</a:t>
+            </a:r>
+            <a:r>
+              <a:rPr lang="en-US" sz="2400" dirty="0">
+                <a:solidFill>
+                  <a:srgbClr val="0000CD"/>
+                </a:solidFill>
+                <a:latin typeface="Consolas" panose="020B0609020204030204" pitchFamily="49" charset="0"/>
+              </a:rPr>
+              <a:t>="</a:t>
+            </a:r>
+            <a:r>
+              <a:rPr lang="en-US" sz="2400" dirty="0" err="1">
+                <a:solidFill>
+                  <a:srgbClr val="0000CD"/>
+                </a:solidFill>
+                <a:latin typeface="Consolas" panose="020B0609020204030204" pitchFamily="49" charset="0"/>
+              </a:rPr>
+              <a:t>firstname</a:t>
+            </a:r>
+            <a:r>
+              <a:rPr lang="en-US" sz="2400" dirty="0">
+                <a:solidFill>
+                  <a:srgbClr val="0000CD"/>
+                </a:solidFill>
+                <a:latin typeface="Consolas" panose="020B0609020204030204" pitchFamily="49" charset="0"/>
+              </a:rPr>
+              <a:t>"&gt;</a:t>
+            </a:r>
+            <a:br>
+              <a:rPr lang="it-IT" sz="2400" dirty="0">
+                <a:solidFill>
+                  <a:srgbClr val="0000CD"/>
+                </a:solidFill>
+                <a:latin typeface="Consolas" panose="020B0609020204030204" pitchFamily="49" charset="0"/>
+              </a:rPr>
+            </a:br>
+            <a:endParaRPr lang="it-IT" dirty="0"/>
+          </a:p>
+        </p:txBody>
+      </p:sp>
+      <p:sp>
+        <p:nvSpPr>
+          <p:cNvPr id="3" name="Rettangolo 2">
+            <a:extLst>
+              <a:ext uri="{FF2B5EF4-FFF2-40B4-BE49-F238E27FC236}">
+                <a16:creationId xmlns:a16="http://schemas.microsoft.com/office/drawing/2014/main" id="{70EC6569-2C09-428C-90A0-ABFBF4E31FDE}"/>
+              </a:ext>
+            </a:extLst>
+          </p:cNvPr>
+          <p:cNvSpPr/>
+          <p:nvPr/>
+        </p:nvSpPr>
+        <p:spPr>
+          <a:xfrm>
+            <a:off x="565714" y="3884961"/>
+            <a:ext cx="1694282" cy="461665"/>
+          </a:xfrm>
+          <a:prstGeom prst="rect">
+            <a:avLst/>
+          </a:prstGeom>
+        </p:spPr>
+        <p:txBody>
+          <a:bodyPr wrap="square">
+            <a:spAutoFit/>
+          </a:bodyPr>
+          <a:lstStyle/>
+          <a:p>
+            <a:r>
+              <a:rPr lang="it-IT" sz="2400" dirty="0">
+                <a:hlinkClick r:id="rId2"/>
+              </a:rPr>
+              <a:t>Live demo</a:t>
+            </a:r>
+            <a:endParaRPr lang="en-US" sz="2400" dirty="0">
+              <a:solidFill>
+                <a:srgbClr val="0000CD"/>
+              </a:solidFill>
+              <a:latin typeface="Consolas" panose="020B0609020204030204" pitchFamily="49" charset="0"/>
+            </a:endParaRPr>
+          </a:p>
+        </p:txBody>
+      </p:sp>
+    </p:spTree>
+    <p:extLst>
+      <p:ext uri="{BB962C8B-B14F-4D97-AF65-F5344CB8AC3E}">
+        <p14:creationId xmlns:p14="http://schemas.microsoft.com/office/powerpoint/2010/main" val="4274209385"/>
+      </p:ext>
+    </p:extLst>
+  </p:cSld>
+  <p:clrMapOvr>
+    <a:masterClrMapping/>
+  </p:clrMapOvr>
+</p:sld>
+</file>
+
+<file path=ppt/slides/slide54.xml><?xml version="1.0" encoding="utf-8"?>
+<p:sld xmlns:a="http://schemas.openxmlformats.org/drawingml/2006/main" xmlns:r="http://schemas.openxmlformats.org/officeDocument/2006/relationships" xmlns:p="http://schemas.openxmlformats.org/presentationml/2006/main">
+  <p:cSld>
+    <p:spTree>
+      <p:nvGrpSpPr>
+        <p:cNvPr id="1" name=""/>
+        <p:cNvGrpSpPr/>
+        <p:nvPr/>
+      </p:nvGrpSpPr>
+      <p:grpSpPr>
+        <a:xfrm>
+          <a:off x="0" y="0"/>
+          <a:ext cx="0" cy="0"/>
+          <a:chOff x="0" y="0"/>
+          <a:chExt cx="0" cy="0"/>
+        </a:xfrm>
+      </p:grpSpPr>
+      <p:sp>
+        <p:nvSpPr>
+          <p:cNvPr id="2" name="Title 1"/>
+          <p:cNvSpPr>
+            <a:spLocks noGrp="1"/>
+          </p:cNvSpPr>
+          <p:nvPr>
+            <p:ph type="title"/>
+          </p:nvPr>
+        </p:nvSpPr>
+        <p:spPr/>
+        <p:txBody>
+          <a:bodyPr/>
+          <a:lstStyle/>
+          <a:p>
+            <a:r>
+              <a:rPr lang="it-IT" dirty="0"/>
+              <a:t>HTML5 – password input</a:t>
+            </a:r>
+          </a:p>
+        </p:txBody>
+      </p:sp>
+      <p:sp>
+        <p:nvSpPr>
+          <p:cNvPr id="4" name="Text Placeholder 3"/>
+          <p:cNvSpPr>
+            <a:spLocks noGrp="1"/>
+          </p:cNvSpPr>
+          <p:nvPr>
+            <p:ph type="body" sz="quarter" idx="10"/>
+          </p:nvPr>
+        </p:nvSpPr>
+        <p:spPr/>
+        <p:txBody>
+          <a:bodyPr/>
+          <a:lstStyle/>
+          <a:p>
+            <a:r>
+              <a:rPr lang="it-IT" dirty="0"/>
+              <a:t>Fondamenti di sviluppo web</a:t>
+            </a:r>
+          </a:p>
+          <a:p>
+            <a:endParaRPr lang="it-IT" dirty="0"/>
+          </a:p>
+        </p:txBody>
+      </p:sp>
+      <p:sp>
+        <p:nvSpPr>
+          <p:cNvPr id="5" name="Text Placeholder 2">
+            <a:extLst>
+              <a:ext uri="{FF2B5EF4-FFF2-40B4-BE49-F238E27FC236}">
+                <a16:creationId xmlns:a16="http://schemas.microsoft.com/office/drawing/2014/main" id="{C3912B27-202F-4857-A8C4-C7E5056703BF}"/>
+              </a:ext>
+            </a:extLst>
+          </p:cNvPr>
+          <p:cNvSpPr txBox="1">
+            <a:spLocks/>
+          </p:cNvSpPr>
+          <p:nvPr/>
+        </p:nvSpPr>
+        <p:spPr>
+          <a:xfrm>
+            <a:off x="565714" y="2272736"/>
+            <a:ext cx="11345870" cy="696016"/>
+          </a:xfrm>
+          <a:prstGeom prst="rect">
+            <a:avLst/>
+          </a:prstGeom>
+        </p:spPr>
+        <p:txBody>
+          <a:bodyPr vert="horz" lIns="91440" tIns="45720" rIns="91440" bIns="45720" rtlCol="0" anchor="t">
+            <a:normAutofit fontScale="40000" lnSpcReduction="20000"/>
+          </a:bodyPr>
+          <a:lstStyle>
+            <a:lvl1pPr marL="342900" indent="-342900" algn="l" defTabSz="914400" rtl="0" eaLnBrk="1" latinLnBrk="0" hangingPunct="1">
+              <a:lnSpc>
+                <a:spcPct val="90000"/>
+              </a:lnSpc>
+              <a:spcBef>
+                <a:spcPts val="1200"/>
+              </a:spcBef>
+              <a:spcAft>
+                <a:spcPts val="200"/>
+              </a:spcAft>
+              <a:buClr>
+                <a:schemeClr val="tx2"/>
+              </a:buClr>
+              <a:buFont typeface="Arial" panose="020B0604020202020204" pitchFamily="34" charset="0"/>
+              <a:buChar char="•"/>
+              <a:defRPr sz="2400" b="1" kern="1200" baseline="0">
+                <a:solidFill>
+                  <a:schemeClr val="tx2"/>
+                </a:solidFill>
+                <a:latin typeface="+mn-lt"/>
+                <a:ea typeface="+mn-ea"/>
+                <a:cs typeface="+mn-cs"/>
+              </a:defRPr>
+            </a:lvl1pPr>
+            <a:lvl2pPr marL="457200" indent="0" algn="l" defTabSz="914400" rtl="0" eaLnBrk="1" latinLnBrk="0" hangingPunct="1">
+              <a:lnSpc>
+                <a:spcPct val="90000"/>
+              </a:lnSpc>
+              <a:spcBef>
+                <a:spcPts val="200"/>
+              </a:spcBef>
+              <a:spcAft>
+                <a:spcPts val="400"/>
+              </a:spcAft>
+              <a:buClr>
+                <a:schemeClr val="bg1">
+                  <a:lumMod val="95000"/>
+                  <a:lumOff val="5000"/>
+                </a:schemeClr>
+              </a:buClr>
+              <a:buFont typeface="Wingdings" pitchFamily="2" charset="2"/>
+              <a:buNone/>
+              <a:defRPr sz="1800" kern="1200">
+                <a:solidFill>
+                  <a:schemeClr val="tx1">
+                    <a:tint val="75000"/>
+                  </a:schemeClr>
+                </a:solidFill>
+                <a:latin typeface="+mn-lt"/>
+                <a:ea typeface="+mn-ea"/>
+                <a:cs typeface="+mn-cs"/>
+              </a:defRPr>
+            </a:lvl2pPr>
+            <a:lvl3pPr marL="914400" indent="0" algn="l" defTabSz="914400" rtl="0" eaLnBrk="1" latinLnBrk="0" hangingPunct="1">
+              <a:lnSpc>
+                <a:spcPct val="90000"/>
+              </a:lnSpc>
+              <a:spcBef>
+                <a:spcPts val="200"/>
+              </a:spcBef>
+              <a:spcAft>
+                <a:spcPts val="400"/>
+              </a:spcAft>
+              <a:buClr>
+                <a:schemeClr val="bg1">
+                  <a:lumMod val="95000"/>
+                  <a:lumOff val="5000"/>
+                </a:schemeClr>
+              </a:buClr>
+              <a:buFont typeface="Wingdings" pitchFamily="2" charset="2"/>
+              <a:buNone/>
+              <a:defRPr sz="1600" kern="1200">
+                <a:solidFill>
+                  <a:schemeClr val="tx1">
+                    <a:tint val="75000"/>
+                  </a:schemeClr>
+                </a:solidFill>
+                <a:latin typeface="+mn-lt"/>
+                <a:ea typeface="+mn-ea"/>
+                <a:cs typeface="+mn-cs"/>
+              </a:defRPr>
+            </a:lvl3pPr>
+            <a:lvl4pPr marL="1371600" indent="0" algn="l" defTabSz="914400" rtl="0" eaLnBrk="1" latinLnBrk="0" hangingPunct="1">
+              <a:lnSpc>
+                <a:spcPct val="90000"/>
+              </a:lnSpc>
+              <a:spcBef>
+                <a:spcPts val="200"/>
+              </a:spcBef>
+              <a:spcAft>
+                <a:spcPts val="400"/>
+              </a:spcAft>
+              <a:buClr>
+                <a:schemeClr val="bg1">
+                  <a:lumMod val="95000"/>
+                  <a:lumOff val="5000"/>
+                </a:schemeClr>
+              </a:buClr>
+              <a:buFont typeface="Wingdings" pitchFamily="2" charset="2"/>
+              <a:buNone/>
+              <a:defRPr sz="1400" kern="1200">
+                <a:solidFill>
+                  <a:schemeClr val="tx1">
+                    <a:tint val="75000"/>
+                  </a:schemeClr>
+                </a:solidFill>
+                <a:latin typeface="+mn-lt"/>
+                <a:ea typeface="+mn-ea"/>
+                <a:cs typeface="+mn-cs"/>
+              </a:defRPr>
+            </a:lvl4pPr>
+            <a:lvl5pPr marL="1828800" indent="0" algn="l" defTabSz="914400" rtl="0" eaLnBrk="1" latinLnBrk="0" hangingPunct="1">
+              <a:lnSpc>
+                <a:spcPct val="90000"/>
+              </a:lnSpc>
+              <a:spcBef>
+                <a:spcPts val="200"/>
+              </a:spcBef>
+              <a:spcAft>
+                <a:spcPts val="400"/>
+              </a:spcAft>
+              <a:buClr>
+                <a:schemeClr val="bg1">
+                  <a:lumMod val="95000"/>
+                  <a:lumOff val="5000"/>
+                </a:schemeClr>
+              </a:buClr>
+              <a:buFont typeface="Wingdings" pitchFamily="2" charset="2"/>
+              <a:buNone/>
+              <a:defRPr sz="1400" kern="1200">
+                <a:solidFill>
+                  <a:schemeClr val="tx1">
+                    <a:tint val="75000"/>
+                  </a:schemeClr>
+                </a:solidFill>
+                <a:latin typeface="+mn-lt"/>
+                <a:ea typeface="+mn-ea"/>
+                <a:cs typeface="+mn-cs"/>
+              </a:defRPr>
+            </a:lvl5pPr>
+            <a:lvl6pPr marL="2286000" indent="0" algn="l" defTabSz="914400" rtl="0" eaLnBrk="1" latinLnBrk="0" hangingPunct="1">
+              <a:lnSpc>
+                <a:spcPct val="90000"/>
+              </a:lnSpc>
+              <a:spcBef>
+                <a:spcPts val="200"/>
+              </a:spcBef>
+              <a:spcAft>
+                <a:spcPts val="400"/>
+              </a:spcAft>
+              <a:buClr>
+                <a:schemeClr val="tx1"/>
+              </a:buClr>
+              <a:buFont typeface="Wingdings" pitchFamily="2" charset="2"/>
+              <a:buNone/>
+              <a:defRPr sz="1400" kern="1200">
+                <a:solidFill>
+                  <a:schemeClr val="tx1">
+                    <a:tint val="75000"/>
+                  </a:schemeClr>
+                </a:solidFill>
+                <a:latin typeface="+mn-lt"/>
+                <a:ea typeface="+mn-ea"/>
+                <a:cs typeface="+mn-cs"/>
+              </a:defRPr>
+            </a:lvl6pPr>
+            <a:lvl7pPr marL="2743200" indent="0" algn="l" defTabSz="914400" rtl="0" eaLnBrk="1" latinLnBrk="0" hangingPunct="1">
+              <a:lnSpc>
+                <a:spcPct val="90000"/>
+              </a:lnSpc>
+              <a:spcBef>
+                <a:spcPts val="200"/>
+              </a:spcBef>
+              <a:spcAft>
+                <a:spcPts val="400"/>
+              </a:spcAft>
+              <a:buClr>
+                <a:schemeClr val="tx1"/>
+              </a:buClr>
+              <a:buFont typeface="Wingdings" pitchFamily="2" charset="2"/>
+              <a:buNone/>
+              <a:defRPr sz="1400" kern="1200">
+                <a:solidFill>
+                  <a:schemeClr val="tx1">
+                    <a:tint val="75000"/>
+                  </a:schemeClr>
+                </a:solidFill>
+                <a:latin typeface="+mn-lt"/>
+                <a:ea typeface="+mn-ea"/>
+                <a:cs typeface="+mn-cs"/>
+              </a:defRPr>
+            </a:lvl7pPr>
+            <a:lvl8pPr marL="3200400" indent="0" algn="l" defTabSz="914400" rtl="0" eaLnBrk="1" latinLnBrk="0" hangingPunct="1">
+              <a:lnSpc>
+                <a:spcPct val="90000"/>
+              </a:lnSpc>
+              <a:spcBef>
+                <a:spcPts val="200"/>
+              </a:spcBef>
+              <a:spcAft>
+                <a:spcPts val="400"/>
+              </a:spcAft>
+              <a:buClr>
+                <a:schemeClr val="tx1"/>
+              </a:buClr>
+              <a:buFont typeface="Wingdings" pitchFamily="2" charset="2"/>
+              <a:buNone/>
+              <a:defRPr sz="1400" kern="1200">
+                <a:solidFill>
+                  <a:schemeClr val="tx1">
+                    <a:tint val="75000"/>
+                  </a:schemeClr>
+                </a:solidFill>
+                <a:latin typeface="+mn-lt"/>
+                <a:ea typeface="+mn-ea"/>
+                <a:cs typeface="+mn-cs"/>
+              </a:defRPr>
+            </a:lvl8pPr>
+            <a:lvl9pPr marL="3657600" indent="0" algn="l" defTabSz="914400" rtl="0" eaLnBrk="1" latinLnBrk="0" hangingPunct="1">
+              <a:lnSpc>
+                <a:spcPct val="90000"/>
+              </a:lnSpc>
+              <a:spcBef>
+                <a:spcPts val="200"/>
+              </a:spcBef>
+              <a:spcAft>
+                <a:spcPts val="400"/>
+              </a:spcAft>
+              <a:buClr>
+                <a:schemeClr val="tx1"/>
+              </a:buClr>
+              <a:buFont typeface="Wingdings" pitchFamily="2" charset="2"/>
+              <a:buNone/>
+              <a:defRPr sz="1400" kern="1200">
+                <a:solidFill>
+                  <a:schemeClr val="tx1">
+                    <a:tint val="75000"/>
+                  </a:schemeClr>
+                </a:solidFill>
+                <a:latin typeface="+mn-lt"/>
+                <a:ea typeface="+mn-ea"/>
+                <a:cs typeface="+mn-cs"/>
+              </a:defRPr>
+            </a:lvl9pPr>
+          </a:lstStyle>
+          <a:p>
+            <a:pPr marL="0" indent="0">
+              <a:buNone/>
+            </a:pPr>
+            <a:r>
+              <a:rPr lang="it-IT" sz="6000" b="0" dirty="0"/>
+              <a:t>Questo tipo di </a:t>
+            </a:r>
+            <a:r>
+              <a:rPr lang="it-IT" sz="6000" dirty="0"/>
+              <a:t>input</a:t>
+            </a:r>
+            <a:r>
+              <a:rPr lang="it-IT" sz="6000" b="0" dirty="0"/>
+              <a:t> rappresenta un campo in cui è possibile inserire una password.</a:t>
+            </a:r>
+            <a:br>
+              <a:rPr lang="en-US" b="0" dirty="0">
+                <a:solidFill>
+                  <a:srgbClr val="000000"/>
+                </a:solidFill>
+                <a:latin typeface="Consolas" panose="020B0609020204030204" pitchFamily="49" charset="0"/>
+              </a:rPr>
+            </a:br>
+            <a:r>
+              <a:rPr lang="en-US" b="0" dirty="0">
+                <a:solidFill>
+                  <a:srgbClr val="000000"/>
+                </a:solidFill>
+                <a:latin typeface="Consolas" panose="020B0609020204030204" pitchFamily="49" charset="0"/>
+              </a:rPr>
+              <a:t>									</a:t>
+            </a:r>
+          </a:p>
+        </p:txBody>
+      </p:sp>
+      <p:sp>
+        <p:nvSpPr>
+          <p:cNvPr id="7" name="CasellaDiTesto 6">
+            <a:extLst>
+              <a:ext uri="{FF2B5EF4-FFF2-40B4-BE49-F238E27FC236}">
+                <a16:creationId xmlns:a16="http://schemas.microsoft.com/office/drawing/2014/main" id="{7FAF89A7-A109-4189-8A28-4B0BD943F70F}"/>
+              </a:ext>
+            </a:extLst>
+          </p:cNvPr>
+          <p:cNvSpPr txBox="1"/>
+          <p:nvPr/>
+        </p:nvSpPr>
+        <p:spPr>
+          <a:xfrm>
+            <a:off x="565714" y="2968752"/>
+            <a:ext cx="11437310" cy="738664"/>
+          </a:xfrm>
+          <a:prstGeom prst="rect">
+            <a:avLst/>
+          </a:prstGeom>
+          <a:noFill/>
+        </p:spPr>
+        <p:txBody>
+          <a:bodyPr wrap="square" rtlCol="0">
+            <a:spAutoFit/>
+          </a:bodyPr>
+          <a:lstStyle/>
+          <a:p>
+            <a:r>
+              <a:rPr lang="en-US" sz="2400" dirty="0">
+                <a:solidFill>
+                  <a:srgbClr val="0000CD"/>
+                </a:solidFill>
+                <a:latin typeface="Consolas" panose="020B0609020204030204" pitchFamily="49" charset="0"/>
+              </a:rPr>
+              <a:t>&lt;</a:t>
+            </a:r>
+            <a:r>
+              <a:rPr lang="en-US" sz="2400" dirty="0">
+                <a:solidFill>
+                  <a:srgbClr val="A52A2A"/>
+                </a:solidFill>
+                <a:latin typeface="Consolas" panose="020B0609020204030204" pitchFamily="49" charset="0"/>
+              </a:rPr>
+              <a:t>input</a:t>
+            </a:r>
+            <a:r>
+              <a:rPr lang="en-US" sz="2400" dirty="0">
+                <a:solidFill>
+                  <a:srgbClr val="FF0000"/>
+                </a:solidFill>
+                <a:latin typeface="Consolas" panose="020B0609020204030204" pitchFamily="49" charset="0"/>
+              </a:rPr>
+              <a:t> type</a:t>
+            </a:r>
+            <a:r>
+              <a:rPr lang="en-US" sz="2400" dirty="0">
+                <a:solidFill>
+                  <a:srgbClr val="0000CD"/>
+                </a:solidFill>
+                <a:latin typeface="Consolas" panose="020B0609020204030204" pitchFamily="49" charset="0"/>
+              </a:rPr>
+              <a:t>="password"</a:t>
+            </a:r>
+            <a:r>
+              <a:rPr lang="en-US" sz="2400" dirty="0">
+                <a:solidFill>
+                  <a:srgbClr val="FF0000"/>
+                </a:solidFill>
+                <a:latin typeface="Consolas" panose="020B0609020204030204" pitchFamily="49" charset="0"/>
+              </a:rPr>
+              <a:t> name</a:t>
+            </a:r>
+            <a:r>
+              <a:rPr lang="en-US" sz="2400" dirty="0">
+                <a:solidFill>
+                  <a:srgbClr val="0000CD"/>
+                </a:solidFill>
+                <a:latin typeface="Consolas" panose="020B0609020204030204" pitchFamily="49" charset="0"/>
+              </a:rPr>
+              <a:t>="</a:t>
+            </a:r>
+            <a:r>
+              <a:rPr lang="en-US" sz="2400" dirty="0" err="1">
+                <a:solidFill>
+                  <a:srgbClr val="0000CD"/>
+                </a:solidFill>
+                <a:latin typeface="Consolas" panose="020B0609020204030204" pitchFamily="49" charset="0"/>
+              </a:rPr>
+              <a:t>psw</a:t>
+            </a:r>
+            <a:r>
+              <a:rPr lang="en-US" sz="2400" dirty="0">
+                <a:solidFill>
+                  <a:srgbClr val="0000CD"/>
+                </a:solidFill>
+                <a:latin typeface="Consolas" panose="020B0609020204030204" pitchFamily="49" charset="0"/>
+              </a:rPr>
+              <a:t>"&gt;</a:t>
+            </a:r>
+            <a:br>
+              <a:rPr lang="it-IT" sz="2400" dirty="0">
+                <a:solidFill>
+                  <a:srgbClr val="0000CD"/>
+                </a:solidFill>
+                <a:latin typeface="Consolas" panose="020B0609020204030204" pitchFamily="49" charset="0"/>
+              </a:rPr>
+            </a:br>
+            <a:endParaRPr lang="it-IT" dirty="0"/>
+          </a:p>
+        </p:txBody>
+      </p:sp>
+      <p:sp>
+        <p:nvSpPr>
+          <p:cNvPr id="3" name="Rettangolo 2">
+            <a:extLst>
+              <a:ext uri="{FF2B5EF4-FFF2-40B4-BE49-F238E27FC236}">
+                <a16:creationId xmlns:a16="http://schemas.microsoft.com/office/drawing/2014/main" id="{70EC6569-2C09-428C-90A0-ABFBF4E31FDE}"/>
+              </a:ext>
+            </a:extLst>
+          </p:cNvPr>
+          <p:cNvSpPr/>
+          <p:nvPr/>
+        </p:nvSpPr>
+        <p:spPr>
+          <a:xfrm>
+            <a:off x="565714" y="3884961"/>
+            <a:ext cx="1694282" cy="461665"/>
+          </a:xfrm>
+          <a:prstGeom prst="rect">
+            <a:avLst/>
+          </a:prstGeom>
+        </p:spPr>
+        <p:txBody>
+          <a:bodyPr wrap="square">
+            <a:spAutoFit/>
+          </a:bodyPr>
+          <a:lstStyle/>
+          <a:p>
+            <a:r>
+              <a:rPr lang="it-IT" sz="2400" dirty="0">
+                <a:hlinkClick r:id="rId2"/>
+              </a:rPr>
+              <a:t>Live demo</a:t>
+            </a:r>
+            <a:endParaRPr lang="en-US" sz="2400" dirty="0">
+              <a:solidFill>
+                <a:srgbClr val="0000CD"/>
+              </a:solidFill>
+              <a:latin typeface="Consolas" panose="020B0609020204030204" pitchFamily="49" charset="0"/>
+            </a:endParaRPr>
+          </a:p>
+        </p:txBody>
+      </p:sp>
+    </p:spTree>
+    <p:extLst>
+      <p:ext uri="{BB962C8B-B14F-4D97-AF65-F5344CB8AC3E}">
+        <p14:creationId xmlns:p14="http://schemas.microsoft.com/office/powerpoint/2010/main" val="3584750831"/>
+      </p:ext>
+    </p:extLst>
+  </p:cSld>
+  <p:clrMapOvr>
+    <a:masterClrMapping/>
+  </p:clrMapOvr>
+</p:sld>
+</file>
+
+<file path=ppt/slides/slide55.xml><?xml version="1.0" encoding="utf-8"?>
 <p:sld xmlns:a="http://schemas.openxmlformats.org/drawingml/2006/main" xmlns:r="http://schemas.openxmlformats.org/officeDocument/2006/relationships" xmlns:p="http://schemas.openxmlformats.org/presentationml/2006/main">
   <p:cSld>
     <p:spTree>

--- a/slides/html.pptx
+++ b/slides/html.pptx
@@ -5,12 +5,12 @@
     <p:sldMasterId id="2147483660" r:id="rId1"/>
   </p:sldMasterIdLst>
   <p:handoutMasterIdLst>
-    <p:handoutMasterId r:id="rId76"/>
+    <p:handoutMasterId r:id="rId77"/>
   </p:handoutMasterIdLst>
   <p:sldIdLst>
     <p:sldId id="256" r:id="rId2"/>
-    <p:sldId id="258" r:id="rId3"/>
-    <p:sldId id="268" r:id="rId4"/>
+    <p:sldId id="331" r:id="rId3"/>
+    <p:sldId id="258" r:id="rId4"/>
     <p:sldId id="267" r:id="rId5"/>
     <p:sldId id="259" r:id="rId6"/>
     <p:sldId id="260" r:id="rId7"/>
@@ -82,6 +82,7 @@
     <p:sldId id="328" r:id="rId73"/>
     <p:sldId id="329" r:id="rId74"/>
     <p:sldId id="330" r:id="rId75"/>
+    <p:sldId id="268" r:id="rId76"/>
   </p:sldIdLst>
   <p:sldSz cx="12192000" cy="6858000"/>
   <p:notesSz cx="6858000" cy="9144000"/>
@@ -273,7 +274,7 @@
           <a:p>
             <a:fld id="{B29BB058-80CF-4FFD-A577-6063067B76E7}" type="datetimeFigureOut">
               <a:rPr lang="it-IT" smtClean="0"/>
-              <a:t>27/05/2018</a:t>
+              <a:t>09/07/2018</a:t>
             </a:fld>
             <a:endParaRPr lang="it-IT"/>
           </a:p>
@@ -4090,36 +4091,6 @@
       </p:sp>
       <p:sp>
         <p:nvSpPr>
-          <p:cNvPr id="4" name="Segnaposto testo 3"/>
-          <p:cNvSpPr>
-            <a:spLocks noGrp="1"/>
-          </p:cNvSpPr>
-          <p:nvPr>
-            <p:ph type="body" sz="quarter" idx="10"/>
-          </p:nvPr>
-        </p:nvSpPr>
-        <p:spPr>
-          <a:xfrm>
-            <a:off x="4477123" y="4286931"/>
-            <a:ext cx="3243593" cy="499754"/>
-          </a:xfrm>
-        </p:spPr>
-        <p:txBody>
-          <a:bodyPr>
-            <a:normAutofit fontScale="92500"/>
-          </a:bodyPr>
-          <a:lstStyle/>
-          <a:p>
-            <a:pPr algn="ctr"/>
-            <a:r>
-              <a:rPr lang="it-IT" dirty="0"/>
-              <a:t>29/05/2018 - 13/10/2018</a:t>
-            </a:r>
-          </a:p>
-        </p:txBody>
-      </p:sp>
-      <p:sp>
-        <p:nvSpPr>
           <p:cNvPr id="5" name="Segnaposto testo 4"/>
           <p:cNvSpPr>
             <a:spLocks noGrp="1"/>
@@ -4130,8 +4101,8 @@
         </p:nvSpPr>
         <p:spPr>
           <a:xfrm>
-            <a:off x="9581154" y="5383033"/>
-            <a:ext cx="2610846" cy="1474967"/>
+            <a:off x="3480141" y="4501485"/>
+            <a:ext cx="5537923" cy="2140235"/>
           </a:xfrm>
         </p:spPr>
         <p:txBody>
@@ -4140,20 +4111,34 @@
           <a:p>
             <a:r>
               <a:rPr lang="it-IT" dirty="0"/>
-              <a:t>Gargaro Andrea</a:t>
+              <a:t>Giorgio Masci</a:t>
             </a:r>
           </a:p>
           <a:p>
             <a:r>
               <a:rPr lang="it-IT" dirty="0"/>
-              <a:t>Labarile Marco</a:t>
+              <a:t>Andrea Gargaro</a:t>
             </a:r>
           </a:p>
           <a:p>
             <a:r>
               <a:rPr lang="it-IT" dirty="0"/>
-              <a:t>Masci Giorgio</a:t>
-            </a:r>
+              <a:t>Andrea </a:t>
+            </a:r>
+            <a:r>
+              <a:rPr lang="it-IT" dirty="0" err="1"/>
+              <a:t>Fraccalvieri</a:t>
+            </a:r>
+            <a:endParaRPr lang="it-IT" dirty="0"/>
+          </a:p>
+          <a:p>
+            <a:r>
+              <a:rPr lang="it-IT" dirty="0"/>
+              <a:t>Marco Labarile</a:t>
+            </a:r>
+          </a:p>
+          <a:p>
+            <a:endParaRPr lang="it-IT" dirty="0"/>
           </a:p>
         </p:txBody>
       </p:sp>
@@ -8744,151 +8729,179 @@
           <a:chExt cx="0" cy="0"/>
         </a:xfrm>
       </p:grpSpPr>
+      <p:pic>
+        <p:nvPicPr>
+          <p:cNvPr id="1026" name="Picture 2" descr="https://www.codearchitects.com/img/team/Francesco-Balena-300x300.jpg">
+            <a:extLst>
+              <a:ext uri="{FF2B5EF4-FFF2-40B4-BE49-F238E27FC236}">
+                <a16:creationId xmlns:a16="http://schemas.microsoft.com/office/drawing/2014/main" id="{B000F381-4DDF-4BC0-B837-302F92F067C2}"/>
+              </a:ext>
+            </a:extLst>
+          </p:cNvPr>
+          <p:cNvPicPr>
+            <a:picLocks noChangeAspect="1" noChangeArrowheads="1"/>
+          </p:cNvPicPr>
+          <p:nvPr/>
+        </p:nvPicPr>
+        <p:blipFill>
+          <a:blip r:embed="rId2">
+            <a:extLst>
+              <a:ext uri="{28A0092B-C50C-407E-A947-70E740481C1C}">
+                <a14:useLocalDpi xmlns:a14="http://schemas.microsoft.com/office/drawing/2010/main" val="0"/>
+              </a:ext>
+            </a:extLst>
+          </a:blip>
+          <a:srcRect/>
+          <a:stretch>
+            <a:fillRect/>
+          </a:stretch>
+        </p:blipFill>
+        <p:spPr bwMode="auto">
+          <a:xfrm>
+            <a:off x="2274478" y="3429000"/>
+            <a:ext cx="2857500" cy="2857500"/>
+          </a:xfrm>
+          <a:prstGeom prst="rect">
+            <a:avLst/>
+          </a:prstGeom>
+          <a:noFill/>
+          <a:extLst>
+            <a:ext uri="{909E8E84-426E-40DD-AFC4-6F175D3DCCD1}">
+              <a14:hiddenFill xmlns:a14="http://schemas.microsoft.com/office/drawing/2010/main">
+                <a:solidFill>
+                  <a:srgbClr val="FFFFFF"/>
+                </a:solidFill>
+              </a14:hiddenFill>
+            </a:ext>
+          </a:extLst>
+        </p:spPr>
+      </p:pic>
+      <p:pic>
+        <p:nvPicPr>
+          <p:cNvPr id="1028" name="Picture 4" descr="Giuseppe Dimauro">
+            <a:extLst>
+              <a:ext uri="{FF2B5EF4-FFF2-40B4-BE49-F238E27FC236}">
+                <a16:creationId xmlns:a16="http://schemas.microsoft.com/office/drawing/2014/main" id="{24C135FA-441D-47DC-887D-BE51E8BE189D}"/>
+              </a:ext>
+            </a:extLst>
+          </p:cNvPr>
+          <p:cNvPicPr>
+            <a:picLocks noChangeAspect="1" noChangeArrowheads="1"/>
+          </p:cNvPicPr>
+          <p:nvPr/>
+        </p:nvPicPr>
+        <p:blipFill>
+          <a:blip r:embed="rId3">
+            <a:extLst>
+              <a:ext uri="{28A0092B-C50C-407E-A947-70E740481C1C}">
+                <a14:useLocalDpi xmlns:a14="http://schemas.microsoft.com/office/drawing/2010/main" val="0"/>
+              </a:ext>
+            </a:extLst>
+          </a:blip>
+          <a:srcRect/>
+          <a:stretch>
+            <a:fillRect/>
+          </a:stretch>
+        </p:blipFill>
+        <p:spPr bwMode="auto">
+          <a:xfrm>
+            <a:off x="6742446" y="3429000"/>
+            <a:ext cx="2857500" cy="2857500"/>
+          </a:xfrm>
+          <a:prstGeom prst="rect">
+            <a:avLst/>
+          </a:prstGeom>
+          <a:noFill/>
+          <a:extLst>
+            <a:ext uri="{909E8E84-426E-40DD-AFC4-6F175D3DCCD1}">
+              <a14:hiddenFill xmlns:a14="http://schemas.microsoft.com/office/drawing/2010/main">
+                <a:solidFill>
+                  <a:srgbClr val="FFFFFF"/>
+                </a:solidFill>
+              </a14:hiddenFill>
+            </a:ext>
+          </a:extLst>
+        </p:spPr>
+      </p:pic>
       <p:sp>
         <p:nvSpPr>
-          <p:cNvPr id="2" name="Title 1"/>
-          <p:cNvSpPr>
-            <a:spLocks noGrp="1"/>
-          </p:cNvSpPr>
-          <p:nvPr>
-            <p:ph type="title"/>
-          </p:nvPr>
+          <p:cNvPr id="8" name="CasellaDiTesto 7">
+            <a:extLst>
+              <a:ext uri="{FF2B5EF4-FFF2-40B4-BE49-F238E27FC236}">
+                <a16:creationId xmlns:a16="http://schemas.microsoft.com/office/drawing/2014/main" id="{4DB07BCC-B7E1-4563-B7BE-D4832F4C66C4}"/>
+              </a:ext>
+            </a:extLst>
+          </p:cNvPr>
+          <p:cNvSpPr txBox="1"/>
+          <p:nvPr/>
         </p:nvSpPr>
-        <p:spPr/>
+        <p:spPr>
+          <a:xfrm>
+            <a:off x="7150025" y="6384374"/>
+            <a:ext cx="3027923" cy="369332"/>
+          </a:xfrm>
+          <a:prstGeom prst="rect">
+            <a:avLst/>
+          </a:prstGeom>
+          <a:noFill/>
+        </p:spPr>
         <p:txBody>
-          <a:bodyPr/>
+          <a:bodyPr wrap="square" rtlCol="0">
+            <a:spAutoFit/>
+          </a:bodyPr>
           <a:lstStyle/>
           <a:p>
             <a:r>
               <a:rPr lang="it-IT" dirty="0"/>
-              <a:t>Argomenti</a:t>
-            </a:r>
+              <a:t>Giuseppe </a:t>
+            </a:r>
+            <a:r>
+              <a:rPr lang="it-IT" dirty="0" err="1"/>
+              <a:t>Dimauro</a:t>
+            </a:r>
+            <a:endParaRPr lang="it-IT" dirty="0"/>
           </a:p>
         </p:txBody>
       </p:sp>
       <p:sp>
         <p:nvSpPr>
-          <p:cNvPr id="3" name="Text Placeholder 2"/>
-          <p:cNvSpPr>
-            <a:spLocks noGrp="1"/>
-          </p:cNvSpPr>
-          <p:nvPr>
-            <p:ph type="body" idx="1"/>
-          </p:nvPr>
+          <p:cNvPr id="11" name="CasellaDiTesto 10">
+            <a:extLst>
+              <a:ext uri="{FF2B5EF4-FFF2-40B4-BE49-F238E27FC236}">
+                <a16:creationId xmlns:a16="http://schemas.microsoft.com/office/drawing/2014/main" id="{8923A16A-2D67-42B1-B49D-34B41560BAAF}"/>
+              </a:ext>
+            </a:extLst>
+          </p:cNvPr>
+          <p:cNvSpPr txBox="1"/>
+          <p:nvPr/>
         </p:nvSpPr>
         <p:spPr>
           <a:xfrm>
-            <a:off x="773620" y="2288544"/>
-            <a:ext cx="10515600" cy="3643374"/>
+            <a:off x="2698484" y="6384374"/>
+            <a:ext cx="3027923" cy="369332"/>
           </a:xfrm>
+          <a:prstGeom prst="rect">
+            <a:avLst/>
+          </a:prstGeom>
+          <a:noFill/>
         </p:spPr>
         <p:txBody>
-          <a:bodyPr/>
+          <a:bodyPr wrap="square" rtlCol="0">
+            <a:spAutoFit/>
+          </a:bodyPr>
           <a:lstStyle/>
           <a:p>
-            <a:pPr marL="0" indent="0">
-              <a:buNone/>
-            </a:pPr>
-            <a:r>
-              <a:rPr lang="it-IT" b="0" dirty="0"/>
-              <a:t>Durante queste lezioni, verranno forniti agli allievi le basi per lo sviluppo di applicazioni web dinamiche mediante la realizzazione di un progetto in loco. Si affronteranno argomenti quali:</a:t>
-            </a:r>
-          </a:p>
-          <a:p>
-            <a:r>
-              <a:rPr lang="it-IT" b="0" dirty="0"/>
-              <a:t>CSS3</a:t>
-            </a:r>
-          </a:p>
-          <a:p>
-            <a:r>
-              <a:rPr lang="it-IT" b="0" dirty="0"/>
-              <a:t>HTML5</a:t>
-            </a:r>
-          </a:p>
-          <a:p>
-            <a:r>
-              <a:rPr lang="it-IT" b="0" dirty="0" err="1"/>
-              <a:t>Javascript</a:t>
-            </a:r>
-            <a:r>
-              <a:rPr lang="it-IT" b="0" dirty="0"/>
-              <a:t>/</a:t>
-            </a:r>
-            <a:r>
-              <a:rPr lang="it-IT" b="0" dirty="0" err="1"/>
-              <a:t>Typescript</a:t>
-            </a:r>
-            <a:endParaRPr lang="it-IT" b="0" dirty="0"/>
-          </a:p>
-          <a:p>
-            <a:r>
-              <a:rPr lang="it-IT" b="0" dirty="0" err="1"/>
-              <a:t>NodeJS</a:t>
-            </a:r>
-            <a:endParaRPr lang="it-IT" b="0" dirty="0"/>
-          </a:p>
-          <a:p>
-            <a:r>
-              <a:rPr lang="it-IT" b="0" dirty="0"/>
-              <a:t>Realizzazione di una applicazione di Chat con le tecnologie sopraelencate</a:t>
-            </a:r>
-          </a:p>
-          <a:p>
-            <a:pPr marL="0" indent="0">
-              <a:buNone/>
-            </a:pPr>
-            <a:endParaRPr lang="it-IT" dirty="0">
-              <a:solidFill>
-                <a:schemeClr val="tx2"/>
-              </a:solidFill>
-            </a:endParaRPr>
-          </a:p>
-          <a:p>
-            <a:pPr marL="0" indent="0">
-              <a:buNone/>
-            </a:pPr>
-            <a:endParaRPr lang="it-IT" dirty="0">
-              <a:solidFill>
-                <a:schemeClr val="tx2"/>
-              </a:solidFill>
-            </a:endParaRPr>
-          </a:p>
-          <a:p>
-            <a:pPr lvl="1"/>
-            <a:endParaRPr lang="it-IT" dirty="0"/>
-          </a:p>
-        </p:txBody>
-      </p:sp>
-      <p:sp>
-        <p:nvSpPr>
-          <p:cNvPr id="4" name="Text Placeholder 3"/>
-          <p:cNvSpPr>
-            <a:spLocks noGrp="1"/>
-          </p:cNvSpPr>
-          <p:nvPr>
-            <p:ph type="body" sz="quarter" idx="10"/>
-          </p:nvPr>
-        </p:nvSpPr>
-        <p:spPr/>
-        <p:txBody>
-          <a:bodyPr/>
-          <a:lstStyle/>
-          <a:p>
             <a:r>
               <a:rPr lang="it-IT" dirty="0"/>
-              <a:t>Fondamenti di sviluppo web</a:t>
-            </a:r>
-          </a:p>
-          <a:p>
-            <a:endParaRPr lang="it-IT" dirty="0"/>
+              <a:t>Francesco Balena</a:t>
+            </a:r>
           </a:p>
         </p:txBody>
       </p:sp>
     </p:spTree>
     <p:extLst>
       <p:ext uri="{BB962C8B-B14F-4D97-AF65-F5344CB8AC3E}">
-        <p14:creationId xmlns:p14="http://schemas.microsoft.com/office/powerpoint/2010/main" val="607495207"/>
+        <p14:creationId xmlns:p14="http://schemas.microsoft.com/office/powerpoint/2010/main" val="3280364283"/>
       </p:ext>
     </p:extLst>
   </p:cSld>
@@ -15253,7 +15266,7 @@
           <a:p>
             <a:r>
               <a:rPr lang="it-IT" dirty="0"/>
-              <a:t>MATERIALE DEL CORSO</a:t>
+              <a:t>Argomenti</a:t>
             </a:r>
           </a:p>
         </p:txBody>
@@ -15282,91 +15295,48 @@
               <a:buNone/>
             </a:pPr>
             <a:r>
-              <a:rPr lang="it-IT" b="0" dirty="0">
-                <a:solidFill>
-                  <a:schemeClr val="tx2"/>
-                </a:solidFill>
-              </a:rPr>
-              <a:t>Il materiale del corso (slide </a:t>
-            </a:r>
-            <a:r>
-              <a:rPr lang="it-IT" b="0" dirty="0" err="1">
-                <a:solidFill>
-                  <a:schemeClr val="tx2"/>
-                </a:solidFill>
-              </a:rPr>
-              <a:t>Powerpoint</a:t>
-            </a:r>
-            <a:r>
-              <a:rPr lang="it-IT" b="0" dirty="0">
-                <a:solidFill>
-                  <a:schemeClr val="tx2"/>
-                </a:solidFill>
-              </a:rPr>
-              <a:t> </a:t>
-            </a:r>
-            <a:r>
               <a:rPr lang="it-IT" b="0" dirty="0"/>
-              <a:t>e codice sorgente) è disponibile per chiunque.</a:t>
-            </a:r>
-          </a:p>
-          <a:p>
-            <a:pPr marL="0" indent="0">
-              <a:buNone/>
-            </a:pPr>
-            <a:endParaRPr lang="it-IT" b="0" dirty="0">
-              <a:solidFill>
-                <a:schemeClr val="tx2"/>
-              </a:solidFill>
-            </a:endParaRPr>
-          </a:p>
-          <a:p>
-            <a:pPr marL="0" indent="0">
-              <a:buNone/>
-            </a:pPr>
+              <a:t>Durante queste lezioni, verranno forniti agli allievi le basi per lo sviluppo di applicazioni web dinamiche mediante la realizzazione di un progetto in loco. Si affronteranno argomenti quali:</a:t>
+            </a:r>
+          </a:p>
+          <a:p>
             <a:r>
               <a:rPr lang="it-IT" b="0" dirty="0"/>
-              <a:t>Dopo ogni lezione è consigliabile rivedere le slide e giocare un po’ con gli esempi.</a:t>
-            </a:r>
-          </a:p>
-          <a:p>
-            <a:pPr marL="0" indent="0">
-              <a:buNone/>
-            </a:pPr>
-            <a:endParaRPr lang="it-IT" b="0" dirty="0">
-              <a:solidFill>
-                <a:schemeClr val="tx2"/>
-              </a:solidFill>
-            </a:endParaRPr>
-          </a:p>
-          <a:p>
-            <a:pPr marL="0" indent="0">
-              <a:buNone/>
-            </a:pPr>
+              <a:t>HTML5</a:t>
+            </a:r>
+          </a:p>
+          <a:p>
             <a:r>
               <a:rPr lang="it-IT" b="0" dirty="0"/>
-              <a:t>Tutto il materiale si trova nel repository GitHub di Code </a:t>
-            </a:r>
+              <a:t>CSS3</a:t>
+            </a:r>
+          </a:p>
+          <a:p>
             <a:r>
               <a:rPr lang="it-IT" b="0" dirty="0" err="1"/>
-              <a:t>Architects</a:t>
+              <a:t>Javascript</a:t>
             </a:r>
             <a:r>
               <a:rPr lang="it-IT" b="0" dirty="0"/>
-              <a:t> Training.</a:t>
-            </a:r>
-          </a:p>
-          <a:p>
-            <a:pPr marL="0" indent="0">
-              <a:buNone/>
-            </a:pPr>
+              <a:t>/</a:t>
+            </a:r>
+            <a:r>
+              <a:rPr lang="it-IT" b="0" dirty="0" err="1"/>
+              <a:t>Typescript</a:t>
+            </a:r>
+            <a:endParaRPr lang="it-IT" b="0" dirty="0"/>
+          </a:p>
+          <a:p>
+            <a:r>
+              <a:rPr lang="it-IT" b="0" dirty="0" err="1"/>
+              <a:t>NodeJS</a:t>
+            </a:r>
+            <a:endParaRPr lang="it-IT" b="0" dirty="0"/>
+          </a:p>
+          <a:p>
             <a:r>
               <a:rPr lang="it-IT" b="0" dirty="0"/>
-              <a:t>Link: </a:t>
-            </a:r>
-            <a:r>
-              <a:rPr lang="it-IT" dirty="0"/>
-              <a:t>goo.gl/f9NKkf</a:t>
+              <a:t>Realizzazione di una applicazione di Chat con le tecnologie sopraelencate</a:t>
             </a:r>
           </a:p>
           <a:p>
@@ -15423,7 +15393,7 @@
     </p:spTree>
     <p:extLst>
       <p:ext uri="{BB962C8B-B14F-4D97-AF65-F5344CB8AC3E}">
-        <p14:creationId xmlns:p14="http://schemas.microsoft.com/office/powerpoint/2010/main" val="12815179"/>
+        <p14:creationId xmlns:p14="http://schemas.microsoft.com/office/powerpoint/2010/main" val="607495207"/>
       </p:ext>
     </p:extLst>
   </p:cSld>
@@ -51327,6 +51297,220 @@
     <p:extLst>
       <p:ext uri="{BB962C8B-B14F-4D97-AF65-F5344CB8AC3E}">
         <p14:creationId xmlns:p14="http://schemas.microsoft.com/office/powerpoint/2010/main" val="3968521743"/>
+      </p:ext>
+    </p:extLst>
+  </p:cSld>
+  <p:clrMapOvr>
+    <a:masterClrMapping/>
+  </p:clrMapOvr>
+</p:sld>
+</file>
+
+<file path=ppt/slides/slide75.xml><?xml version="1.0" encoding="utf-8"?>
+<p:sld xmlns:a="http://schemas.openxmlformats.org/drawingml/2006/main" xmlns:r="http://schemas.openxmlformats.org/officeDocument/2006/relationships" xmlns:p="http://schemas.openxmlformats.org/presentationml/2006/main">
+  <p:cSld>
+    <p:spTree>
+      <p:nvGrpSpPr>
+        <p:cNvPr id="1" name=""/>
+        <p:cNvGrpSpPr/>
+        <p:nvPr/>
+      </p:nvGrpSpPr>
+      <p:grpSpPr>
+        <a:xfrm>
+          <a:off x="0" y="0"/>
+          <a:ext cx="0" cy="0"/>
+          <a:chOff x="0" y="0"/>
+          <a:chExt cx="0" cy="0"/>
+        </a:xfrm>
+      </p:grpSpPr>
+      <p:sp>
+        <p:nvSpPr>
+          <p:cNvPr id="2" name="Title 1"/>
+          <p:cNvSpPr>
+            <a:spLocks noGrp="1"/>
+          </p:cNvSpPr>
+          <p:nvPr>
+            <p:ph type="title"/>
+          </p:nvPr>
+        </p:nvSpPr>
+        <p:spPr/>
+        <p:txBody>
+          <a:bodyPr/>
+          <a:lstStyle/>
+          <a:p>
+            <a:r>
+              <a:rPr lang="it-IT" dirty="0"/>
+              <a:t>MATERIALE DEL CORSO</a:t>
+            </a:r>
+          </a:p>
+        </p:txBody>
+      </p:sp>
+      <p:sp>
+        <p:nvSpPr>
+          <p:cNvPr id="3" name="Text Placeholder 2"/>
+          <p:cNvSpPr>
+            <a:spLocks noGrp="1"/>
+          </p:cNvSpPr>
+          <p:nvPr>
+            <p:ph type="body" idx="1"/>
+          </p:nvPr>
+        </p:nvSpPr>
+        <p:spPr>
+          <a:xfrm>
+            <a:off x="773620" y="2288544"/>
+            <a:ext cx="10515600" cy="3643374"/>
+          </a:xfrm>
+        </p:spPr>
+        <p:txBody>
+          <a:bodyPr/>
+          <a:lstStyle/>
+          <a:p>
+            <a:pPr marL="0" indent="0">
+              <a:buNone/>
+            </a:pPr>
+            <a:r>
+              <a:rPr lang="it-IT" b="0" dirty="0">
+                <a:solidFill>
+                  <a:schemeClr val="tx2"/>
+                </a:solidFill>
+              </a:rPr>
+              <a:t>Il materiale del corso (slide </a:t>
+            </a:r>
+            <a:r>
+              <a:rPr lang="it-IT" b="0" dirty="0" err="1">
+                <a:solidFill>
+                  <a:schemeClr val="tx2"/>
+                </a:solidFill>
+              </a:rPr>
+              <a:t>Powerpoint</a:t>
+            </a:r>
+            <a:r>
+              <a:rPr lang="it-IT" b="0" dirty="0">
+                <a:solidFill>
+                  <a:schemeClr val="tx2"/>
+                </a:solidFill>
+              </a:rPr>
+              <a:t> </a:t>
+            </a:r>
+            <a:r>
+              <a:rPr lang="it-IT" b="0" dirty="0"/>
+              <a:t>e codice sorgente) è disponibile per chiunque.</a:t>
+            </a:r>
+          </a:p>
+          <a:p>
+            <a:pPr marL="0" indent="0">
+              <a:buNone/>
+            </a:pPr>
+            <a:endParaRPr lang="it-IT" b="0" dirty="0">
+              <a:solidFill>
+                <a:schemeClr val="tx2"/>
+              </a:solidFill>
+            </a:endParaRPr>
+          </a:p>
+          <a:p>
+            <a:pPr marL="0" indent="0">
+              <a:buNone/>
+            </a:pPr>
+            <a:r>
+              <a:rPr lang="it-IT" b="0" dirty="0"/>
+              <a:t>Dopo ogni lezione è consigliabile rivedere le slide e giocare un po’ con gli esempi.</a:t>
+            </a:r>
+          </a:p>
+          <a:p>
+            <a:pPr marL="0" indent="0">
+              <a:buNone/>
+            </a:pPr>
+            <a:endParaRPr lang="it-IT" b="0" dirty="0">
+              <a:solidFill>
+                <a:schemeClr val="tx2"/>
+              </a:solidFill>
+            </a:endParaRPr>
+          </a:p>
+          <a:p>
+            <a:pPr marL="0" indent="0">
+              <a:buNone/>
+            </a:pPr>
+            <a:r>
+              <a:rPr lang="it-IT" b="0" dirty="0"/>
+              <a:t>Tutto il materiale si trova nel repository GitHub di Code </a:t>
+            </a:r>
+            <a:r>
+              <a:rPr lang="it-IT" b="0" dirty="0" err="1"/>
+              <a:t>Architects</a:t>
+            </a:r>
+            <a:r>
+              <a:rPr lang="it-IT" b="0" dirty="0"/>
+              <a:t> Training.</a:t>
+            </a:r>
+          </a:p>
+          <a:p>
+            <a:pPr marL="0" indent="0">
+              <a:buNone/>
+            </a:pPr>
+            <a:r>
+              <a:rPr lang="it-IT" b="0" dirty="0"/>
+              <a:t>Link: </a:t>
+            </a:r>
+            <a:r>
+              <a:rPr lang="it-IT" dirty="0"/>
+              <a:t>goo.gl/f9NKkf</a:t>
+            </a:r>
+          </a:p>
+          <a:p>
+            <a:pPr marL="0" indent="0">
+              <a:buNone/>
+            </a:pPr>
+            <a:endParaRPr lang="it-IT" dirty="0">
+              <a:solidFill>
+                <a:schemeClr val="tx2"/>
+              </a:solidFill>
+            </a:endParaRPr>
+          </a:p>
+          <a:p>
+            <a:pPr marL="0" indent="0">
+              <a:buNone/>
+            </a:pPr>
+            <a:endParaRPr lang="it-IT" dirty="0">
+              <a:solidFill>
+                <a:schemeClr val="tx2"/>
+              </a:solidFill>
+            </a:endParaRPr>
+          </a:p>
+          <a:p>
+            <a:pPr lvl="1"/>
+            <a:endParaRPr lang="it-IT" dirty="0"/>
+          </a:p>
+        </p:txBody>
+      </p:sp>
+      <p:sp>
+        <p:nvSpPr>
+          <p:cNvPr id="4" name="Text Placeholder 3"/>
+          <p:cNvSpPr>
+            <a:spLocks noGrp="1"/>
+          </p:cNvSpPr>
+          <p:nvPr>
+            <p:ph type="body" sz="quarter" idx="10"/>
+          </p:nvPr>
+        </p:nvSpPr>
+        <p:spPr/>
+        <p:txBody>
+          <a:bodyPr/>
+          <a:lstStyle/>
+          <a:p>
+            <a:r>
+              <a:rPr lang="it-IT" dirty="0"/>
+              <a:t>Fondamenti di sviluppo web</a:t>
+            </a:r>
+          </a:p>
+          <a:p>
+            <a:endParaRPr lang="it-IT" dirty="0"/>
+          </a:p>
+        </p:txBody>
+      </p:sp>
+    </p:spTree>
+    <p:extLst>
+      <p:ext uri="{BB962C8B-B14F-4D97-AF65-F5344CB8AC3E}">
+        <p14:creationId xmlns:p14="http://schemas.microsoft.com/office/powerpoint/2010/main" val="12815179"/>
       </p:ext>
     </p:extLst>
   </p:cSld>
